--- a/Monitoring/Flowchart.pptx
+++ b/Monitoring/Flowchart.pptx
@@ -4,11 +4,15 @@
   <p:sldMasterIdLst>
     <p:sldMasterId id="2147483648" r:id="rId1"/>
   </p:sldMasterIdLst>
+  <p:notesMasterIdLst>
+    <p:notesMasterId r:id="rId7"/>
+  </p:notesMasterIdLst>
   <p:sldIdLst>
     <p:sldId id="256" r:id="rId2"/>
     <p:sldId id="259" r:id="rId3"/>
     <p:sldId id="260" r:id="rId4"/>
-    <p:sldId id="261" r:id="rId5"/>
+    <p:sldId id="262" r:id="rId5"/>
+    <p:sldId id="261" r:id="rId6"/>
   </p:sldIdLst>
   <p:sldSz cx="9144000" cy="6858000" type="screen4x3"/>
   <p:notesSz cx="6858000" cy="9144000"/>
@@ -110,6 +114,434 @@
 </p:presentation>
 </file>
 
+<file path=ppt/notesMasters/notesMaster1.xml><?xml version="1.0" encoding="utf-8"?>
+<p:notesMaster xmlns:a="http://schemas.openxmlformats.org/drawingml/2006/main" xmlns:r="http://schemas.openxmlformats.org/officeDocument/2006/relationships" xmlns:p="http://schemas.openxmlformats.org/presentationml/2006/main">
+  <p:cSld>
+    <p:bg>
+      <p:bgRef idx="1001">
+        <a:schemeClr val="bg1"/>
+      </p:bgRef>
+    </p:bg>
+    <p:spTree>
+      <p:nvGrpSpPr>
+        <p:cNvPr id="1" name=""/>
+        <p:cNvGrpSpPr/>
+        <p:nvPr/>
+      </p:nvGrpSpPr>
+      <p:grpSpPr>
+        <a:xfrm>
+          <a:off x="0" y="0"/>
+          <a:ext cx="0" cy="0"/>
+          <a:chOff x="0" y="0"/>
+          <a:chExt cx="0" cy="0"/>
+        </a:xfrm>
+      </p:grpSpPr>
+      <p:sp>
+        <p:nvSpPr>
+          <p:cNvPr id="2" name="머리글 개체 틀 1"/>
+          <p:cNvSpPr>
+            <a:spLocks noGrp="1"/>
+          </p:cNvSpPr>
+          <p:nvPr>
+            <p:ph type="hdr" sz="quarter"/>
+          </p:nvPr>
+        </p:nvSpPr>
+        <p:spPr>
+          <a:xfrm>
+            <a:off x="0" y="0"/>
+            <a:ext cx="2971800" cy="457200"/>
+          </a:xfrm>
+          <a:prstGeom prst="rect">
+            <a:avLst/>
+          </a:prstGeom>
+        </p:spPr>
+        <p:txBody>
+          <a:bodyPr vert="horz" lIns="91440" tIns="45720" rIns="91440" bIns="45720" rtlCol="0"/>
+          <a:lstStyle>
+            <a:lvl1pPr algn="l">
+              <a:defRPr sz="1200"/>
+            </a:lvl1pPr>
+          </a:lstStyle>
+          <a:p>
+            <a:endParaRPr lang="ko-KR" altLang="en-US"/>
+          </a:p>
+        </p:txBody>
+      </p:sp>
+      <p:sp>
+        <p:nvSpPr>
+          <p:cNvPr id="3" name="날짜 개체 틀 2"/>
+          <p:cNvSpPr>
+            <a:spLocks noGrp="1"/>
+          </p:cNvSpPr>
+          <p:nvPr>
+            <p:ph type="dt" idx="1"/>
+          </p:nvPr>
+        </p:nvSpPr>
+        <p:spPr>
+          <a:xfrm>
+            <a:off x="3884613" y="0"/>
+            <a:ext cx="2971800" cy="457200"/>
+          </a:xfrm>
+          <a:prstGeom prst="rect">
+            <a:avLst/>
+          </a:prstGeom>
+        </p:spPr>
+        <p:txBody>
+          <a:bodyPr vert="horz" lIns="91440" tIns="45720" rIns="91440" bIns="45720" rtlCol="0"/>
+          <a:lstStyle>
+            <a:lvl1pPr algn="r">
+              <a:defRPr sz="1200"/>
+            </a:lvl1pPr>
+          </a:lstStyle>
+          <a:p>
+            <a:fld id="{02BFE607-7FE7-4F97-B30B-18108EB05645}" type="datetimeFigureOut">
+              <a:rPr lang="ko-KR" altLang="en-US" smtClean="0"/>
+              <a:t>2018-12-16</a:t>
+            </a:fld>
+            <a:endParaRPr lang="ko-KR" altLang="en-US"/>
+          </a:p>
+        </p:txBody>
+      </p:sp>
+      <p:sp>
+        <p:nvSpPr>
+          <p:cNvPr id="4" name="슬라이드 이미지 개체 틀 3"/>
+          <p:cNvSpPr>
+            <a:spLocks noGrp="1" noRot="1" noChangeAspect="1"/>
+          </p:cNvSpPr>
+          <p:nvPr>
+            <p:ph type="sldImg" idx="2"/>
+          </p:nvPr>
+        </p:nvSpPr>
+        <p:spPr>
+          <a:xfrm>
+            <a:off x="1143000" y="685800"/>
+            <a:ext cx="4572000" cy="3429000"/>
+          </a:xfrm>
+          <a:prstGeom prst="rect">
+            <a:avLst/>
+          </a:prstGeom>
+          <a:noFill/>
+          <a:ln w="12700">
+            <a:solidFill>
+              <a:prstClr val="black"/>
+            </a:solidFill>
+          </a:ln>
+        </p:spPr>
+        <p:txBody>
+          <a:bodyPr vert="horz" lIns="91440" tIns="45720" rIns="91440" bIns="45720" rtlCol="0" anchor="ctr"/>
+          <a:lstStyle/>
+          <a:p>
+            <a:endParaRPr lang="ko-KR" altLang="en-US"/>
+          </a:p>
+        </p:txBody>
+      </p:sp>
+      <p:sp>
+        <p:nvSpPr>
+          <p:cNvPr id="5" name="슬라이드 노트 개체 틀 4"/>
+          <p:cNvSpPr>
+            <a:spLocks noGrp="1"/>
+          </p:cNvSpPr>
+          <p:nvPr>
+            <p:ph type="body" sz="quarter" idx="3"/>
+          </p:nvPr>
+        </p:nvSpPr>
+        <p:spPr>
+          <a:xfrm>
+            <a:off x="685800" y="4343400"/>
+            <a:ext cx="5486400" cy="4114800"/>
+          </a:xfrm>
+          <a:prstGeom prst="rect">
+            <a:avLst/>
+          </a:prstGeom>
+        </p:spPr>
+        <p:txBody>
+          <a:bodyPr vert="horz" lIns="91440" tIns="45720" rIns="91440" bIns="45720" rtlCol="0">
+            <a:normAutofit/>
+          </a:bodyPr>
+          <a:lstStyle/>
+          <a:p>
+            <a:pPr lvl="0"/>
+            <a:r>
+              <a:rPr lang="ko-KR" altLang="en-US" smtClean="0"/>
+              <a:t>마스터 텍스트 스타일을 편집합니다</a:t>
+            </a:r>
+          </a:p>
+          <a:p>
+            <a:pPr lvl="1"/>
+            <a:r>
+              <a:rPr lang="ko-KR" altLang="en-US" smtClean="0"/>
+              <a:t>둘째 수준</a:t>
+            </a:r>
+          </a:p>
+          <a:p>
+            <a:pPr lvl="2"/>
+            <a:r>
+              <a:rPr lang="ko-KR" altLang="en-US" smtClean="0"/>
+              <a:t>셋째 수준</a:t>
+            </a:r>
+          </a:p>
+          <a:p>
+            <a:pPr lvl="3"/>
+            <a:r>
+              <a:rPr lang="ko-KR" altLang="en-US" smtClean="0"/>
+              <a:t>넷째 수준</a:t>
+            </a:r>
+          </a:p>
+          <a:p>
+            <a:pPr lvl="4"/>
+            <a:r>
+              <a:rPr lang="ko-KR" altLang="en-US" smtClean="0"/>
+              <a:t>다섯째 수준</a:t>
+            </a:r>
+            <a:endParaRPr lang="ko-KR" altLang="en-US"/>
+          </a:p>
+        </p:txBody>
+      </p:sp>
+      <p:sp>
+        <p:nvSpPr>
+          <p:cNvPr id="6" name="바닥글 개체 틀 5"/>
+          <p:cNvSpPr>
+            <a:spLocks noGrp="1"/>
+          </p:cNvSpPr>
+          <p:nvPr>
+            <p:ph type="ftr" sz="quarter" idx="4"/>
+          </p:nvPr>
+        </p:nvSpPr>
+        <p:spPr>
+          <a:xfrm>
+            <a:off x="0" y="8685213"/>
+            <a:ext cx="2971800" cy="457200"/>
+          </a:xfrm>
+          <a:prstGeom prst="rect">
+            <a:avLst/>
+          </a:prstGeom>
+        </p:spPr>
+        <p:txBody>
+          <a:bodyPr vert="horz" lIns="91440" tIns="45720" rIns="91440" bIns="45720" rtlCol="0" anchor="b"/>
+          <a:lstStyle>
+            <a:lvl1pPr algn="l">
+              <a:defRPr sz="1200"/>
+            </a:lvl1pPr>
+          </a:lstStyle>
+          <a:p>
+            <a:endParaRPr lang="ko-KR" altLang="en-US"/>
+          </a:p>
+        </p:txBody>
+      </p:sp>
+      <p:sp>
+        <p:nvSpPr>
+          <p:cNvPr id="7" name="슬라이드 번호 개체 틀 6"/>
+          <p:cNvSpPr>
+            <a:spLocks noGrp="1"/>
+          </p:cNvSpPr>
+          <p:nvPr>
+            <p:ph type="sldNum" sz="quarter" idx="5"/>
+          </p:nvPr>
+        </p:nvSpPr>
+        <p:spPr>
+          <a:xfrm>
+            <a:off x="3884613" y="8685213"/>
+            <a:ext cx="2971800" cy="457200"/>
+          </a:xfrm>
+          <a:prstGeom prst="rect">
+            <a:avLst/>
+          </a:prstGeom>
+        </p:spPr>
+        <p:txBody>
+          <a:bodyPr vert="horz" lIns="91440" tIns="45720" rIns="91440" bIns="45720" rtlCol="0" anchor="b"/>
+          <a:lstStyle>
+            <a:lvl1pPr algn="r">
+              <a:defRPr sz="1200"/>
+            </a:lvl1pPr>
+          </a:lstStyle>
+          <a:p>
+            <a:fld id="{A905DA5C-54F7-4290-B29D-BE569DDD52F1}" type="slidenum">
+              <a:rPr lang="ko-KR" altLang="en-US" smtClean="0"/>
+              <a:t>‹#›</a:t>
+            </a:fld>
+            <a:endParaRPr lang="ko-KR" altLang="en-US"/>
+          </a:p>
+        </p:txBody>
+      </p:sp>
+    </p:spTree>
+  </p:cSld>
+  <p:clrMap bg1="lt1" tx1="dk1" bg2="lt2" tx2="dk2" accent1="accent1" accent2="accent2" accent3="accent3" accent4="accent4" accent5="accent5" accent6="accent6" hlink="hlink" folHlink="folHlink"/>
+  <p:notesStyle>
+    <a:lvl1pPr marL="0" algn="l" defTabSz="914400" rtl="0" eaLnBrk="1" latinLnBrk="1" hangingPunct="1">
+      <a:defRPr sz="1200" kern="1200">
+        <a:solidFill>
+          <a:schemeClr val="tx1"/>
+        </a:solidFill>
+        <a:latin typeface="+mn-lt"/>
+        <a:ea typeface="+mn-ea"/>
+        <a:cs typeface="+mn-cs"/>
+      </a:defRPr>
+    </a:lvl1pPr>
+    <a:lvl2pPr marL="457200" algn="l" defTabSz="914400" rtl="0" eaLnBrk="1" latinLnBrk="1" hangingPunct="1">
+      <a:defRPr sz="1200" kern="1200">
+        <a:solidFill>
+          <a:schemeClr val="tx1"/>
+        </a:solidFill>
+        <a:latin typeface="+mn-lt"/>
+        <a:ea typeface="+mn-ea"/>
+        <a:cs typeface="+mn-cs"/>
+      </a:defRPr>
+    </a:lvl2pPr>
+    <a:lvl3pPr marL="914400" algn="l" defTabSz="914400" rtl="0" eaLnBrk="1" latinLnBrk="1" hangingPunct="1">
+      <a:defRPr sz="1200" kern="1200">
+        <a:solidFill>
+          <a:schemeClr val="tx1"/>
+        </a:solidFill>
+        <a:latin typeface="+mn-lt"/>
+        <a:ea typeface="+mn-ea"/>
+        <a:cs typeface="+mn-cs"/>
+      </a:defRPr>
+    </a:lvl3pPr>
+    <a:lvl4pPr marL="1371600" algn="l" defTabSz="914400" rtl="0" eaLnBrk="1" latinLnBrk="1" hangingPunct="1">
+      <a:defRPr sz="1200" kern="1200">
+        <a:solidFill>
+          <a:schemeClr val="tx1"/>
+        </a:solidFill>
+        <a:latin typeface="+mn-lt"/>
+        <a:ea typeface="+mn-ea"/>
+        <a:cs typeface="+mn-cs"/>
+      </a:defRPr>
+    </a:lvl4pPr>
+    <a:lvl5pPr marL="1828800" algn="l" defTabSz="914400" rtl="0" eaLnBrk="1" latinLnBrk="1" hangingPunct="1">
+      <a:defRPr sz="1200" kern="1200">
+        <a:solidFill>
+          <a:schemeClr val="tx1"/>
+        </a:solidFill>
+        <a:latin typeface="+mn-lt"/>
+        <a:ea typeface="+mn-ea"/>
+        <a:cs typeface="+mn-cs"/>
+      </a:defRPr>
+    </a:lvl5pPr>
+    <a:lvl6pPr marL="2286000" algn="l" defTabSz="914400" rtl="0" eaLnBrk="1" latinLnBrk="1" hangingPunct="1">
+      <a:defRPr sz="1200" kern="1200">
+        <a:solidFill>
+          <a:schemeClr val="tx1"/>
+        </a:solidFill>
+        <a:latin typeface="+mn-lt"/>
+        <a:ea typeface="+mn-ea"/>
+        <a:cs typeface="+mn-cs"/>
+      </a:defRPr>
+    </a:lvl6pPr>
+    <a:lvl7pPr marL="2743200" algn="l" defTabSz="914400" rtl="0" eaLnBrk="1" latinLnBrk="1" hangingPunct="1">
+      <a:defRPr sz="1200" kern="1200">
+        <a:solidFill>
+          <a:schemeClr val="tx1"/>
+        </a:solidFill>
+        <a:latin typeface="+mn-lt"/>
+        <a:ea typeface="+mn-ea"/>
+        <a:cs typeface="+mn-cs"/>
+      </a:defRPr>
+    </a:lvl7pPr>
+    <a:lvl8pPr marL="3200400" algn="l" defTabSz="914400" rtl="0" eaLnBrk="1" latinLnBrk="1" hangingPunct="1">
+      <a:defRPr sz="1200" kern="1200">
+        <a:solidFill>
+          <a:schemeClr val="tx1"/>
+        </a:solidFill>
+        <a:latin typeface="+mn-lt"/>
+        <a:ea typeface="+mn-ea"/>
+        <a:cs typeface="+mn-cs"/>
+      </a:defRPr>
+    </a:lvl8pPr>
+    <a:lvl9pPr marL="3657600" algn="l" defTabSz="914400" rtl="0" eaLnBrk="1" latinLnBrk="1" hangingPunct="1">
+      <a:defRPr sz="1200" kern="1200">
+        <a:solidFill>
+          <a:schemeClr val="tx1"/>
+        </a:solidFill>
+        <a:latin typeface="+mn-lt"/>
+        <a:ea typeface="+mn-ea"/>
+        <a:cs typeface="+mn-cs"/>
+      </a:defRPr>
+    </a:lvl9pPr>
+  </p:notesStyle>
+</p:notesMaster>
+</file>
+
+<file path=ppt/notesSlides/notesSlide1.xml><?xml version="1.0" encoding="utf-8"?>
+<p:notes xmlns:a="http://schemas.openxmlformats.org/drawingml/2006/main" xmlns:r="http://schemas.openxmlformats.org/officeDocument/2006/relationships" xmlns:p="http://schemas.openxmlformats.org/presentationml/2006/main">
+  <p:cSld>
+    <p:spTree>
+      <p:nvGrpSpPr>
+        <p:cNvPr id="1" name=""/>
+        <p:cNvGrpSpPr/>
+        <p:nvPr/>
+      </p:nvGrpSpPr>
+      <p:grpSpPr>
+        <a:xfrm>
+          <a:off x="0" y="0"/>
+          <a:ext cx="0" cy="0"/>
+          <a:chOff x="0" y="0"/>
+          <a:chExt cx="0" cy="0"/>
+        </a:xfrm>
+      </p:grpSpPr>
+      <p:sp>
+        <p:nvSpPr>
+          <p:cNvPr id="2" name="슬라이드 이미지 개체 틀 1"/>
+          <p:cNvSpPr>
+            <a:spLocks noGrp="1" noRot="1" noChangeAspect="1"/>
+          </p:cNvSpPr>
+          <p:nvPr>
+            <p:ph type="sldImg"/>
+          </p:nvPr>
+        </p:nvSpPr>
+        <p:spPr/>
+      </p:sp>
+      <p:sp>
+        <p:nvSpPr>
+          <p:cNvPr id="3" name="슬라이드 노트 개체 틀 2"/>
+          <p:cNvSpPr>
+            <a:spLocks noGrp="1"/>
+          </p:cNvSpPr>
+          <p:nvPr>
+            <p:ph type="body" idx="1"/>
+          </p:nvPr>
+        </p:nvSpPr>
+        <p:spPr/>
+        <p:txBody>
+          <a:bodyPr>
+            <a:normAutofit/>
+          </a:bodyPr>
+          <a:lstStyle/>
+          <a:p>
+            <a:endParaRPr lang="ko-KR" altLang="en-US" dirty="0"/>
+          </a:p>
+        </p:txBody>
+      </p:sp>
+      <p:sp>
+        <p:nvSpPr>
+          <p:cNvPr id="4" name="슬라이드 번호 개체 틀 3"/>
+          <p:cNvSpPr>
+            <a:spLocks noGrp="1"/>
+          </p:cNvSpPr>
+          <p:nvPr>
+            <p:ph type="sldNum" sz="quarter" idx="10"/>
+          </p:nvPr>
+        </p:nvSpPr>
+        <p:spPr/>
+        <p:txBody>
+          <a:bodyPr/>
+          <a:lstStyle/>
+          <a:p>
+            <a:fld id="{A905DA5C-54F7-4290-B29D-BE569DDD52F1}" type="slidenum">
+              <a:rPr lang="ko-KR" altLang="en-US" smtClean="0"/>
+              <a:t>4</a:t>
+            </a:fld>
+            <a:endParaRPr lang="ko-KR" altLang="en-US"/>
+          </a:p>
+        </p:txBody>
+      </p:sp>
+    </p:spTree>
+  </p:cSld>
+  <p:clrMapOvr>
+    <a:masterClrMapping/>
+  </p:clrMapOvr>
+</p:notes>
+</file>
+
 <file path=ppt/slideLayouts/slideLayout1.xml><?xml version="1.0" encoding="utf-8"?>
 <p:sldLayout xmlns:a="http://schemas.openxmlformats.org/drawingml/2006/main" xmlns:r="http://schemas.openxmlformats.org/officeDocument/2006/relationships" xmlns:p="http://schemas.openxmlformats.org/presentationml/2006/main" type="title" preserve="1">
   <p:cSld name="제목 슬라이드">
@@ -292,7 +724,7 @@
             <a:fld id="{DB92F9D2-B3E8-489E-A18D-502878B5220E}" type="datetimeFigureOut">
               <a:rPr lang="ko-KR" altLang="en-US" smtClean="0"/>
               <a:pPr/>
-              <a:t>2018-12-15</a:t>
+              <a:t>2018-12-16</a:t>
             </a:fld>
             <a:endParaRPr lang="ko-KR" altLang="en-US"/>
           </a:p>
@@ -459,7 +891,7 @@
             <a:fld id="{DB92F9D2-B3E8-489E-A18D-502878B5220E}" type="datetimeFigureOut">
               <a:rPr lang="ko-KR" altLang="en-US" smtClean="0"/>
               <a:pPr/>
-              <a:t>2018-12-15</a:t>
+              <a:t>2018-12-16</a:t>
             </a:fld>
             <a:endParaRPr lang="ko-KR" altLang="en-US"/>
           </a:p>
@@ -636,7 +1068,7 @@
             <a:fld id="{DB92F9D2-B3E8-489E-A18D-502878B5220E}" type="datetimeFigureOut">
               <a:rPr lang="ko-KR" altLang="en-US" smtClean="0"/>
               <a:pPr/>
-              <a:t>2018-12-15</a:t>
+              <a:t>2018-12-16</a:t>
             </a:fld>
             <a:endParaRPr lang="ko-KR" altLang="en-US"/>
           </a:p>
@@ -803,7 +1235,7 @@
             <a:fld id="{DB92F9D2-B3E8-489E-A18D-502878B5220E}" type="datetimeFigureOut">
               <a:rPr lang="ko-KR" altLang="en-US" smtClean="0"/>
               <a:pPr/>
-              <a:t>2018-12-15</a:t>
+              <a:t>2018-12-16</a:t>
             </a:fld>
             <a:endParaRPr lang="ko-KR" altLang="en-US"/>
           </a:p>
@@ -1046,7 +1478,7 @@
             <a:fld id="{DB92F9D2-B3E8-489E-A18D-502878B5220E}" type="datetimeFigureOut">
               <a:rPr lang="ko-KR" altLang="en-US" smtClean="0"/>
               <a:pPr/>
-              <a:t>2018-12-15</a:t>
+              <a:t>2018-12-16</a:t>
             </a:fld>
             <a:endParaRPr lang="ko-KR" altLang="en-US"/>
           </a:p>
@@ -1331,7 +1763,7 @@
             <a:fld id="{DB92F9D2-B3E8-489E-A18D-502878B5220E}" type="datetimeFigureOut">
               <a:rPr lang="ko-KR" altLang="en-US" smtClean="0"/>
               <a:pPr/>
-              <a:t>2018-12-15</a:t>
+              <a:t>2018-12-16</a:t>
             </a:fld>
             <a:endParaRPr lang="ko-KR" altLang="en-US"/>
           </a:p>
@@ -1750,7 +2182,7 @@
             <a:fld id="{DB92F9D2-B3E8-489E-A18D-502878B5220E}" type="datetimeFigureOut">
               <a:rPr lang="ko-KR" altLang="en-US" smtClean="0"/>
               <a:pPr/>
-              <a:t>2018-12-15</a:t>
+              <a:t>2018-12-16</a:t>
             </a:fld>
             <a:endParaRPr lang="ko-KR" altLang="en-US"/>
           </a:p>
@@ -1865,7 +2297,7 @@
             <a:fld id="{DB92F9D2-B3E8-489E-A18D-502878B5220E}" type="datetimeFigureOut">
               <a:rPr lang="ko-KR" altLang="en-US" smtClean="0"/>
               <a:pPr/>
-              <a:t>2018-12-15</a:t>
+              <a:t>2018-12-16</a:t>
             </a:fld>
             <a:endParaRPr lang="ko-KR" altLang="en-US"/>
           </a:p>
@@ -1957,7 +2389,7 @@
             <a:fld id="{DB92F9D2-B3E8-489E-A18D-502878B5220E}" type="datetimeFigureOut">
               <a:rPr lang="ko-KR" altLang="en-US" smtClean="0"/>
               <a:pPr/>
-              <a:t>2018-12-15</a:t>
+              <a:t>2018-12-16</a:t>
             </a:fld>
             <a:endParaRPr lang="ko-KR" altLang="en-US"/>
           </a:p>
@@ -2231,7 +2663,7 @@
             <a:fld id="{DB92F9D2-B3E8-489E-A18D-502878B5220E}" type="datetimeFigureOut">
               <a:rPr lang="ko-KR" altLang="en-US" smtClean="0"/>
               <a:pPr/>
-              <a:t>2018-12-15</a:t>
+              <a:t>2018-12-16</a:t>
             </a:fld>
             <a:endParaRPr lang="ko-KR" altLang="en-US"/>
           </a:p>
@@ -2481,7 +2913,7 @@
             <a:fld id="{DB92F9D2-B3E8-489E-A18D-502878B5220E}" type="datetimeFigureOut">
               <a:rPr lang="ko-KR" altLang="en-US" smtClean="0"/>
               <a:pPr/>
-              <a:t>2018-12-15</a:t>
+              <a:t>2018-12-16</a:t>
             </a:fld>
             <a:endParaRPr lang="ko-KR" altLang="en-US"/>
           </a:p>
@@ -2691,7 +3123,7 @@
             <a:fld id="{DB92F9D2-B3E8-489E-A18D-502878B5220E}" type="datetimeFigureOut">
               <a:rPr lang="ko-KR" altLang="en-US" smtClean="0"/>
               <a:pPr/>
-              <a:t>2018-12-15</a:t>
+              <a:t>2018-12-16</a:t>
             </a:fld>
             <a:endParaRPr lang="ko-KR" altLang="en-US"/>
           </a:p>
@@ -3137,7 +3569,7 @@
         </p:nvSpPr>
         <p:spPr>
           <a:xfrm>
-            <a:off x="1170206" y="908720"/>
+            <a:off x="1187624" y="332656"/>
             <a:ext cx="648072" cy="216024"/>
           </a:xfrm>
           <a:prstGeom prst="roundRect">
@@ -3189,16 +3621,16 @@
       </p:sp>
       <p:sp>
         <p:nvSpPr>
-          <p:cNvPr id="7" name="평행 사변형 6"/>
+          <p:cNvPr id="8" name="직사각형 7"/>
           <p:cNvSpPr/>
           <p:nvPr/>
         </p:nvSpPr>
         <p:spPr>
           <a:xfrm>
-            <a:off x="882174" y="2780928"/>
-            <a:ext cx="1224136" cy="360040"/>
-          </a:xfrm>
-          <a:prstGeom prst="parallelogram">
+            <a:off x="863588" y="836712"/>
+            <a:ext cx="1296144" cy="504056"/>
+          </a:xfrm>
+          <a:prstGeom prst="rect">
             <a:avLst/>
           </a:prstGeom>
           <a:noFill/>
@@ -3225,7 +3657,7 @@
           </a:fontRef>
         </p:style>
         <p:txBody>
-          <a:bodyPr lIns="36000" tIns="36000" rIns="36000" bIns="36000" rtlCol="0" anchor="ctr"/>
+          <a:bodyPr rtlCol="0" anchor="ctr"/>
           <a:lstStyle/>
           <a:p>
             <a:pPr algn="ctr"/>
@@ -3235,37 +3667,45 @@
                   <a:schemeClr val="tx1"/>
                 </a:solidFill>
               </a:rPr>
-              <a:t>Read 1 Line in</a:t>
-            </a:r>
-          </a:p>
-          <a:p>
-            <a:pPr algn="ctr"/>
+              <a:t>Logic object </a:t>
+            </a:r>
+            <a:r>
+              <a:rPr lang="en-US" altLang="ko-KR" sz="1000" dirty="0" err="1" smtClean="0">
+                <a:solidFill>
+                  <a:schemeClr val="tx1"/>
+                </a:solidFill>
+              </a:rPr>
+              <a:t>mLogic</a:t>
+            </a:r>
             <a:r>
               <a:rPr lang="en-US" altLang="ko-KR" sz="1000" dirty="0" smtClean="0">
                 <a:solidFill>
                   <a:schemeClr val="tx1"/>
                 </a:solidFill>
               </a:rPr>
-              <a:t>CONFIG.TXT</a:t>
-            </a:r>
-            <a:endParaRPr lang="ko-KR" altLang="en-US" sz="1000" dirty="0" smtClean="0">
-              <a:solidFill>
-                <a:schemeClr val="tx1"/>
-              </a:solidFill>
-            </a:endParaRPr>
-          </a:p>
-        </p:txBody>
-      </p:sp>
-      <p:sp>
-        <p:nvSpPr>
-          <p:cNvPr id="8" name="직사각형 7"/>
+              <a:t> </a:t>
+            </a:r>
+            <a:r>
+              <a:rPr lang="ko-KR" altLang="en-US" sz="1000" dirty="0" smtClean="0">
+                <a:solidFill>
+                  <a:schemeClr val="tx1"/>
+                </a:solidFill>
+              </a:rPr>
+              <a:t>생성</a:t>
+            </a:r>
+          </a:p>
+        </p:txBody>
+      </p:sp>
+      <p:sp>
+        <p:nvSpPr>
+          <p:cNvPr id="11" name="직사각형 10"/>
           <p:cNvSpPr/>
           <p:nvPr/>
         </p:nvSpPr>
         <p:spPr>
           <a:xfrm>
-            <a:off x="846170" y="1412776"/>
-            <a:ext cx="1296144" cy="504056"/>
+            <a:off x="687734" y="1556792"/>
+            <a:ext cx="1656184" cy="432048"/>
           </a:xfrm>
           <a:prstGeom prst="rect">
             <a:avLst/>
@@ -3299,28 +3739,20 @@
           <a:p>
             <a:pPr algn="ctr"/>
             <a:r>
-              <a:rPr lang="en-US" altLang="ko-KR" sz="1000" dirty="0" err="1" smtClean="0">
-                <a:solidFill>
-                  <a:schemeClr val="tx1"/>
-                </a:solidFill>
-              </a:rPr>
-              <a:t>MonitorInfo</a:t>
-            </a:r>
-            <a:r>
               <a:rPr lang="en-US" altLang="ko-KR" sz="1000" dirty="0" smtClean="0">
                 <a:solidFill>
                   <a:schemeClr val="tx1"/>
                 </a:solidFill>
               </a:rPr>
-              <a:t> Class List - </a:t>
-            </a:r>
-            <a:r>
-              <a:rPr lang="en-US" altLang="ko-KR" sz="1000" dirty="0" err="1" smtClean="0">
+              <a:t>1sec Monitoring Thread </a:t>
+            </a:r>
+            <a:r>
+              <a:rPr lang="ko-KR" altLang="en-US" sz="1000" dirty="0" smtClean="0">
                 <a:solidFill>
                   <a:schemeClr val="tx1"/>
                 </a:solidFill>
               </a:rPr>
-              <a:t>mInfo</a:t>
+              <a:t>생성 </a:t>
             </a:r>
             <a:r>
               <a:rPr lang="en-US" altLang="ko-KR" sz="1000" dirty="0" smtClean="0">
@@ -3328,261 +3760,7 @@
                   <a:schemeClr val="tx1"/>
                 </a:solidFill>
               </a:rPr>
-              <a:t> </a:t>
-            </a:r>
-            <a:r>
-              <a:rPr lang="ko-KR" altLang="en-US" sz="1000" dirty="0" smtClean="0">
-                <a:solidFill>
-                  <a:schemeClr val="tx1"/>
-                </a:solidFill>
-              </a:rPr>
-              <a:t>생성</a:t>
-            </a:r>
-          </a:p>
-        </p:txBody>
-      </p:sp>
-      <p:sp>
-        <p:nvSpPr>
-          <p:cNvPr id="9" name="직사각형 8"/>
-          <p:cNvSpPr/>
-          <p:nvPr/>
-        </p:nvSpPr>
-        <p:spPr>
-          <a:xfrm>
-            <a:off x="846170" y="4221088"/>
-            <a:ext cx="1296144" cy="432048"/>
-          </a:xfrm>
-          <a:prstGeom prst="rect">
-            <a:avLst/>
-          </a:prstGeom>
-          <a:noFill/>
-          <a:ln w="19050">
-            <a:solidFill>
-              <a:schemeClr val="tx1"/>
-            </a:solidFill>
-          </a:ln>
-        </p:spPr>
-        <p:style>
-          <a:lnRef idx="2">
-            <a:schemeClr val="accent1">
-              <a:shade val="50000"/>
-            </a:schemeClr>
-          </a:lnRef>
-          <a:fillRef idx="1">
-            <a:schemeClr val="accent1"/>
-          </a:fillRef>
-          <a:effectRef idx="0">
-            <a:schemeClr val="accent1"/>
-          </a:effectRef>
-          <a:fontRef idx="minor">
-            <a:schemeClr val="lt1"/>
-          </a:fontRef>
-        </p:style>
-        <p:txBody>
-          <a:bodyPr rtlCol="0" anchor="ctr"/>
-          <a:lstStyle/>
-          <a:p>
-            <a:pPr algn="ctr"/>
-            <a:r>
-              <a:rPr lang="en-US" altLang="ko-KR" sz="1000" dirty="0" err="1" smtClean="0">
-                <a:solidFill>
-                  <a:schemeClr val="tx1"/>
-                </a:solidFill>
-              </a:rPr>
-              <a:t>mInfoList</a:t>
-            </a:r>
-            <a:r>
-              <a:rPr lang="ko-KR" altLang="en-US" sz="1000" dirty="0" smtClean="0">
-                <a:solidFill>
-                  <a:schemeClr val="tx1"/>
-                </a:solidFill>
-              </a:rPr>
-              <a:t>에 </a:t>
-            </a:r>
-            <a:r>
-              <a:rPr lang="en-US" altLang="ko-KR" sz="1000" dirty="0" smtClean="0">
-                <a:solidFill>
-                  <a:schemeClr val="tx1"/>
-                </a:solidFill>
-              </a:rPr>
-              <a:t>line </a:t>
-            </a:r>
-            <a:r>
-              <a:rPr lang="ko-KR" altLang="en-US" sz="1000" dirty="0" smtClean="0">
-                <a:solidFill>
-                  <a:schemeClr val="tx1"/>
-                </a:solidFill>
-              </a:rPr>
-              <a:t>추가</a:t>
-            </a:r>
-          </a:p>
-        </p:txBody>
-      </p:sp>
-      <p:sp>
-        <p:nvSpPr>
-          <p:cNvPr id="10" name="순서도: 판단 9"/>
-          <p:cNvSpPr/>
-          <p:nvPr/>
-        </p:nvSpPr>
-        <p:spPr>
-          <a:xfrm>
-            <a:off x="738158" y="3501008"/>
-            <a:ext cx="1512168" cy="438398"/>
-          </a:xfrm>
-          <a:prstGeom prst="flowChartDecision">
-            <a:avLst/>
-          </a:prstGeom>
-          <a:noFill/>
-          <a:ln w="19050">
-            <a:solidFill>
-              <a:schemeClr val="tx1"/>
-            </a:solidFill>
-          </a:ln>
-        </p:spPr>
-        <p:style>
-          <a:lnRef idx="2">
-            <a:schemeClr val="accent1">
-              <a:shade val="50000"/>
-            </a:schemeClr>
-          </a:lnRef>
-          <a:fillRef idx="1">
-            <a:schemeClr val="accent1"/>
-          </a:fillRef>
-          <a:effectRef idx="0">
-            <a:schemeClr val="accent1"/>
-          </a:effectRef>
-          <a:fontRef idx="minor">
-            <a:schemeClr val="lt1"/>
-          </a:fontRef>
-        </p:style>
-        <p:txBody>
-          <a:bodyPr rtlCol="0" anchor="ctr"/>
-          <a:lstStyle/>
-          <a:p>
-            <a:pPr algn="ctr"/>
-            <a:r>
-              <a:rPr lang="en-US" altLang="ko-KR" sz="1000" dirty="0" smtClean="0">
-                <a:solidFill>
-                  <a:schemeClr val="tx1"/>
-                </a:solidFill>
-              </a:rPr>
-              <a:t>EOF?</a:t>
-            </a:r>
-            <a:endParaRPr lang="ko-KR" altLang="en-US" sz="1000" dirty="0" smtClean="0">
-              <a:solidFill>
-                <a:schemeClr val="tx1"/>
-              </a:solidFill>
-            </a:endParaRPr>
-          </a:p>
-        </p:txBody>
-      </p:sp>
-      <p:sp>
-        <p:nvSpPr>
-          <p:cNvPr id="11" name="직사각형 10"/>
-          <p:cNvSpPr/>
-          <p:nvPr/>
-        </p:nvSpPr>
-        <p:spPr>
-          <a:xfrm>
-            <a:off x="846170" y="2132856"/>
-            <a:ext cx="1296144" cy="432048"/>
-          </a:xfrm>
-          <a:prstGeom prst="rect">
-            <a:avLst/>
-          </a:prstGeom>
-          <a:noFill/>
-          <a:ln w="19050">
-            <a:solidFill>
-              <a:schemeClr val="tx1"/>
-            </a:solidFill>
-          </a:ln>
-        </p:spPr>
-        <p:style>
-          <a:lnRef idx="2">
-            <a:schemeClr val="accent1">
-              <a:shade val="50000"/>
-            </a:schemeClr>
-          </a:lnRef>
-          <a:fillRef idx="1">
-            <a:schemeClr val="accent1"/>
-          </a:fillRef>
-          <a:effectRef idx="0">
-            <a:schemeClr val="accent1"/>
-          </a:effectRef>
-          <a:fontRef idx="minor">
-            <a:schemeClr val="lt1"/>
-          </a:fontRef>
-        </p:style>
-        <p:txBody>
-          <a:bodyPr rtlCol="0" anchor="ctr"/>
-          <a:lstStyle/>
-          <a:p>
-            <a:pPr algn="ctr"/>
-            <a:r>
-              <a:rPr lang="en-US" altLang="ko-KR" sz="1000" dirty="0" smtClean="0">
-                <a:solidFill>
-                  <a:schemeClr val="tx1"/>
-                </a:solidFill>
-              </a:rPr>
-              <a:t>Open CONFIG.TXT</a:t>
-            </a:r>
-            <a:endParaRPr lang="ko-KR" altLang="en-US" sz="1000" dirty="0" smtClean="0">
-              <a:solidFill>
-                <a:schemeClr val="tx1"/>
-              </a:solidFill>
-            </a:endParaRPr>
-          </a:p>
-        </p:txBody>
-      </p:sp>
-      <p:sp>
-        <p:nvSpPr>
-          <p:cNvPr id="12" name="직사각형 11"/>
-          <p:cNvSpPr/>
-          <p:nvPr/>
-        </p:nvSpPr>
-        <p:spPr>
-          <a:xfrm>
-            <a:off x="846170" y="4869160"/>
-            <a:ext cx="1296144" cy="432048"/>
-          </a:xfrm>
-          <a:prstGeom prst="rect">
-            <a:avLst/>
-          </a:prstGeom>
-          <a:noFill/>
-          <a:ln w="19050">
-            <a:solidFill>
-              <a:schemeClr val="tx1"/>
-            </a:solidFill>
-          </a:ln>
-        </p:spPr>
-        <p:style>
-          <a:lnRef idx="2">
-            <a:schemeClr val="accent1">
-              <a:shade val="50000"/>
-            </a:schemeClr>
-          </a:lnRef>
-          <a:fillRef idx="1">
-            <a:schemeClr val="accent1"/>
-          </a:fillRef>
-          <a:effectRef idx="0">
-            <a:schemeClr val="accent1"/>
-          </a:effectRef>
-          <a:fontRef idx="minor">
-            <a:schemeClr val="lt1"/>
-          </a:fontRef>
-        </p:style>
-        <p:txBody>
-          <a:bodyPr rtlCol="0" anchor="ctr"/>
-          <a:lstStyle/>
-          <a:p>
-            <a:pPr algn="ctr"/>
-            <a:r>
-              <a:rPr lang="en-US" altLang="ko-KR" sz="1000" dirty="0" smtClean="0">
-                <a:solidFill>
-                  <a:schemeClr val="tx1"/>
-                </a:solidFill>
-              </a:rPr>
-              <a:t>Parsing Data</a:t>
+              <a:t>&amp; Start</a:t>
             </a:r>
           </a:p>
         </p:txBody>
@@ -3595,7 +3773,7 @@
         </p:nvCxnSpPr>
         <p:spPr>
           <a:xfrm>
-            <a:off x="1494242" y="1124744"/>
+            <a:off x="1511660" y="548680"/>
             <a:ext cx="0" cy="288032"/>
           </a:xfrm>
           <a:prstGeom prst="straightConnector1">
@@ -3634,8 +3812,8 @@
         </p:nvCxnSpPr>
         <p:spPr>
           <a:xfrm>
-            <a:off x="1494242" y="1916832"/>
-            <a:ext cx="0" cy="216024"/>
+            <a:off x="1511660" y="1340768"/>
+            <a:ext cx="4166" cy="216024"/>
           </a:xfrm>
           <a:prstGeom prst="straightConnector1">
             <a:avLst/>
@@ -3667,14 +3845,13 @@
           <p:cNvPr id="19" name="직선 화살표 연결선 18"/>
           <p:cNvCxnSpPr>
             <a:stCxn id="11" idx="2"/>
-            <a:endCxn id="7" idx="0"/>
           </p:cNvCxnSpPr>
           <p:nvPr/>
         </p:nvCxnSpPr>
         <p:spPr>
-          <a:xfrm>
-            <a:off x="1494242" y="2564904"/>
-            <a:ext cx="0" cy="216024"/>
+          <a:xfrm flipH="1">
+            <a:off x="1511660" y="1988840"/>
+            <a:ext cx="4166" cy="216024"/>
           </a:xfrm>
           <a:prstGeom prst="straightConnector1">
             <a:avLst/>
@@ -3701,237 +3878,18 @@
           </a:fontRef>
         </p:style>
       </p:cxnSp>
-      <p:cxnSp>
-        <p:nvCxnSpPr>
-          <p:cNvPr id="22" name="직선 화살표 연결선 21"/>
-          <p:cNvCxnSpPr>
-            <a:stCxn id="7" idx="4"/>
-            <a:endCxn id="10" idx="0"/>
-          </p:cNvCxnSpPr>
-          <p:nvPr/>
-        </p:nvCxnSpPr>
-        <p:spPr>
-          <a:xfrm>
-            <a:off x="1494242" y="3140968"/>
-            <a:ext cx="0" cy="360040"/>
-          </a:xfrm>
-          <a:prstGeom prst="straightConnector1">
-            <a:avLst/>
-          </a:prstGeom>
-          <a:ln w="12700">
-            <a:solidFill>
-              <a:schemeClr val="tx1"/>
-            </a:solidFill>
-            <a:tailEnd type="triangle"/>
-          </a:ln>
-        </p:spPr>
-        <p:style>
-          <a:lnRef idx="1">
-            <a:schemeClr val="accent1"/>
-          </a:lnRef>
-          <a:fillRef idx="0">
-            <a:schemeClr val="accent1"/>
-          </a:fillRef>
-          <a:effectRef idx="0">
-            <a:schemeClr val="accent1"/>
-          </a:effectRef>
-          <a:fontRef idx="minor">
-            <a:schemeClr val="tx1"/>
-          </a:fontRef>
-        </p:style>
-      </p:cxnSp>
-      <p:cxnSp>
-        <p:nvCxnSpPr>
-          <p:cNvPr id="25" name="직선 화살표 연결선 24"/>
-          <p:cNvCxnSpPr>
-            <a:stCxn id="10" idx="2"/>
-            <a:endCxn id="9" idx="0"/>
-          </p:cNvCxnSpPr>
-          <p:nvPr/>
-        </p:nvCxnSpPr>
-        <p:spPr>
-          <a:xfrm>
-            <a:off x="1494242" y="3939406"/>
-            <a:ext cx="0" cy="281682"/>
-          </a:xfrm>
-          <a:prstGeom prst="straightConnector1">
-            <a:avLst/>
-          </a:prstGeom>
-          <a:ln w="12700">
-            <a:solidFill>
-              <a:schemeClr val="tx1"/>
-            </a:solidFill>
-            <a:tailEnd type="triangle"/>
-          </a:ln>
-        </p:spPr>
-        <p:style>
-          <a:lnRef idx="1">
-            <a:schemeClr val="accent1"/>
-          </a:lnRef>
-          <a:fillRef idx="0">
-            <a:schemeClr val="accent1"/>
-          </a:fillRef>
-          <a:effectRef idx="0">
-            <a:schemeClr val="accent1"/>
-          </a:effectRef>
-          <a:fontRef idx="minor">
-            <a:schemeClr val="tx1"/>
-          </a:fontRef>
-        </p:style>
-      </p:cxnSp>
-      <p:cxnSp>
-        <p:nvCxnSpPr>
-          <p:cNvPr id="29" name="직선 화살표 연결선 28"/>
-          <p:cNvCxnSpPr>
-            <a:stCxn id="9" idx="2"/>
-            <a:endCxn id="12" idx="0"/>
-          </p:cNvCxnSpPr>
-          <p:nvPr/>
-        </p:nvCxnSpPr>
-        <p:spPr>
-          <a:xfrm>
-            <a:off x="1494242" y="4653136"/>
-            <a:ext cx="0" cy="216024"/>
-          </a:xfrm>
-          <a:prstGeom prst="straightConnector1">
-            <a:avLst/>
-          </a:prstGeom>
-          <a:ln w="12700">
-            <a:solidFill>
-              <a:schemeClr val="tx1"/>
-            </a:solidFill>
-            <a:tailEnd type="triangle"/>
-          </a:ln>
-        </p:spPr>
-        <p:style>
-          <a:lnRef idx="1">
-            <a:schemeClr val="accent1"/>
-          </a:lnRef>
-          <a:fillRef idx="0">
-            <a:schemeClr val="accent1"/>
-          </a:fillRef>
-          <a:effectRef idx="0">
-            <a:schemeClr val="accent1"/>
-          </a:effectRef>
-          <a:fontRef idx="minor">
-            <a:schemeClr val="tx1"/>
-          </a:fontRef>
-        </p:style>
-      </p:cxnSp>
-      <p:cxnSp>
-        <p:nvCxnSpPr>
-          <p:cNvPr id="34" name="Shape 33"/>
-          <p:cNvCxnSpPr>
-            <a:stCxn id="12" idx="2"/>
-            <a:endCxn id="7" idx="5"/>
-          </p:cNvCxnSpPr>
-          <p:nvPr/>
-        </p:nvCxnSpPr>
-        <p:spPr>
-          <a:xfrm rot="5400000" flipH="1">
-            <a:off x="40581" y="3847547"/>
-            <a:ext cx="2340260" cy="567063"/>
-          </a:xfrm>
-          <a:prstGeom prst="bentConnector4">
-            <a:avLst>
-              <a:gd name="adj1" fmla="val -9768"/>
-              <a:gd name="adj2" fmla="val 154599"/>
-            </a:avLst>
-          </a:prstGeom>
-          <a:ln w="12700">
-            <a:solidFill>
-              <a:schemeClr val="tx1"/>
-            </a:solidFill>
-            <a:tailEnd type="triangle"/>
-          </a:ln>
-        </p:spPr>
-        <p:style>
-          <a:lnRef idx="1">
-            <a:schemeClr val="accent1"/>
-          </a:lnRef>
-          <a:fillRef idx="0">
-            <a:schemeClr val="accent1"/>
-          </a:fillRef>
-          <a:effectRef idx="0">
-            <a:schemeClr val="accent1"/>
-          </a:effectRef>
-          <a:fontRef idx="minor">
-            <a:schemeClr val="tx1"/>
-          </a:fontRef>
-        </p:style>
-      </p:cxnSp>
-      <p:sp>
-        <p:nvSpPr>
-          <p:cNvPr id="36" name="TextBox 35"/>
-          <p:cNvSpPr txBox="1"/>
-          <p:nvPr/>
-        </p:nvSpPr>
-        <p:spPr>
-          <a:xfrm>
-            <a:off x="1274714" y="3869757"/>
-            <a:ext cx="288032" cy="215444"/>
-          </a:xfrm>
-          <a:prstGeom prst="rect">
-            <a:avLst/>
-          </a:prstGeom>
-          <a:noFill/>
-        </p:spPr>
-        <p:txBody>
-          <a:bodyPr wrap="square" rtlCol="0">
-            <a:spAutoFit/>
-          </a:bodyPr>
-          <a:lstStyle/>
-          <a:p>
-            <a:r>
-              <a:rPr lang="en-US" altLang="ko-KR" sz="800" dirty="0" smtClean="0"/>
-              <a:t>N</a:t>
-            </a:r>
-            <a:endParaRPr lang="ko-KR" altLang="en-US" sz="800" dirty="0"/>
-          </a:p>
-        </p:txBody>
-      </p:sp>
-      <p:sp>
-        <p:nvSpPr>
-          <p:cNvPr id="37" name="TextBox 36"/>
-          <p:cNvSpPr txBox="1"/>
-          <p:nvPr/>
-        </p:nvSpPr>
-        <p:spPr>
-          <a:xfrm>
-            <a:off x="2123728" y="3501008"/>
-            <a:ext cx="288032" cy="215444"/>
-          </a:xfrm>
-          <a:prstGeom prst="rect">
-            <a:avLst/>
-          </a:prstGeom>
-          <a:noFill/>
-        </p:spPr>
-        <p:txBody>
-          <a:bodyPr wrap="square" rtlCol="0">
-            <a:spAutoFit/>
-          </a:bodyPr>
-          <a:lstStyle/>
-          <a:p>
-            <a:r>
-              <a:rPr lang="en-US" altLang="ko-KR" sz="800" dirty="0" smtClean="0"/>
-              <a:t>Y</a:t>
-            </a:r>
-            <a:endParaRPr lang="ko-KR" altLang="en-US" sz="800" dirty="0"/>
-          </a:p>
-        </p:txBody>
-      </p:sp>
-      <p:sp>
-        <p:nvSpPr>
-          <p:cNvPr id="63" name="직사각형 62"/>
+      <p:sp>
+        <p:nvSpPr>
+          <p:cNvPr id="75" name="평행 사변형 74"/>
           <p:cNvSpPr/>
           <p:nvPr/>
         </p:nvSpPr>
         <p:spPr>
           <a:xfrm>
-            <a:off x="3194555" y="1412776"/>
-            <a:ext cx="1224136" cy="360040"/>
-          </a:xfrm>
-          <a:prstGeom prst="rect">
+            <a:off x="907717" y="2204864"/>
+            <a:ext cx="1224136" cy="504056"/>
+          </a:xfrm>
+          <a:prstGeom prst="parallelogram">
             <a:avLst/>
           </a:prstGeom>
           <a:noFill/>
@@ -3958,7 +3916,7 @@
           </a:fontRef>
         </p:style>
         <p:txBody>
-          <a:bodyPr rtlCol="0" anchor="ctr"/>
+          <a:bodyPr lIns="36000" tIns="36000" rIns="36000" bIns="36000" rtlCol="0" anchor="ctr"/>
           <a:lstStyle/>
           <a:p>
             <a:pPr algn="ctr"/>
@@ -3968,63 +3926,7 @@
                   <a:schemeClr val="tx1"/>
                 </a:solidFill>
               </a:rPr>
-              <a:t>1sec Thread </a:t>
-            </a:r>
-            <a:r>
-              <a:rPr lang="ko-KR" altLang="en-US" sz="1000" dirty="0" smtClean="0">
-                <a:solidFill>
-                  <a:schemeClr val="tx1"/>
-                </a:solidFill>
-              </a:rPr>
-              <a:t>생성</a:t>
-            </a:r>
-            <a:endParaRPr lang="en-US" altLang="ko-KR" sz="1000" dirty="0" smtClean="0">
-              <a:solidFill>
-                <a:schemeClr val="tx1"/>
-              </a:solidFill>
-            </a:endParaRPr>
-          </a:p>
-          <a:p>
-            <a:pPr algn="ctr"/>
-            <a:r>
-              <a:rPr lang="en-US" altLang="ko-KR" sz="1000" dirty="0" smtClean="0">
-                <a:solidFill>
-                  <a:schemeClr val="tx1"/>
-                </a:solidFill>
-              </a:rPr>
-              <a:t>(</a:t>
-            </a:r>
-            <a:r>
-              <a:rPr lang="en-US" altLang="ko-KR" sz="1000" dirty="0" err="1" smtClean="0">
-                <a:solidFill>
-                  <a:schemeClr val="tx1"/>
-                </a:solidFill>
-              </a:rPr>
-              <a:t>mInfo</a:t>
-            </a:r>
-            <a:r>
-              <a:rPr lang="en-US" altLang="ko-KR" sz="1000" dirty="0" smtClean="0">
-                <a:solidFill>
-                  <a:schemeClr val="tx1"/>
-                </a:solidFill>
-              </a:rPr>
-              <a:t> List</a:t>
-            </a:r>
-            <a:r>
-              <a:rPr lang="ko-KR" altLang="en-US" sz="1000" dirty="0" smtClean="0">
-                <a:solidFill>
-                  <a:schemeClr val="tx1"/>
-                </a:solidFill>
-              </a:rPr>
-              <a:t>전달</a:t>
-            </a:r>
-            <a:r>
-              <a:rPr lang="en-US" altLang="ko-KR" sz="1000" dirty="0" smtClean="0">
-                <a:solidFill>
-                  <a:schemeClr val="tx1"/>
-                </a:solidFill>
-              </a:rPr>
-              <a:t>)</a:t>
+              <a:t>Read Memory Size from Console Input</a:t>
             </a:r>
             <a:endParaRPr lang="ko-KR" altLang="en-US" sz="1000" dirty="0" smtClean="0">
               <a:solidFill>
@@ -4034,59 +3936,18 @@
           </a:p>
         </p:txBody>
       </p:sp>
-      <p:cxnSp>
-        <p:nvCxnSpPr>
-          <p:cNvPr id="67" name="Shape 66"/>
-          <p:cNvCxnSpPr>
-            <a:stCxn id="10" idx="3"/>
-            <a:endCxn id="63" idx="1"/>
-          </p:cNvCxnSpPr>
-          <p:nvPr/>
-        </p:nvCxnSpPr>
-        <p:spPr>
-          <a:xfrm flipV="1">
-            <a:off x="2250326" y="1592796"/>
-            <a:ext cx="944229" cy="2127411"/>
-          </a:xfrm>
-          <a:prstGeom prst="bentConnector3">
-            <a:avLst>
-              <a:gd name="adj1" fmla="val 50000"/>
-            </a:avLst>
-          </a:prstGeom>
-          <a:ln w="12700">
-            <a:solidFill>
-              <a:schemeClr val="tx1"/>
-            </a:solidFill>
-            <a:tailEnd type="triangle"/>
-          </a:ln>
-        </p:spPr>
-        <p:style>
-          <a:lnRef idx="1">
-            <a:schemeClr val="accent1"/>
-          </a:lnRef>
-          <a:fillRef idx="0">
-            <a:schemeClr val="accent1"/>
-          </a:fillRef>
-          <a:effectRef idx="0">
-            <a:schemeClr val="accent1"/>
-          </a:effectRef>
-          <a:fontRef idx="minor">
-            <a:schemeClr val="tx1"/>
-          </a:fontRef>
-        </p:style>
-      </p:cxnSp>
-      <p:sp>
-        <p:nvSpPr>
-          <p:cNvPr id="75" name="평행 사변형 74"/>
+      <p:sp>
+        <p:nvSpPr>
+          <p:cNvPr id="78" name="직사각형 77"/>
           <p:cNvSpPr/>
           <p:nvPr/>
         </p:nvSpPr>
         <p:spPr>
           <a:xfrm>
-            <a:off x="3194555" y="2060848"/>
-            <a:ext cx="1224136" cy="504056"/>
-          </a:xfrm>
-          <a:prstGeom prst="parallelogram">
+            <a:off x="871713" y="2924944"/>
+            <a:ext cx="1296144" cy="360040"/>
+          </a:xfrm>
+          <a:prstGeom prst="rect">
             <a:avLst/>
           </a:prstGeom>
           <a:noFill/>
@@ -4113,46 +3974,49 @@
           </a:fontRef>
         </p:style>
         <p:txBody>
-          <a:bodyPr lIns="36000" tIns="36000" rIns="36000" bIns="36000" rtlCol="0" anchor="ctr"/>
+          <a:bodyPr rtlCol="0" anchor="ctr"/>
           <a:lstStyle/>
           <a:p>
             <a:pPr algn="ctr"/>
+            <a:r>
+              <a:rPr lang="en-US" altLang="ko-KR" sz="1000" dirty="0" err="1" smtClean="0">
+                <a:solidFill>
+                  <a:schemeClr val="tx1"/>
+                </a:solidFill>
+              </a:rPr>
+              <a:t>tasklist</a:t>
+            </a:r>
             <a:r>
               <a:rPr lang="en-US" altLang="ko-KR" sz="1000" dirty="0" smtClean="0">
                 <a:solidFill>
                   <a:schemeClr val="tx1"/>
                 </a:solidFill>
               </a:rPr>
-              <a:t>Read Memory Size from </a:t>
-            </a:r>
-            <a:r>
-              <a:rPr lang="en-US" altLang="ko-KR" sz="1000" dirty="0" smtClean="0">
+              <a:t> </a:t>
+            </a:r>
+            <a:r>
+              <a:rPr lang="ko-KR" altLang="en-US" sz="1000" dirty="0" smtClean="0">
                 <a:solidFill>
                   <a:schemeClr val="tx1"/>
                 </a:solidFill>
               </a:rPr>
-              <a:t>Console Input</a:t>
-            </a:r>
-            <a:endParaRPr lang="ko-KR" altLang="en-US" sz="1000" dirty="0" smtClean="0">
-              <a:solidFill>
-                <a:schemeClr val="tx1"/>
-              </a:solidFill>
-            </a:endParaRPr>
-          </a:p>
-        </p:txBody>
-      </p:sp>
-      <p:sp>
-        <p:nvSpPr>
-          <p:cNvPr id="78" name="직사각형 77"/>
+              <a:t>실행</a:t>
+            </a:r>
+          </a:p>
+        </p:txBody>
+      </p:sp>
+      <p:sp>
+        <p:nvSpPr>
+          <p:cNvPr id="84" name="순서도: 판단 83"/>
           <p:cNvSpPr/>
           <p:nvPr/>
         </p:nvSpPr>
         <p:spPr>
           <a:xfrm>
-            <a:off x="3158551" y="2780928"/>
-            <a:ext cx="1296144" cy="360040"/>
-          </a:xfrm>
-          <a:prstGeom prst="rect">
+            <a:off x="763701" y="4149080"/>
+            <a:ext cx="1512168" cy="438398"/>
+          </a:xfrm>
+          <a:prstGeom prst="flowChartDecision">
             <a:avLst/>
           </a:prstGeom>
           <a:noFill/>
@@ -4184,44 +4048,33 @@
           <a:p>
             <a:pPr algn="ctr"/>
             <a:r>
-              <a:rPr lang="en-US" altLang="ko-KR" sz="1000" dirty="0" err="1" smtClean="0">
-                <a:solidFill>
-                  <a:schemeClr val="tx1"/>
-                </a:solidFill>
-              </a:rPr>
-              <a:t>tasklist</a:t>
-            </a:r>
-            <a:r>
               <a:rPr lang="en-US" altLang="ko-KR" sz="1000" dirty="0" smtClean="0">
                 <a:solidFill>
                   <a:schemeClr val="tx1"/>
                 </a:solidFill>
               </a:rPr>
-              <a:t> </a:t>
-            </a:r>
-            <a:r>
-              <a:rPr lang="ko-KR" altLang="en-US" sz="1000" dirty="0" smtClean="0">
-                <a:solidFill>
-                  <a:schemeClr val="tx1"/>
-                </a:solidFill>
-              </a:rPr>
-              <a:t>실행</a:t>
-            </a:r>
-          </a:p>
-        </p:txBody>
-      </p:sp>
-      <p:sp>
-        <p:nvSpPr>
-          <p:cNvPr id="84" name="순서도: 판단 83"/>
+              <a:t>END?</a:t>
+            </a:r>
+            <a:endParaRPr lang="ko-KR" altLang="en-US" sz="1000" dirty="0" smtClean="0">
+              <a:solidFill>
+                <a:schemeClr val="tx1"/>
+              </a:solidFill>
+            </a:endParaRPr>
+          </a:p>
+        </p:txBody>
+      </p:sp>
+      <p:sp>
+        <p:nvSpPr>
+          <p:cNvPr id="85" name="평행 사변형 84"/>
           <p:cNvSpPr/>
           <p:nvPr/>
         </p:nvSpPr>
         <p:spPr>
           <a:xfrm>
-            <a:off x="3050539" y="4005064"/>
-            <a:ext cx="1512168" cy="438398"/>
-          </a:xfrm>
-          <a:prstGeom prst="flowChartDecision">
+            <a:off x="907717" y="3501008"/>
+            <a:ext cx="1224136" cy="432048"/>
+          </a:xfrm>
+          <a:prstGeom prst="parallelogram">
             <a:avLst/>
           </a:prstGeom>
           <a:noFill/>
@@ -4248,17 +4101,49 @@
           </a:fontRef>
         </p:style>
         <p:txBody>
-          <a:bodyPr rtlCol="0" anchor="ctr"/>
+          <a:bodyPr lIns="36000" tIns="36000" rIns="36000" bIns="36000" rtlCol="0" anchor="ctr"/>
           <a:lstStyle/>
           <a:p>
             <a:pPr algn="ctr"/>
+            <a:r>
+              <a:rPr lang="en-US" altLang="ko-KR" sz="1000" dirty="0" err="1" smtClean="0">
+                <a:solidFill>
+                  <a:schemeClr val="tx1"/>
+                </a:solidFill>
+              </a:rPr>
+              <a:t>Tasklist</a:t>
+            </a:r>
             <a:r>
               <a:rPr lang="en-US" altLang="ko-KR" sz="1000" dirty="0" smtClean="0">
                 <a:solidFill>
                   <a:schemeClr val="tx1"/>
                 </a:solidFill>
               </a:rPr>
-              <a:t>END?</a:t>
+              <a:t> </a:t>
+            </a:r>
+            <a:r>
+              <a:rPr lang="ko-KR" altLang="en-US" sz="1000" dirty="0" err="1" smtClean="0">
+                <a:solidFill>
+                  <a:schemeClr val="tx1"/>
+                </a:solidFill>
+              </a:rPr>
+              <a:t>출력값</a:t>
+            </a:r>
+            <a:r>
+              <a:rPr lang="ko-KR" altLang="en-US" sz="1000" dirty="0" smtClean="0">
+                <a:solidFill>
+                  <a:schemeClr val="tx1"/>
+                </a:solidFill>
+              </a:rPr>
+              <a:t> </a:t>
+            </a:r>
+            <a:r>
+              <a:rPr lang="en-US" altLang="ko-KR" sz="1000" dirty="0" smtClean="0">
+                <a:solidFill>
+                  <a:schemeClr val="tx1"/>
+                </a:solidFill>
+              </a:rPr>
+              <a:t>1 line Read </a:t>
             </a:r>
             <a:endParaRPr lang="ko-KR" altLang="en-US" sz="1000" dirty="0" smtClean="0">
               <a:solidFill>
@@ -4270,16 +4155,46 @@
       </p:sp>
       <p:sp>
         <p:nvSpPr>
-          <p:cNvPr id="85" name="평행 사변형 84"/>
+          <p:cNvPr id="86" name="TextBox 85"/>
+          <p:cNvSpPr txBox="1"/>
+          <p:nvPr/>
+        </p:nvSpPr>
+        <p:spPr>
+          <a:xfrm>
+            <a:off x="1205042" y="4509120"/>
+            <a:ext cx="288032" cy="215444"/>
+          </a:xfrm>
+          <a:prstGeom prst="rect">
+            <a:avLst/>
+          </a:prstGeom>
+          <a:noFill/>
+        </p:spPr>
+        <p:txBody>
+          <a:bodyPr wrap="square" rtlCol="0">
+            <a:spAutoFit/>
+          </a:bodyPr>
+          <a:lstStyle/>
+          <a:p>
+            <a:r>
+              <a:rPr lang="en-US" altLang="ko-KR" sz="800" dirty="0" smtClean="0"/>
+              <a:t>N</a:t>
+            </a:r>
+            <a:endParaRPr lang="ko-KR" altLang="en-US" sz="800" dirty="0"/>
+          </a:p>
+        </p:txBody>
+      </p:sp>
+      <p:sp>
+        <p:nvSpPr>
+          <p:cNvPr id="87" name="순서도: 판단 86"/>
           <p:cNvSpPr/>
           <p:nvPr/>
         </p:nvSpPr>
         <p:spPr>
           <a:xfrm>
-            <a:off x="3194555" y="3356992"/>
-            <a:ext cx="1224136" cy="432048"/>
-          </a:xfrm>
-          <a:prstGeom prst="parallelogram">
+            <a:off x="727697" y="4869160"/>
+            <a:ext cx="1584176" cy="438398"/>
+          </a:xfrm>
+          <a:prstGeom prst="flowChartDecision">
             <a:avLst/>
           </a:prstGeom>
           <a:noFill/>
@@ -4306,126 +4221,6 @@
           </a:fontRef>
         </p:style>
         <p:txBody>
-          <a:bodyPr lIns="36000" tIns="36000" rIns="36000" bIns="36000" rtlCol="0" anchor="ctr"/>
-          <a:lstStyle/>
-          <a:p>
-            <a:pPr algn="ctr"/>
-            <a:r>
-              <a:rPr lang="en-US" altLang="ko-KR" sz="1000" dirty="0" err="1" smtClean="0">
-                <a:solidFill>
-                  <a:schemeClr val="tx1"/>
-                </a:solidFill>
-              </a:rPr>
-              <a:t>Tasklist</a:t>
-            </a:r>
-            <a:r>
-              <a:rPr lang="en-US" altLang="ko-KR" sz="1000" dirty="0" smtClean="0">
-                <a:solidFill>
-                  <a:schemeClr val="tx1"/>
-                </a:solidFill>
-              </a:rPr>
-              <a:t> </a:t>
-            </a:r>
-            <a:r>
-              <a:rPr lang="ko-KR" altLang="en-US" sz="1000" dirty="0" err="1" smtClean="0">
-                <a:solidFill>
-                  <a:schemeClr val="tx1"/>
-                </a:solidFill>
-              </a:rPr>
-              <a:t>출력값</a:t>
-            </a:r>
-            <a:r>
-              <a:rPr lang="ko-KR" altLang="en-US" sz="1000" dirty="0" smtClean="0">
-                <a:solidFill>
-                  <a:schemeClr val="tx1"/>
-                </a:solidFill>
-              </a:rPr>
-              <a:t> </a:t>
-            </a:r>
-            <a:r>
-              <a:rPr lang="en-US" altLang="ko-KR" sz="1000" dirty="0" smtClean="0">
-                <a:solidFill>
-                  <a:schemeClr val="tx1"/>
-                </a:solidFill>
-              </a:rPr>
-              <a:t>1 line Read </a:t>
-            </a:r>
-            <a:endParaRPr lang="ko-KR" altLang="en-US" sz="1000" dirty="0" smtClean="0">
-              <a:solidFill>
-                <a:schemeClr val="tx1"/>
-              </a:solidFill>
-            </a:endParaRPr>
-          </a:p>
-        </p:txBody>
-      </p:sp>
-      <p:sp>
-        <p:nvSpPr>
-          <p:cNvPr id="86" name="TextBox 85"/>
-          <p:cNvSpPr txBox="1"/>
-          <p:nvPr/>
-        </p:nvSpPr>
-        <p:spPr>
-          <a:xfrm>
-            <a:off x="3491880" y="4365104"/>
-            <a:ext cx="288032" cy="215444"/>
-          </a:xfrm>
-          <a:prstGeom prst="rect">
-            <a:avLst/>
-          </a:prstGeom>
-          <a:noFill/>
-        </p:spPr>
-        <p:txBody>
-          <a:bodyPr wrap="square" rtlCol="0">
-            <a:spAutoFit/>
-          </a:bodyPr>
-          <a:lstStyle/>
-          <a:p>
-            <a:r>
-              <a:rPr lang="en-US" altLang="ko-KR" sz="800" dirty="0" smtClean="0"/>
-              <a:t>N</a:t>
-            </a:r>
-            <a:endParaRPr lang="ko-KR" altLang="en-US" sz="800" dirty="0"/>
-          </a:p>
-        </p:txBody>
-      </p:sp>
-      <p:sp>
-        <p:nvSpPr>
-          <p:cNvPr id="87" name="순서도: 판단 86"/>
-          <p:cNvSpPr/>
-          <p:nvPr/>
-        </p:nvSpPr>
-        <p:spPr>
-          <a:xfrm>
-            <a:off x="3014535" y="4725144"/>
-            <a:ext cx="1584176" cy="438398"/>
-          </a:xfrm>
-          <a:prstGeom prst="flowChartDecision">
-            <a:avLst/>
-          </a:prstGeom>
-          <a:noFill/>
-          <a:ln w="19050">
-            <a:solidFill>
-              <a:schemeClr val="tx1"/>
-            </a:solidFill>
-          </a:ln>
-        </p:spPr>
-        <p:style>
-          <a:lnRef idx="2">
-            <a:schemeClr val="accent1">
-              <a:shade val="50000"/>
-            </a:schemeClr>
-          </a:lnRef>
-          <a:fillRef idx="1">
-            <a:schemeClr val="accent1"/>
-          </a:fillRef>
-          <a:effectRef idx="0">
-            <a:schemeClr val="accent1"/>
-          </a:effectRef>
-          <a:fontRef idx="minor">
-            <a:schemeClr val="lt1"/>
-          </a:fontRef>
-        </p:style>
-        <p:txBody>
           <a:bodyPr rtlCol="0" anchor="ctr"/>
           <a:lstStyle/>
           <a:p>
@@ -4467,18 +4262,18 @@
           <p:cNvPr id="88" name="Shape 66"/>
           <p:cNvCxnSpPr>
             <a:stCxn id="84" idx="3"/>
-            <a:endCxn id="125" idx="5"/>
+            <a:endCxn id="75" idx="2"/>
           </p:cNvCxnSpPr>
           <p:nvPr/>
         </p:nvCxnSpPr>
         <p:spPr>
-          <a:xfrm flipV="1">
-            <a:off x="4562707" y="3501008"/>
-            <a:ext cx="351331" cy="723255"/>
+          <a:xfrm flipH="1" flipV="1">
+            <a:off x="2068846" y="2456892"/>
+            <a:ext cx="207023" cy="1911387"/>
           </a:xfrm>
           <a:prstGeom prst="bentConnector3">
             <a:avLst>
-              <a:gd name="adj1" fmla="val 50000"/>
+              <a:gd name="adj1" fmla="val -110423"/>
             </a:avLst>
           </a:prstGeom>
           <a:ln w="12700">
@@ -4511,7 +4306,7 @@
         </p:nvSpPr>
         <p:spPr>
           <a:xfrm>
-            <a:off x="4355976" y="4005064"/>
+            <a:off x="2069138" y="4149080"/>
             <a:ext cx="144016" cy="215444"/>
           </a:xfrm>
           <a:prstGeom prst="rect">
@@ -4530,67 +4325,6 @@
               <a:t>Y</a:t>
             </a:r>
             <a:endParaRPr lang="ko-KR" altLang="en-US" sz="800" dirty="0"/>
-          </a:p>
-        </p:txBody>
-      </p:sp>
-      <p:sp>
-        <p:nvSpPr>
-          <p:cNvPr id="91" name="직사각형 90"/>
-          <p:cNvSpPr/>
-          <p:nvPr/>
-        </p:nvSpPr>
-        <p:spPr>
-          <a:xfrm>
-            <a:off x="3158551" y="5445224"/>
-            <a:ext cx="1296144" cy="360040"/>
-          </a:xfrm>
-          <a:prstGeom prst="rect">
-            <a:avLst/>
-          </a:prstGeom>
-          <a:noFill/>
-          <a:ln w="19050">
-            <a:solidFill>
-              <a:schemeClr val="tx1"/>
-            </a:solidFill>
-          </a:ln>
-        </p:spPr>
-        <p:style>
-          <a:lnRef idx="2">
-            <a:schemeClr val="accent1">
-              <a:shade val="50000"/>
-            </a:schemeClr>
-          </a:lnRef>
-          <a:fillRef idx="1">
-            <a:schemeClr val="accent1"/>
-          </a:fillRef>
-          <a:effectRef idx="0">
-            <a:schemeClr val="accent1"/>
-          </a:effectRef>
-          <a:fontRef idx="minor">
-            <a:schemeClr val="lt1"/>
-          </a:fontRef>
-        </p:style>
-        <p:txBody>
-          <a:bodyPr rtlCol="0" anchor="ctr"/>
-          <a:lstStyle/>
-          <a:p>
-            <a:pPr algn="ctr"/>
-            <a:r>
-              <a:rPr lang="en-US" altLang="ko-KR" sz="1000" dirty="0" err="1" smtClean="0">
-                <a:solidFill>
-                  <a:schemeClr val="tx1"/>
-                </a:solidFill>
-              </a:rPr>
-              <a:t>ProcList</a:t>
-            </a:r>
-            <a:r>
-              <a:rPr lang="ko-KR" altLang="en-US" sz="1000" dirty="0" smtClean="0">
-                <a:solidFill>
-                  <a:schemeClr val="tx1"/>
-                </a:solidFill>
-              </a:rPr>
-              <a:t>에 추가</a:t>
-            </a:r>
           </a:p>
         </p:txBody>
       </p:sp>
@@ -4598,59 +4332,20 @@
         <p:nvCxnSpPr>
           <p:cNvPr id="92" name="Shape 66"/>
           <p:cNvCxnSpPr>
-            <a:stCxn id="91" idx="1"/>
+            <a:stCxn id="53" idx="5"/>
             <a:endCxn id="85" idx="5"/>
           </p:cNvCxnSpPr>
           <p:nvPr/>
         </p:nvCxnSpPr>
         <p:spPr>
           <a:xfrm rot="10800000" flipH="1">
-            <a:off x="3158551" y="3573016"/>
-            <a:ext cx="90010" cy="2052228"/>
+            <a:off x="864087" y="3717032"/>
+            <a:ext cx="97636" cy="2124236"/>
           </a:xfrm>
           <a:prstGeom prst="bentConnector3">
             <a:avLst>
-              <a:gd name="adj1" fmla="val -253972"/>
+              <a:gd name="adj1" fmla="val -298667"/>
             </a:avLst>
-          </a:prstGeom>
-          <a:ln w="12700">
-            <a:solidFill>
-              <a:schemeClr val="tx1"/>
-            </a:solidFill>
-            <a:tailEnd type="triangle"/>
-          </a:ln>
-        </p:spPr>
-        <p:style>
-          <a:lnRef idx="1">
-            <a:schemeClr val="accent1"/>
-          </a:lnRef>
-          <a:fillRef idx="0">
-            <a:schemeClr val="accent1"/>
-          </a:fillRef>
-          <a:effectRef idx="0">
-            <a:schemeClr val="accent1"/>
-          </a:effectRef>
-          <a:fontRef idx="minor">
-            <a:schemeClr val="tx1"/>
-          </a:fontRef>
-        </p:style>
-      </p:cxnSp>
-      <p:cxnSp>
-        <p:nvCxnSpPr>
-          <p:cNvPr id="101" name="직선 화살표 연결선 100"/>
-          <p:cNvCxnSpPr>
-            <a:stCxn id="63" idx="2"/>
-            <a:endCxn id="75" idx="0"/>
-          </p:cNvCxnSpPr>
-          <p:nvPr/>
-        </p:nvCxnSpPr>
-        <p:spPr>
-          <a:xfrm>
-            <a:off x="3806623" y="1772816"/>
-            <a:ext cx="0" cy="288032"/>
-          </a:xfrm>
-          <a:prstGeom prst="straightConnector1">
-            <a:avLst/>
           </a:prstGeom>
           <a:ln w="12700">
             <a:solidFill>
@@ -4685,7 +4380,7 @@
         </p:nvCxnSpPr>
         <p:spPr>
           <a:xfrm>
-            <a:off x="3806623" y="2564904"/>
+            <a:off x="1519785" y="2708920"/>
             <a:ext cx="0" cy="216024"/>
           </a:xfrm>
           <a:prstGeom prst="straightConnector1">
@@ -4724,7 +4419,7 @@
         </p:nvCxnSpPr>
         <p:spPr>
           <a:xfrm>
-            <a:off x="3806623" y="3140968"/>
+            <a:off x="1519785" y="3284984"/>
             <a:ext cx="0" cy="216024"/>
           </a:xfrm>
           <a:prstGeom prst="straightConnector1">
@@ -4763,7 +4458,7 @@
         </p:nvCxnSpPr>
         <p:spPr>
           <a:xfrm>
-            <a:off x="3806623" y="3789040"/>
+            <a:off x="1519785" y="3933056"/>
             <a:ext cx="0" cy="216024"/>
           </a:xfrm>
           <a:prstGeom prst="straightConnector1">
@@ -4802,7 +4497,7 @@
         </p:nvCxnSpPr>
         <p:spPr>
           <a:xfrm>
-            <a:off x="3806623" y="4443462"/>
+            <a:off x="1519785" y="4587478"/>
             <a:ext cx="0" cy="281682"/>
           </a:xfrm>
           <a:prstGeom prst="straightConnector1">
@@ -4835,14 +4530,14 @@
           <p:cNvPr id="119" name="직선 화살표 연결선 118"/>
           <p:cNvCxnSpPr>
             <a:stCxn id="87" idx="2"/>
-            <a:endCxn id="91" idx="0"/>
+            <a:endCxn id="53" idx="0"/>
           </p:cNvCxnSpPr>
           <p:nvPr/>
         </p:nvCxnSpPr>
         <p:spPr>
           <a:xfrm>
-            <a:off x="3806623" y="5163542"/>
-            <a:ext cx="0" cy="281682"/>
+            <a:off x="1519785" y="5307558"/>
+            <a:ext cx="1375" cy="281682"/>
           </a:xfrm>
           <a:prstGeom prst="straightConnector1">
             <a:avLst/>
@@ -4871,17 +4566,22 @@
       </p:cxnSp>
       <p:sp>
         <p:nvSpPr>
-          <p:cNvPr id="125" name="평행 사변형 124"/>
+          <p:cNvPr id="52" name="설명선 1(강조선) 51"/>
           <p:cNvSpPr/>
           <p:nvPr/>
         </p:nvSpPr>
         <p:spPr>
           <a:xfrm>
-            <a:off x="4860032" y="3284984"/>
-            <a:ext cx="1224136" cy="432048"/>
-          </a:xfrm>
-          <a:prstGeom prst="parallelogram">
-            <a:avLst/>
+            <a:off x="3059832" y="4869160"/>
+            <a:ext cx="2952328" cy="360040"/>
+          </a:xfrm>
+          <a:prstGeom prst="accentCallout1">
+            <a:avLst>
+              <a:gd name="adj1" fmla="val 26112"/>
+              <a:gd name="adj2" fmla="val 1991"/>
+              <a:gd name="adj3" fmla="val 57289"/>
+              <a:gd name="adj4" fmla="val -21770"/>
+            </a:avLst>
           </a:prstGeom>
           <a:noFill/>
           <a:ln w="19050">
@@ -4907,7 +4607,7 @@
           </a:fontRef>
         </p:style>
         <p:txBody>
-          <a:bodyPr lIns="36000" tIns="36000" rIns="36000" bIns="36000" rtlCol="0" anchor="ctr"/>
+          <a:bodyPr rtlCol="0" anchor="ctr"/>
           <a:lstStyle/>
           <a:p>
             <a:pPr algn="ctr"/>
@@ -4917,7 +4617,7 @@
                   <a:schemeClr val="tx1"/>
                 </a:solidFill>
               </a:rPr>
-              <a:t>ProcList</a:t>
+              <a:t>rmm</a:t>
             </a:r>
             <a:r>
               <a:rPr lang="en-US" altLang="ko-KR" sz="1000" dirty="0" smtClean="0">
@@ -4925,7 +4625,7 @@
                   <a:schemeClr val="tx1"/>
                 </a:solidFill>
               </a:rPr>
-              <a:t> </a:t>
+              <a:t> : Console</a:t>
             </a:r>
             <a:r>
               <a:rPr lang="ko-KR" altLang="en-US" sz="1000" dirty="0" smtClean="0">
@@ -4933,7 +4633,23 @@
                   <a:schemeClr val="tx1"/>
                 </a:solidFill>
               </a:rPr>
-              <a:t>출력</a:t>
+              <a:t>에서 입력받은 </a:t>
+            </a:r>
+            <a:r>
+              <a:rPr lang="en-US" altLang="ko-KR" sz="1000" dirty="0" smtClean="0">
+                <a:solidFill>
+                  <a:schemeClr val="tx1"/>
+                </a:solidFill>
+              </a:rPr>
+              <a:t>Memory </a:t>
+            </a:r>
+            <a:r>
+              <a:rPr lang="ko-KR" altLang="en-US" sz="1000" dirty="0" smtClean="0">
+                <a:solidFill>
+                  <a:schemeClr val="tx1"/>
+                </a:solidFill>
+              </a:rPr>
+              <a:t>크기</a:t>
             </a:r>
             <a:endParaRPr lang="en-US" altLang="ko-KR" sz="1000" dirty="0" smtClean="0">
               <a:solidFill>
@@ -4944,14 +4660,131 @@
           <a:p>
             <a:pPr algn="ctr"/>
             <a:r>
+              <a:rPr lang="en-US" altLang="ko-KR" sz="1000" dirty="0" err="1" smtClean="0">
+                <a:solidFill>
+                  <a:schemeClr val="tx1"/>
+                </a:solidFill>
+              </a:rPr>
+              <a:t>tmm</a:t>
+            </a:r>
+            <a:r>
               <a:rPr lang="en-US" altLang="ko-KR" sz="1000" dirty="0" smtClean="0">
                 <a:solidFill>
                   <a:schemeClr val="tx1"/>
                 </a:solidFill>
               </a:rPr>
-              <a:t>ProcResult.TXT</a:t>
-            </a:r>
-            <a:endParaRPr lang="ko-KR" altLang="en-US" sz="1000" dirty="0" smtClean="0">
+              <a:t> : </a:t>
+            </a:r>
+            <a:r>
+              <a:rPr lang="en-US" altLang="ko-KR" sz="1000" dirty="0" err="1" smtClean="0">
+                <a:solidFill>
+                  <a:schemeClr val="tx1"/>
+                </a:solidFill>
+              </a:rPr>
+              <a:t>tasklist</a:t>
+            </a:r>
+            <a:r>
+              <a:rPr lang="ko-KR" altLang="en-US" sz="1000" dirty="0" smtClean="0">
+                <a:solidFill>
+                  <a:schemeClr val="tx1"/>
+                </a:solidFill>
+              </a:rPr>
+              <a:t>의 </a:t>
+            </a:r>
+            <a:r>
+              <a:rPr lang="en-US" altLang="ko-KR" sz="1000" dirty="0" smtClean="0">
+                <a:solidFill>
+                  <a:schemeClr val="tx1"/>
+                </a:solidFill>
+              </a:rPr>
+              <a:t>Process Memory </a:t>
+            </a:r>
+            <a:r>
+              <a:rPr lang="ko-KR" altLang="en-US" sz="1000" dirty="0" smtClean="0">
+                <a:solidFill>
+                  <a:schemeClr val="tx1"/>
+                </a:solidFill>
+              </a:rPr>
+              <a:t>크기 정보</a:t>
+            </a:r>
+          </a:p>
+        </p:txBody>
+      </p:sp>
+      <p:sp>
+        <p:nvSpPr>
+          <p:cNvPr id="53" name="평행 사변형 52"/>
+          <p:cNvSpPr/>
+          <p:nvPr/>
+        </p:nvSpPr>
+        <p:spPr>
+          <a:xfrm>
+            <a:off x="801080" y="5589240"/>
+            <a:ext cx="1440160" cy="504056"/>
+          </a:xfrm>
+          <a:prstGeom prst="parallelogram">
+            <a:avLst/>
+          </a:prstGeom>
+          <a:noFill/>
+          <a:ln w="19050">
+            <a:solidFill>
+              <a:schemeClr val="tx1"/>
+            </a:solidFill>
+          </a:ln>
+        </p:spPr>
+        <p:style>
+          <a:lnRef idx="2">
+            <a:schemeClr val="accent1">
+              <a:shade val="50000"/>
+            </a:schemeClr>
+          </a:lnRef>
+          <a:fillRef idx="1">
+            <a:schemeClr val="accent1"/>
+          </a:fillRef>
+          <a:effectRef idx="0">
+            <a:schemeClr val="accent1"/>
+          </a:effectRef>
+          <a:fontRef idx="minor">
+            <a:schemeClr val="lt1"/>
+          </a:fontRef>
+        </p:style>
+        <p:txBody>
+          <a:bodyPr lIns="36000" tIns="36000" rIns="36000" bIns="36000" rtlCol="0" anchor="ctr"/>
+          <a:lstStyle/>
+          <a:p>
+            <a:pPr algn="ctr"/>
+            <a:r>
+              <a:rPr lang="en-US" altLang="ko-KR" sz="1000" dirty="0" smtClean="0">
+                <a:solidFill>
+                  <a:schemeClr val="tx1"/>
+                </a:solidFill>
+              </a:rPr>
+              <a:t>Process </a:t>
+            </a:r>
+            <a:r>
+              <a:rPr lang="ko-KR" altLang="en-US" sz="1000" dirty="0" smtClean="0">
+                <a:solidFill>
+                  <a:schemeClr val="tx1"/>
+                </a:solidFill>
+              </a:rPr>
+              <a:t>정보 </a:t>
+            </a:r>
+            <a:r>
+              <a:rPr lang="en-US" altLang="ko-KR" sz="1000" dirty="0" smtClean="0">
+                <a:solidFill>
+                  <a:schemeClr val="tx1"/>
+                </a:solidFill>
+              </a:rPr>
+              <a:t> PROCESS.TXT</a:t>
+            </a:r>
+            <a:r>
+              <a:rPr lang="ko-KR" altLang="en-US" sz="1000" dirty="0" smtClean="0">
+                <a:solidFill>
+                  <a:schemeClr val="tx1"/>
+                </a:solidFill>
+              </a:rPr>
+              <a:t>에 출력</a:t>
+            </a:r>
+            <a:endParaRPr lang="en-US" altLang="ko-KR" sz="1000" dirty="0" smtClean="0">
               <a:solidFill>
                 <a:schemeClr val="tx1"/>
               </a:solidFill>
@@ -4959,45 +4792,42 @@
           </a:p>
         </p:txBody>
       </p:sp>
-      <p:cxnSp>
-        <p:nvCxnSpPr>
-          <p:cNvPr id="131" name="Shape 66"/>
-          <p:cNvCxnSpPr>
-            <a:stCxn id="125" idx="1"/>
-            <a:endCxn id="75" idx="2"/>
-          </p:cNvCxnSpPr>
-          <p:nvPr/>
-        </p:nvCxnSpPr>
-        <p:spPr>
-          <a:xfrm rot="16200000" flipV="1">
-            <a:off x="4454841" y="2213719"/>
-            <a:ext cx="972108" cy="1170422"/>
-          </a:xfrm>
-          <a:prstGeom prst="bentConnector2">
-            <a:avLst/>
-          </a:prstGeom>
-          <a:ln w="12700">
+      <p:sp>
+        <p:nvSpPr>
+          <p:cNvPr id="57" name="TextBox 56"/>
+          <p:cNvSpPr txBox="1"/>
+          <p:nvPr/>
+        </p:nvSpPr>
+        <p:spPr>
+          <a:xfrm>
+            <a:off x="6948264" y="188640"/>
+            <a:ext cx="1944216" cy="369332"/>
+          </a:xfrm>
+          <a:prstGeom prst="rect">
+            <a:avLst/>
+          </a:prstGeom>
+          <a:noFill/>
+          <a:ln>
             <a:solidFill>
               <a:schemeClr val="tx1"/>
             </a:solidFill>
-            <a:tailEnd type="triangle"/>
           </a:ln>
         </p:spPr>
-        <p:style>
-          <a:lnRef idx="1">
-            <a:schemeClr val="accent1"/>
-          </a:lnRef>
-          <a:fillRef idx="0">
-            <a:schemeClr val="accent1"/>
-          </a:fillRef>
-          <a:effectRef idx="0">
-            <a:schemeClr val="accent1"/>
-          </a:effectRef>
-          <a:fontRef idx="minor">
-            <a:schemeClr val="tx1"/>
-          </a:fontRef>
-        </p:style>
-      </p:cxnSp>
+        <p:txBody>
+          <a:bodyPr wrap="square" rtlCol="0">
+            <a:spAutoFit/>
+          </a:bodyPr>
+          <a:lstStyle/>
+          <a:p>
+            <a:pPr algn="ctr"/>
+            <a:r>
+              <a:rPr lang="en-US" altLang="ko-KR" dirty="0" smtClean="0"/>
+              <a:t>Main Flow Chart</a:t>
+            </a:r>
+            <a:endParaRPr lang="ko-KR" altLang="en-US" dirty="0"/>
+          </a:p>
+        </p:txBody>
+      </p:sp>
     </p:spTree>
   </p:cSld>
   <p:clrMapOvr>
@@ -5038,7 +4868,7 @@
         </p:nvSpPr>
         <p:spPr>
           <a:xfrm>
-            <a:off x="1753811" y="136386"/>
+            <a:off x="1753811" y="63624"/>
             <a:ext cx="1296144" cy="216024"/>
           </a:xfrm>
           <a:prstGeom prst="roundRect">
@@ -5096,7 +4926,7 @@
         </p:nvSpPr>
         <p:spPr>
           <a:xfrm>
-            <a:off x="1645799" y="1760093"/>
+            <a:off x="1645799" y="2001490"/>
             <a:ext cx="1512168" cy="438398"/>
           </a:xfrm>
           <a:prstGeom prst="flowChartDecision">
@@ -5154,7 +4984,7 @@
         </p:nvSpPr>
         <p:spPr>
           <a:xfrm>
-            <a:off x="3373991" y="1190379"/>
+            <a:off x="3373991" y="1375907"/>
             <a:ext cx="792088" cy="288032"/>
           </a:xfrm>
           <a:prstGeom prst="rect">
@@ -5215,7 +5045,7 @@
         </p:nvSpPr>
         <p:spPr>
           <a:xfrm>
-            <a:off x="2077847" y="2126483"/>
+            <a:off x="2051720" y="2367880"/>
             <a:ext cx="288032" cy="215444"/>
           </a:xfrm>
           <a:prstGeom prst="rect">
@@ -5248,8 +5078,8 @@
         </p:nvCxnSpPr>
         <p:spPr>
           <a:xfrm flipV="1">
-            <a:off x="3157967" y="1478411"/>
-            <a:ext cx="612068" cy="500881"/>
+            <a:off x="3157967" y="1663939"/>
+            <a:ext cx="612068" cy="556750"/>
           </a:xfrm>
           <a:prstGeom prst="bentConnector2">
             <a:avLst/>
@@ -5284,7 +5114,7 @@
         </p:nvSpPr>
         <p:spPr>
           <a:xfrm>
-            <a:off x="1789815" y="1118371"/>
+            <a:off x="1789815" y="1359768"/>
             <a:ext cx="1224136" cy="432048"/>
           </a:xfrm>
           <a:prstGeom prst="parallelogram">
@@ -5340,12 +5170,15 @@
       <p:cxnSp>
         <p:nvCxnSpPr>
           <p:cNvPr id="12" name="직선 화살표 연결선 11"/>
-          <p:cNvCxnSpPr/>
+          <p:cNvCxnSpPr>
+            <a:stCxn id="10" idx="4"/>
+            <a:endCxn id="5" idx="0"/>
+          </p:cNvCxnSpPr>
           <p:nvPr/>
         </p:nvCxnSpPr>
         <p:spPr>
           <a:xfrm>
-            <a:off x="2401883" y="1550419"/>
+            <a:off x="2401883" y="1791816"/>
             <a:ext cx="0" cy="209674"/>
           </a:xfrm>
           <a:prstGeom prst="straightConnector1">
@@ -5376,13 +5209,15 @@
       <p:cxnSp>
         <p:nvCxnSpPr>
           <p:cNvPr id="13" name="직선 화살표 연결선 12"/>
-          <p:cNvCxnSpPr/>
+          <p:cNvCxnSpPr>
+            <a:stCxn id="5" idx="2"/>
+          </p:cNvCxnSpPr>
           <p:nvPr/>
         </p:nvCxnSpPr>
         <p:spPr>
           <a:xfrm>
-            <a:off x="2401883" y="2198491"/>
-            <a:ext cx="0" cy="275332"/>
+            <a:off x="2401883" y="2439888"/>
+            <a:ext cx="0" cy="219463"/>
           </a:xfrm>
           <a:prstGeom prst="straightConnector1">
             <a:avLst/>
@@ -5417,7 +5252,7 @@
         </p:nvSpPr>
         <p:spPr>
           <a:xfrm>
-            <a:off x="1645799" y="2473823"/>
+            <a:off x="1645799" y="2659351"/>
             <a:ext cx="1512168" cy="438398"/>
           </a:xfrm>
           <a:prstGeom prst="flowChartDecision">
@@ -5481,7 +5316,7 @@
         </p:nvSpPr>
         <p:spPr>
           <a:xfrm>
-            <a:off x="1383894" y="2503941"/>
+            <a:off x="1383894" y="2689469"/>
             <a:ext cx="360040" cy="215444"/>
           </a:xfrm>
           <a:prstGeom prst="rect">
@@ -5514,7 +5349,7 @@
         </p:nvCxnSpPr>
         <p:spPr>
           <a:xfrm rot="10800000" flipV="1">
-            <a:off x="1072071" y="2693021"/>
+            <a:off x="1072071" y="2878549"/>
             <a:ext cx="573728" cy="297557"/>
           </a:xfrm>
           <a:prstGeom prst="bentConnector2">
@@ -5550,8 +5385,8 @@
         </p:nvSpPr>
         <p:spPr>
           <a:xfrm>
-            <a:off x="1753811" y="614315"/>
-            <a:ext cx="1296144" cy="288032"/>
+            <a:off x="1576541" y="895468"/>
+            <a:ext cx="1646307" cy="248276"/>
           </a:xfrm>
           <a:prstGeom prst="rect">
             <a:avLst/>
@@ -5590,7 +5425,7 @@
                   <a:schemeClr val="tx1"/>
                 </a:solidFill>
               </a:rPr>
-              <a:t>objList</a:t>
+              <a:t>MonitorList</a:t>
             </a:r>
             <a:r>
               <a:rPr lang="en-US" altLang="ko-KR" sz="1000" dirty="0" smtClean="0">
@@ -5619,7 +5454,7 @@
         </p:nvSpPr>
         <p:spPr>
           <a:xfrm>
-            <a:off x="279983" y="2990579"/>
+            <a:off x="279983" y="3176107"/>
             <a:ext cx="1584176" cy="504056"/>
           </a:xfrm>
           <a:prstGeom prst="flowChartDecision">
@@ -5675,7 +5510,7 @@
         </p:nvCxnSpPr>
         <p:spPr>
           <a:xfrm>
-            <a:off x="1864159" y="3242607"/>
+            <a:off x="1864159" y="3428135"/>
             <a:ext cx="1166042" cy="252028"/>
           </a:xfrm>
           <a:prstGeom prst="bentConnector2">
@@ -5714,8 +5549,8 @@
         </p:nvCxnSpPr>
         <p:spPr>
           <a:xfrm rot="10800000" flipH="1">
-            <a:off x="321191" y="1334396"/>
-            <a:ext cx="1522629" cy="4684875"/>
+            <a:off x="321191" y="1575793"/>
+            <a:ext cx="1522629" cy="4779395"/>
           </a:xfrm>
           <a:prstGeom prst="bentConnector3">
             <a:avLst>
@@ -5755,8 +5590,8 @@
         </p:nvCxnSpPr>
         <p:spPr>
           <a:xfrm rot="16200000" flipV="1">
-            <a:off x="3193971" y="614315"/>
-            <a:ext cx="432048" cy="720080"/>
+            <a:off x="3318292" y="924163"/>
+            <a:ext cx="356301" cy="547187"/>
           </a:xfrm>
           <a:prstGeom prst="bentConnector2">
             <a:avLst/>
@@ -5787,14 +5622,15 @@
         <p:nvCxnSpPr>
           <p:cNvPr id="47" name="직선 화살표 연결선 46"/>
           <p:cNvCxnSpPr>
+            <a:stCxn id="118" idx="2"/>
             <a:endCxn id="20" idx="0"/>
           </p:cNvCxnSpPr>
           <p:nvPr/>
         </p:nvCxnSpPr>
         <p:spPr>
-          <a:xfrm>
-            <a:off x="2401883" y="352410"/>
-            <a:ext cx="0" cy="261905"/>
+          <a:xfrm flipH="1">
+            <a:off x="2399695" y="711696"/>
+            <a:ext cx="2565" cy="183772"/>
           </a:xfrm>
           <a:prstGeom prst="straightConnector1">
             <a:avLst/>
@@ -5824,13 +5660,16 @@
       <p:cxnSp>
         <p:nvCxnSpPr>
           <p:cNvPr id="50" name="직선 화살표 연결선 49"/>
-          <p:cNvCxnSpPr/>
+          <p:cNvCxnSpPr>
+            <a:stCxn id="20" idx="2"/>
+            <a:endCxn id="10" idx="0"/>
+          </p:cNvCxnSpPr>
           <p:nvPr/>
         </p:nvCxnSpPr>
         <p:spPr>
           <a:xfrm>
-            <a:off x="2401883" y="902347"/>
-            <a:ext cx="0" cy="216024"/>
+            <a:off x="2399695" y="1143744"/>
+            <a:ext cx="2188" cy="216024"/>
           </a:xfrm>
           <a:prstGeom prst="straightConnector1">
             <a:avLst/>
@@ -5867,9 +5706,9 @@
           <p:nvPr/>
         </p:nvCxnSpPr>
         <p:spPr>
-          <a:xfrm flipH="1">
-            <a:off x="3031077" y="5294835"/>
-            <a:ext cx="1460" cy="216024"/>
+          <a:xfrm>
+            <a:off x="3032537" y="5480363"/>
+            <a:ext cx="17339" cy="216023"/>
           </a:xfrm>
           <a:prstGeom prst="straightConnector1">
             <a:avLst/>
@@ -5904,7 +5743,7 @@
         </p:nvSpPr>
         <p:spPr>
           <a:xfrm>
-            <a:off x="1789815" y="3062587"/>
+            <a:off x="1789815" y="3248115"/>
             <a:ext cx="288032" cy="215444"/>
           </a:xfrm>
           <a:prstGeom prst="rect">
@@ -5937,13 +5776,13 @@
         </p:nvCxnSpPr>
         <p:spPr>
           <a:xfrm rot="5400000" flipH="1">
-            <a:off x="-57567" y="3235783"/>
-            <a:ext cx="4968552" cy="1165776"/>
+            <a:off x="-72495" y="3492108"/>
+            <a:ext cx="4998407" cy="1165776"/>
           </a:xfrm>
           <a:prstGeom prst="bentConnector4">
             <a:avLst>
-              <a:gd name="adj1" fmla="val -4601"/>
-              <a:gd name="adj2" fmla="val 251235"/>
+              <a:gd name="adj1" fmla="val -2982"/>
+              <a:gd name="adj2" fmla="val 251560"/>
             </a:avLst>
           </a:prstGeom>
           <a:ln w="12700">
@@ -5976,7 +5815,7 @@
         </p:nvSpPr>
         <p:spPr>
           <a:xfrm>
-            <a:off x="321192" y="5879608"/>
+            <a:off x="321192" y="6215525"/>
             <a:ext cx="1512168" cy="279323"/>
           </a:xfrm>
           <a:prstGeom prst="rect">
@@ -6034,7 +5873,7 @@
         </p:nvSpPr>
         <p:spPr>
           <a:xfrm>
-            <a:off x="312483" y="4502747"/>
+            <a:off x="312483" y="4688275"/>
             <a:ext cx="1509832" cy="504056"/>
           </a:xfrm>
           <a:prstGeom prst="flowChartDecision">
@@ -6090,7 +5929,7 @@
         </p:nvCxnSpPr>
         <p:spPr>
           <a:xfrm flipH="1">
-            <a:off x="1069735" y="3494635"/>
+            <a:off x="1069735" y="3680163"/>
             <a:ext cx="2336" cy="331577"/>
           </a:xfrm>
           <a:prstGeom prst="straightConnector1">
@@ -6126,7 +5965,7 @@
         </p:nvSpPr>
         <p:spPr>
           <a:xfrm>
-            <a:off x="1115616" y="3515540"/>
+            <a:off x="1115616" y="3701068"/>
             <a:ext cx="144016" cy="123111"/>
           </a:xfrm>
           <a:prstGeom prst="rect">
@@ -6159,8 +5998,8 @@
         </p:nvCxnSpPr>
         <p:spPr>
           <a:xfrm>
-            <a:off x="1067399" y="5006803"/>
-            <a:ext cx="3504" cy="360040"/>
+            <a:off x="1067399" y="5192331"/>
+            <a:ext cx="4784" cy="360039"/>
           </a:xfrm>
           <a:prstGeom prst="straightConnector1">
             <a:avLst/>
@@ -6195,8 +6034,8 @@
         </p:nvSpPr>
         <p:spPr>
           <a:xfrm>
-            <a:off x="458835" y="5366843"/>
-            <a:ext cx="1224136" cy="216024"/>
+            <a:off x="352103" y="5552370"/>
+            <a:ext cx="1440160" cy="366414"/>
           </a:xfrm>
           <a:prstGeom prst="parallelogram">
             <a:avLst/>
@@ -6237,6 +6076,17 @@
               </a:rPr>
               <a:t>Write Result</a:t>
             </a:r>
+          </a:p>
+          <a:p>
+            <a:pPr algn="ctr"/>
+            <a:r>
+              <a:rPr lang="en-US" altLang="ko-KR" sz="1000" dirty="0" smtClean="0">
+                <a:solidFill>
+                  <a:schemeClr val="tx1"/>
+                </a:solidFill>
+              </a:rPr>
+              <a:t>(Type &amp; Filename)</a:t>
+            </a:r>
             <a:endParaRPr lang="ko-KR" altLang="en-US" sz="1000" dirty="0" smtClean="0">
               <a:solidFill>
                 <a:schemeClr val="tx1"/>
@@ -6256,8 +6106,8 @@
         </p:nvCxnSpPr>
         <p:spPr>
           <a:xfrm>
-            <a:off x="1070903" y="5582867"/>
-            <a:ext cx="6373" cy="296741"/>
+            <a:off x="1072183" y="5918784"/>
+            <a:ext cx="5093" cy="296741"/>
           </a:xfrm>
           <a:prstGeom prst="straightConnector1">
             <a:avLst/>
@@ -6292,7 +6142,7 @@
         </p:nvSpPr>
         <p:spPr>
           <a:xfrm>
-            <a:off x="2256699" y="4070699"/>
+            <a:off x="2256699" y="4256227"/>
             <a:ext cx="1547004" cy="504056"/>
           </a:xfrm>
           <a:prstGeom prst="flowChartDecision">
@@ -6345,7 +6195,7 @@
         </p:nvSpPr>
         <p:spPr>
           <a:xfrm>
-            <a:off x="2354834" y="3494635"/>
+            <a:off x="2354834" y="3680163"/>
             <a:ext cx="1350734" cy="279323"/>
           </a:xfrm>
           <a:prstGeom prst="rect">
@@ -6385,23 +6235,7 @@
                   <a:schemeClr val="tx1"/>
                 </a:solidFill>
               </a:rPr>
-              <a:t>OFF </a:t>
-            </a:r>
-            <a:r>
-              <a:rPr lang="en-US" altLang="ko-KR" sz="1000" dirty="0" smtClean="0">
-                <a:solidFill>
-                  <a:schemeClr val="tx1"/>
-                </a:solidFill>
-              </a:rPr>
-              <a:t>Exist </a:t>
-            </a:r>
-            <a:r>
-              <a:rPr lang="en-US" altLang="ko-KR" sz="1000" dirty="0" smtClean="0">
-                <a:solidFill>
-                  <a:schemeClr val="tx1"/>
-                </a:solidFill>
-              </a:rPr>
-              <a:t>Write Flag</a:t>
+              <a:t>OFF Exist Write Flag</a:t>
             </a:r>
             <a:endParaRPr lang="ko-KR" altLang="en-US" sz="1000" dirty="0" smtClean="0">
               <a:solidFill>
@@ -6419,7 +6253,7 @@
         </p:nvSpPr>
         <p:spPr>
           <a:xfrm>
-            <a:off x="421663" y="3826212"/>
+            <a:off x="421663" y="4011740"/>
             <a:ext cx="1296144" cy="360040"/>
           </a:xfrm>
           <a:prstGeom prst="rect">
@@ -6488,7 +6322,7 @@
         </p:nvSpPr>
         <p:spPr>
           <a:xfrm>
-            <a:off x="2149855" y="4890065"/>
+            <a:off x="2149855" y="5075593"/>
             <a:ext cx="144016" cy="123111"/>
           </a:xfrm>
           <a:prstGeom prst="rect">
@@ -6518,7 +6352,7 @@
         </p:nvSpPr>
         <p:spPr>
           <a:xfrm>
-            <a:off x="3112086" y="1838451"/>
+            <a:off x="3112086" y="2023979"/>
             <a:ext cx="144016" cy="123111"/>
           </a:xfrm>
           <a:prstGeom prst="rect">
@@ -6551,7 +6385,7 @@
         </p:nvCxnSpPr>
         <p:spPr>
           <a:xfrm flipH="1">
-            <a:off x="1067399" y="4186252"/>
+            <a:off x="1067399" y="4371780"/>
             <a:ext cx="2336" cy="316495"/>
           </a:xfrm>
           <a:prstGeom prst="straightConnector1">
@@ -6587,7 +6421,7 @@
         </p:nvSpPr>
         <p:spPr>
           <a:xfrm>
-            <a:off x="3734031" y="4149080"/>
+            <a:off x="3734031" y="4334608"/>
             <a:ext cx="144016" cy="123111"/>
           </a:xfrm>
           <a:prstGeom prst="rect">
@@ -6620,7 +6454,7 @@
         </p:nvCxnSpPr>
         <p:spPr>
           <a:xfrm>
-            <a:off x="3030201" y="3773958"/>
+            <a:off x="3030201" y="3959486"/>
             <a:ext cx="0" cy="296741"/>
           </a:xfrm>
           <a:prstGeom prst="straightConnector1">
@@ -6656,7 +6490,7 @@
         </p:nvSpPr>
         <p:spPr>
           <a:xfrm>
-            <a:off x="2169609" y="4790779"/>
+            <a:off x="2169609" y="4976307"/>
             <a:ext cx="1725856" cy="504056"/>
           </a:xfrm>
           <a:prstGeom prst="flowChartDecision">
@@ -6712,7 +6546,7 @@
         </p:nvCxnSpPr>
         <p:spPr>
           <a:xfrm>
-            <a:off x="3030201" y="4574755"/>
+            <a:off x="3030201" y="4760283"/>
             <a:ext cx="2336" cy="216024"/>
           </a:xfrm>
           <a:prstGeom prst="straightConnector1">
@@ -6748,8 +6582,8 @@
         </p:nvSpPr>
         <p:spPr>
           <a:xfrm>
-            <a:off x="2392006" y="5510859"/>
-            <a:ext cx="1224136" cy="216024"/>
+            <a:off x="2392006" y="5696386"/>
+            <a:ext cx="1224136" cy="366414"/>
           </a:xfrm>
           <a:prstGeom prst="parallelogram">
             <a:avLst/>
@@ -6790,6 +6624,17 @@
               </a:rPr>
               <a:t>Write Result</a:t>
             </a:r>
+          </a:p>
+          <a:p>
+            <a:pPr algn="ctr"/>
+            <a:r>
+              <a:rPr lang="en-US" altLang="ko-KR" sz="1000" dirty="0" smtClean="0">
+                <a:solidFill>
+                  <a:schemeClr val="tx1"/>
+                </a:solidFill>
+              </a:rPr>
+              <a:t>(All Line)</a:t>
+            </a:r>
             <a:endParaRPr lang="ko-KR" altLang="en-US" sz="1000" dirty="0" smtClean="0">
               <a:solidFill>
                 <a:schemeClr val="tx1"/>
@@ -6806,7 +6651,7 @@
         </p:nvSpPr>
         <p:spPr>
           <a:xfrm>
-            <a:off x="1106907" y="5006803"/>
+            <a:off x="1106907" y="5192331"/>
             <a:ext cx="144016" cy="123111"/>
           </a:xfrm>
           <a:prstGeom prst="rect">
@@ -6836,7 +6681,7 @@
         </p:nvSpPr>
         <p:spPr>
           <a:xfrm>
-            <a:off x="3074914" y="5294835"/>
+            <a:off x="3074914" y="5480363"/>
             <a:ext cx="144016" cy="123111"/>
           </a:xfrm>
           <a:prstGeom prst="rect">
@@ -6866,7 +6711,7 @@
         </p:nvSpPr>
         <p:spPr>
           <a:xfrm>
-            <a:off x="3068541" y="4557337"/>
+            <a:off x="3068541" y="4742865"/>
             <a:ext cx="144016" cy="123111"/>
           </a:xfrm>
           <a:prstGeom prst="rect">
@@ -6896,8 +6741,8 @@
         </p:nvSpPr>
         <p:spPr>
           <a:xfrm>
-            <a:off x="2392006" y="5942907"/>
-            <a:ext cx="1235181" cy="360040"/>
+            <a:off x="2392006" y="6220532"/>
+            <a:ext cx="1235181" cy="353667"/>
           </a:xfrm>
           <a:prstGeom prst="rect">
             <a:avLst/>
@@ -6968,8 +6813,8 @@
         </p:nvCxnSpPr>
         <p:spPr>
           <a:xfrm>
-            <a:off x="3004074" y="5726883"/>
-            <a:ext cx="5523" cy="216024"/>
+            <a:off x="3004074" y="6062800"/>
+            <a:ext cx="5523" cy="157732"/>
           </a:xfrm>
           <a:prstGeom prst="straightConnector1">
             <a:avLst/>
@@ -7007,8 +6852,8 @@
         </p:nvCxnSpPr>
         <p:spPr>
           <a:xfrm rot="10800000" flipH="1">
-            <a:off x="312483" y="1334395"/>
-            <a:ext cx="1531338" cy="3420380"/>
+            <a:off x="312483" y="1575793"/>
+            <a:ext cx="1531338" cy="3364511"/>
           </a:xfrm>
           <a:prstGeom prst="bentConnector3">
             <a:avLst>
@@ -7045,7 +6890,7 @@
         </p:nvSpPr>
         <p:spPr>
           <a:xfrm>
-            <a:off x="242811" y="4592173"/>
+            <a:off x="242811" y="4777701"/>
             <a:ext cx="144016" cy="123111"/>
           </a:xfrm>
           <a:prstGeom prst="rect">
@@ -7075,7 +6920,7 @@
         </p:nvSpPr>
         <p:spPr>
           <a:xfrm>
-            <a:off x="3771203" y="5942907"/>
+            <a:off x="3771203" y="6128435"/>
             <a:ext cx="1152128" cy="366413"/>
           </a:xfrm>
           <a:prstGeom prst="rect">
@@ -7151,7 +6996,7 @@
         </p:nvCxnSpPr>
         <p:spPr>
           <a:xfrm>
-            <a:off x="3803703" y="4322727"/>
+            <a:off x="3803703" y="4508255"/>
             <a:ext cx="543564" cy="1620180"/>
           </a:xfrm>
           <a:prstGeom prst="bentConnector2">
@@ -7189,7 +7034,7 @@
         </p:nvCxnSpPr>
         <p:spPr>
           <a:xfrm rot="10800000" flipV="1">
-            <a:off x="1933831" y="5042806"/>
+            <a:off x="1933831" y="5228334"/>
             <a:ext cx="235778" cy="1482537"/>
           </a:xfrm>
           <a:prstGeom prst="bentConnector2">
@@ -7225,7 +7070,7 @@
         </p:nvSpPr>
         <p:spPr>
           <a:xfrm>
-            <a:off x="5185236" y="2340171"/>
+            <a:off x="5185236" y="2525699"/>
             <a:ext cx="1584176" cy="504056"/>
           </a:xfrm>
           <a:prstGeom prst="flowChartDecision">
@@ -7294,7 +7139,7 @@
         </p:nvCxnSpPr>
         <p:spPr>
           <a:xfrm>
-            <a:off x="6769412" y="2592199"/>
+            <a:off x="6769412" y="2777727"/>
             <a:ext cx="1160837" cy="252028"/>
           </a:xfrm>
           <a:prstGeom prst="bentConnector2">
@@ -7332,9 +7177,9 @@
           <p:nvPr/>
         </p:nvCxnSpPr>
         <p:spPr>
-          <a:xfrm flipH="1">
-            <a:off x="7936330" y="4644427"/>
-            <a:ext cx="1460" cy="216024"/>
+          <a:xfrm>
+            <a:off x="7937790" y="4829955"/>
+            <a:ext cx="17631" cy="216023"/>
           </a:xfrm>
           <a:prstGeom prst="straightConnector1">
             <a:avLst/>
@@ -7369,7 +7214,7 @@
         </p:nvSpPr>
         <p:spPr>
           <a:xfrm>
-            <a:off x="6695068" y="2412179"/>
+            <a:off x="6695068" y="2597707"/>
             <a:ext cx="288032" cy="215444"/>
           </a:xfrm>
           <a:prstGeom prst="rect">
@@ -7399,7 +7244,7 @@
         </p:nvSpPr>
         <p:spPr>
           <a:xfrm>
-            <a:off x="5226445" y="5229200"/>
+            <a:off x="5226445" y="5630752"/>
             <a:ext cx="1512168" cy="279323"/>
           </a:xfrm>
           <a:prstGeom prst="rect">
@@ -7457,7 +7302,7 @@
         </p:nvSpPr>
         <p:spPr>
           <a:xfrm>
-            <a:off x="5217736" y="3852339"/>
+            <a:off x="5217736" y="4037867"/>
             <a:ext cx="1509832" cy="504056"/>
           </a:xfrm>
           <a:prstGeom prst="flowChartDecision">
@@ -7513,7 +7358,7 @@
         </p:nvCxnSpPr>
         <p:spPr>
           <a:xfrm flipH="1">
-            <a:off x="5974988" y="2844227"/>
+            <a:off x="5974988" y="3029755"/>
             <a:ext cx="2336" cy="331577"/>
           </a:xfrm>
           <a:prstGeom prst="straightConnector1">
@@ -7549,7 +7394,7 @@
         </p:nvSpPr>
         <p:spPr>
           <a:xfrm>
-            <a:off x="6020869" y="2865132"/>
+            <a:off x="6020869" y="3050660"/>
             <a:ext cx="144016" cy="123111"/>
           </a:xfrm>
           <a:prstGeom prst="rect">
@@ -7582,8 +7427,8 @@
         </p:nvCxnSpPr>
         <p:spPr>
           <a:xfrm>
-            <a:off x="5972652" y="4356395"/>
-            <a:ext cx="3504" cy="360040"/>
+            <a:off x="5972652" y="4541923"/>
+            <a:ext cx="5600" cy="360039"/>
           </a:xfrm>
           <a:prstGeom prst="straightConnector1">
             <a:avLst/>
@@ -7618,8 +7463,8 @@
         </p:nvSpPr>
         <p:spPr>
           <a:xfrm>
-            <a:off x="5364088" y="4716435"/>
-            <a:ext cx="1224136" cy="216024"/>
+            <a:off x="5258172" y="4901962"/>
+            <a:ext cx="1440160" cy="440758"/>
           </a:xfrm>
           <a:prstGeom prst="parallelogram">
             <a:avLst/>
@@ -7660,6 +7505,17 @@
               </a:rPr>
               <a:t>Write Result</a:t>
             </a:r>
+          </a:p>
+          <a:p>
+            <a:pPr algn="ctr"/>
+            <a:r>
+              <a:rPr lang="en-US" altLang="ko-KR" sz="1000" dirty="0" smtClean="0">
+                <a:solidFill>
+                  <a:schemeClr val="tx1"/>
+                </a:solidFill>
+              </a:rPr>
+              <a:t>(Type &amp; Filename)</a:t>
+            </a:r>
             <a:endParaRPr lang="ko-KR" altLang="en-US" sz="1000" dirty="0" smtClean="0">
               <a:solidFill>
                 <a:schemeClr val="tx1"/>
@@ -7679,8 +7535,8 @@
         </p:nvCxnSpPr>
         <p:spPr>
           <a:xfrm>
-            <a:off x="5976156" y="4932459"/>
-            <a:ext cx="6373" cy="296741"/>
+            <a:off x="5978252" y="5342720"/>
+            <a:ext cx="4277" cy="288032"/>
           </a:xfrm>
           <a:prstGeom prst="straightConnector1">
             <a:avLst/>
@@ -7715,7 +7571,7 @@
         </p:nvSpPr>
         <p:spPr>
           <a:xfrm>
-            <a:off x="7161952" y="3420291"/>
+            <a:off x="7161952" y="3605819"/>
             <a:ext cx="1547004" cy="504056"/>
           </a:xfrm>
           <a:prstGeom prst="flowChartDecision">
@@ -7776,7 +7632,7 @@
         </p:nvSpPr>
         <p:spPr>
           <a:xfrm>
-            <a:off x="7253714" y="2844227"/>
+            <a:off x="7253714" y="3029755"/>
             <a:ext cx="1353070" cy="279323"/>
           </a:xfrm>
           <a:prstGeom prst="rect">
@@ -7834,7 +7690,7 @@
         </p:nvSpPr>
         <p:spPr>
           <a:xfrm>
-            <a:off x="5326916" y="3175804"/>
+            <a:off x="5326916" y="3361332"/>
             <a:ext cx="1296144" cy="360040"/>
           </a:xfrm>
           <a:prstGeom prst="rect">
@@ -7903,7 +7759,7 @@
         </p:nvSpPr>
         <p:spPr>
           <a:xfrm>
-            <a:off x="7055108" y="4239657"/>
+            <a:off x="7055108" y="4425185"/>
             <a:ext cx="144016" cy="123111"/>
           </a:xfrm>
           <a:prstGeom prst="rect">
@@ -7936,7 +7792,7 @@
         </p:nvCxnSpPr>
         <p:spPr>
           <a:xfrm flipH="1">
-            <a:off x="5972652" y="3535844"/>
+            <a:off x="5972652" y="3721372"/>
             <a:ext cx="2336" cy="316495"/>
           </a:xfrm>
           <a:prstGeom prst="straightConnector1">
@@ -7972,7 +7828,7 @@
         </p:nvSpPr>
         <p:spPr>
           <a:xfrm>
-            <a:off x="8639284" y="3498672"/>
+            <a:off x="8639284" y="3684200"/>
             <a:ext cx="144016" cy="123111"/>
           </a:xfrm>
           <a:prstGeom prst="rect">
@@ -8005,7 +7861,7 @@
         </p:nvCxnSpPr>
         <p:spPr>
           <a:xfrm>
-            <a:off x="7930249" y="3123550"/>
+            <a:off x="7930249" y="3309078"/>
             <a:ext cx="5205" cy="296741"/>
           </a:xfrm>
           <a:prstGeom prst="straightConnector1">
@@ -8041,7 +7897,7 @@
         </p:nvSpPr>
         <p:spPr>
           <a:xfrm>
-            <a:off x="7074862" y="4140371"/>
+            <a:off x="7074862" y="4325899"/>
             <a:ext cx="1725856" cy="504056"/>
           </a:xfrm>
           <a:prstGeom prst="flowChartDecision">
@@ -8097,7 +7953,7 @@
         </p:nvCxnSpPr>
         <p:spPr>
           <a:xfrm>
-            <a:off x="7935454" y="3924347"/>
+            <a:off x="7935454" y="4109875"/>
             <a:ext cx="2336" cy="216024"/>
           </a:xfrm>
           <a:prstGeom prst="straightConnector1">
@@ -8133,8 +7989,8 @@
         </p:nvSpPr>
         <p:spPr>
           <a:xfrm>
-            <a:off x="7297259" y="4860451"/>
-            <a:ext cx="1224136" cy="216024"/>
+            <a:off x="7297259" y="5045978"/>
+            <a:ext cx="1224136" cy="368749"/>
           </a:xfrm>
           <a:prstGeom prst="parallelogram">
             <a:avLst/>
@@ -8175,6 +8031,17 @@
               </a:rPr>
               <a:t>Write Result</a:t>
             </a:r>
+          </a:p>
+          <a:p>
+            <a:pPr algn="ctr"/>
+            <a:r>
+              <a:rPr lang="en-US" altLang="ko-KR" sz="1000" dirty="0" smtClean="0">
+                <a:solidFill>
+                  <a:schemeClr val="tx1"/>
+                </a:solidFill>
+              </a:rPr>
+              <a:t>(All Line)</a:t>
+            </a:r>
             <a:endParaRPr lang="ko-KR" altLang="en-US" sz="1000" dirty="0" smtClean="0">
               <a:solidFill>
                 <a:schemeClr val="tx1"/>
@@ -8191,7 +8058,7 @@
         </p:nvSpPr>
         <p:spPr>
           <a:xfrm>
-            <a:off x="6012160" y="4356395"/>
+            <a:off x="6012160" y="4541923"/>
             <a:ext cx="144016" cy="123111"/>
           </a:xfrm>
           <a:prstGeom prst="rect">
@@ -8221,7 +8088,7 @@
         </p:nvSpPr>
         <p:spPr>
           <a:xfrm>
-            <a:off x="7980167" y="4644427"/>
+            <a:off x="7980167" y="4829955"/>
             <a:ext cx="144016" cy="123111"/>
           </a:xfrm>
           <a:prstGeom prst="rect">
@@ -8251,7 +8118,7 @@
         </p:nvSpPr>
         <p:spPr>
           <a:xfrm>
-            <a:off x="7973794" y="3906929"/>
+            <a:off x="7973794" y="4092457"/>
             <a:ext cx="144016" cy="123111"/>
           </a:xfrm>
           <a:prstGeom prst="rect">
@@ -8281,7 +8148,7 @@
         </p:nvSpPr>
         <p:spPr>
           <a:xfrm>
-            <a:off x="7334431" y="5292499"/>
+            <a:off x="7334431" y="5630752"/>
             <a:ext cx="1154464" cy="360040"/>
           </a:xfrm>
           <a:prstGeom prst="rect">
@@ -8353,8 +8220,8 @@
         </p:nvCxnSpPr>
         <p:spPr>
           <a:xfrm>
-            <a:off x="7909327" y="5076475"/>
-            <a:ext cx="2336" cy="216024"/>
+            <a:off x="7909327" y="5414727"/>
+            <a:ext cx="2336" cy="216025"/>
           </a:xfrm>
           <a:prstGeom prst="straightConnector1">
             <a:avLst/>
@@ -8389,7 +8256,7 @@
         </p:nvSpPr>
         <p:spPr>
           <a:xfrm>
-            <a:off x="5148064" y="3941765"/>
+            <a:off x="5148064" y="4127293"/>
             <a:ext cx="144016" cy="123111"/>
           </a:xfrm>
           <a:prstGeom prst="rect">
@@ -8419,7 +8286,7 @@
         </p:nvSpPr>
         <p:spPr>
           <a:xfrm>
-            <a:off x="8028384" y="5923153"/>
+            <a:off x="8028384" y="6108681"/>
             <a:ext cx="1080120" cy="360040"/>
           </a:xfrm>
           <a:prstGeom prst="rect">
@@ -8491,7 +8358,7 @@
         </p:nvCxnSpPr>
         <p:spPr>
           <a:xfrm flipH="1">
-            <a:off x="8568444" y="3672319"/>
+            <a:off x="8568444" y="3857847"/>
             <a:ext cx="140512" cy="2250834"/>
           </a:xfrm>
           <a:prstGeom prst="bentConnector4">
@@ -8533,7 +8400,7 @@
         </p:nvCxnSpPr>
         <p:spPr>
           <a:xfrm rot="10800000" flipV="1">
-            <a:off x="4338558" y="4392399"/>
+            <a:off x="4338558" y="4577927"/>
             <a:ext cx="2736304" cy="2124236"/>
           </a:xfrm>
           <a:prstGeom prst="bentConnector3">
@@ -8574,7 +8441,7 @@
         </p:nvCxnSpPr>
         <p:spPr>
           <a:xfrm flipV="1">
-            <a:off x="3157967" y="2340171"/>
+            <a:off x="3157967" y="2525699"/>
             <a:ext cx="2819357" cy="352851"/>
           </a:xfrm>
           <a:prstGeom prst="bentConnector4">
@@ -8613,7 +8480,7 @@
         </p:nvSpPr>
         <p:spPr>
           <a:xfrm>
-            <a:off x="3131840" y="2564904"/>
+            <a:off x="3131840" y="2750432"/>
             <a:ext cx="288032" cy="123111"/>
           </a:xfrm>
           <a:prstGeom prst="rect">
@@ -8645,7 +8512,7 @@
         </p:nvCxnSpPr>
         <p:spPr>
           <a:xfrm rot="5400000">
-            <a:off x="3559533" y="5737612"/>
+            <a:off x="3559533" y="5923140"/>
             <a:ext cx="216026" cy="1359443"/>
           </a:xfrm>
           <a:prstGeom prst="bentConnector2">
@@ -8684,7 +8551,7 @@
         </p:nvCxnSpPr>
         <p:spPr>
           <a:xfrm rot="10800000" flipV="1">
-            <a:off x="4338558" y="4104367"/>
+            <a:off x="4338558" y="4289895"/>
             <a:ext cx="879178" cy="2412268"/>
           </a:xfrm>
           <a:prstGeom prst="bentConnector3">
@@ -8722,7 +8589,7 @@
         </p:nvSpPr>
         <p:spPr>
           <a:xfrm>
-            <a:off x="4194542" y="6444627"/>
+            <a:off x="4194542" y="6630155"/>
             <a:ext cx="144016" cy="144016"/>
           </a:xfrm>
           <a:prstGeom prst="flowChartConnector">
@@ -8769,8 +8636,8 @@
         </p:nvCxnSpPr>
         <p:spPr>
           <a:xfrm rot="5400000">
-            <a:off x="4656488" y="5190594"/>
-            <a:ext cx="1008112" cy="1643971"/>
+            <a:off x="4764500" y="5484134"/>
+            <a:ext cx="792088" cy="1643971"/>
           </a:xfrm>
           <a:prstGeom prst="bentConnector2">
             <a:avLst/>
@@ -8802,13 +8669,14 @@
           <p:cNvPr id="342" name="Shape 66"/>
           <p:cNvCxnSpPr>
             <a:stCxn id="280" idx="2"/>
+            <a:endCxn id="333" idx="6"/>
           </p:cNvCxnSpPr>
           <p:nvPr/>
         </p:nvCxnSpPr>
         <p:spPr>
           <a:xfrm rot="5400000">
-            <a:off x="5697418" y="4311098"/>
-            <a:ext cx="872805" cy="3555687"/>
+            <a:off x="5769426" y="4559925"/>
+            <a:ext cx="711371" cy="3573105"/>
           </a:xfrm>
           <a:prstGeom prst="bentConnector2">
             <a:avLst/>
@@ -8846,7 +8714,7 @@
         </p:nvCxnSpPr>
         <p:spPr>
           <a:xfrm rot="5400000">
-            <a:off x="6336780" y="4284971"/>
+            <a:off x="6336780" y="4470499"/>
             <a:ext cx="233442" cy="4229886"/>
           </a:xfrm>
           <a:prstGeom prst="bentConnector2">
@@ -8874,6 +8742,175 @@
           </a:fontRef>
         </p:style>
       </p:cxnSp>
+      <p:sp>
+        <p:nvSpPr>
+          <p:cNvPr id="118" name="직사각형 117"/>
+          <p:cNvSpPr/>
+          <p:nvPr/>
+        </p:nvSpPr>
+        <p:spPr>
+          <a:xfrm>
+            <a:off x="1358144" y="450168"/>
+            <a:ext cx="2088232" cy="261528"/>
+          </a:xfrm>
+          <a:prstGeom prst="rect">
+            <a:avLst/>
+          </a:prstGeom>
+          <a:noFill/>
+          <a:ln w="19050">
+            <a:solidFill>
+              <a:schemeClr val="tx1"/>
+            </a:solidFill>
+          </a:ln>
+        </p:spPr>
+        <p:style>
+          <a:lnRef idx="2">
+            <a:schemeClr val="accent1">
+              <a:shade val="50000"/>
+            </a:schemeClr>
+          </a:lnRef>
+          <a:fillRef idx="1">
+            <a:schemeClr val="accent1"/>
+          </a:fillRef>
+          <a:effectRef idx="0">
+            <a:schemeClr val="accent1"/>
+          </a:effectRef>
+          <a:fontRef idx="minor">
+            <a:schemeClr val="lt1"/>
+          </a:fontRef>
+        </p:style>
+        <p:txBody>
+          <a:bodyPr rtlCol="0" anchor="ctr"/>
+          <a:lstStyle/>
+          <a:p>
+            <a:pPr algn="ctr"/>
+            <a:r>
+              <a:rPr lang="en-US" altLang="ko-KR" sz="1000" dirty="0" smtClean="0">
+                <a:solidFill>
+                  <a:schemeClr val="tx1"/>
+                </a:solidFill>
+              </a:rPr>
+              <a:t>Load </a:t>
+            </a:r>
+            <a:r>
+              <a:rPr lang="en-US" altLang="ko-KR" sz="1000" dirty="0" err="1" smtClean="0">
+                <a:solidFill>
+                  <a:schemeClr val="tx1"/>
+                </a:solidFill>
+              </a:rPr>
+              <a:t>Config</a:t>
+            </a:r>
+            <a:r>
+              <a:rPr lang="en-US" altLang="ko-KR" sz="1000" dirty="0" smtClean="0">
+                <a:solidFill>
+                  <a:schemeClr val="tx1"/>
+                </a:solidFill>
+              </a:rPr>
+              <a:t> (Make </a:t>
+            </a:r>
+            <a:r>
+              <a:rPr lang="en-US" altLang="ko-KR" sz="1000" dirty="0" err="1" smtClean="0">
+                <a:solidFill>
+                  <a:schemeClr val="tx1"/>
+                </a:solidFill>
+              </a:rPr>
+              <a:t>MonitorList</a:t>
+            </a:r>
+            <a:r>
+              <a:rPr lang="en-US" altLang="ko-KR" sz="1000" dirty="0" smtClean="0">
+                <a:solidFill>
+                  <a:schemeClr val="tx1"/>
+                </a:solidFill>
+              </a:rPr>
+              <a:t>)</a:t>
+            </a:r>
+            <a:endParaRPr lang="ko-KR" altLang="en-US" sz="1000" dirty="0" smtClean="0">
+              <a:solidFill>
+                <a:schemeClr val="tx1"/>
+              </a:solidFill>
+            </a:endParaRPr>
+          </a:p>
+        </p:txBody>
+      </p:sp>
+      <p:cxnSp>
+        <p:nvCxnSpPr>
+          <p:cNvPr id="128" name="직선 화살표 연결선 127"/>
+          <p:cNvCxnSpPr>
+            <a:stCxn id="4" idx="2"/>
+            <a:endCxn id="118" idx="0"/>
+          </p:cNvCxnSpPr>
+          <p:nvPr/>
+        </p:nvCxnSpPr>
+        <p:spPr>
+          <a:xfrm>
+            <a:off x="2401883" y="279648"/>
+            <a:ext cx="377" cy="170520"/>
+          </a:xfrm>
+          <a:prstGeom prst="straightConnector1">
+            <a:avLst/>
+          </a:prstGeom>
+          <a:ln w="12700">
+            <a:solidFill>
+              <a:schemeClr val="tx1"/>
+            </a:solidFill>
+            <a:tailEnd type="triangle"/>
+          </a:ln>
+        </p:spPr>
+        <p:style>
+          <a:lnRef idx="1">
+            <a:schemeClr val="accent1"/>
+          </a:lnRef>
+          <a:fillRef idx="0">
+            <a:schemeClr val="accent1"/>
+          </a:fillRef>
+          <a:effectRef idx="0">
+            <a:schemeClr val="accent1"/>
+          </a:effectRef>
+          <a:fontRef idx="minor">
+            <a:schemeClr val="tx1"/>
+          </a:fontRef>
+        </p:style>
+      </p:cxnSp>
+      <p:sp>
+        <p:nvSpPr>
+          <p:cNvPr id="91" name="TextBox 90"/>
+          <p:cNvSpPr txBox="1"/>
+          <p:nvPr/>
+        </p:nvSpPr>
+        <p:spPr>
+          <a:xfrm>
+            <a:off x="6372200" y="188640"/>
+            <a:ext cx="2520280" cy="369332"/>
+          </a:xfrm>
+          <a:prstGeom prst="rect">
+            <a:avLst/>
+          </a:prstGeom>
+          <a:noFill/>
+          <a:ln>
+            <a:solidFill>
+              <a:schemeClr val="tx1"/>
+            </a:solidFill>
+          </a:ln>
+        </p:spPr>
+        <p:txBody>
+          <a:bodyPr wrap="square" rtlCol="0">
+            <a:spAutoFit/>
+          </a:bodyPr>
+          <a:lstStyle/>
+          <a:p>
+            <a:pPr algn="ctr"/>
+            <a:r>
+              <a:rPr lang="en-US" altLang="ko-KR" dirty="0" smtClean="0"/>
+              <a:t>Thread </a:t>
+            </a:r>
+            <a:r>
+              <a:rPr lang="en-US" altLang="ko-KR" dirty="0" smtClean="0"/>
+              <a:t>Flow Chart</a:t>
+            </a:r>
+            <a:endParaRPr lang="ko-KR" altLang="en-US" dirty="0"/>
+          </a:p>
+        </p:txBody>
+      </p:sp>
     </p:spTree>
   </p:cSld>
   <p:clrMapOvr>
@@ -8908,18 +8945,1999 @@
       </p:grpSpPr>
       <p:sp>
         <p:nvSpPr>
-          <p:cNvPr id="4" name="순서도: 연결자 3"/>
+          <p:cNvPr id="4" name="TextBox 3"/>
+          <p:cNvSpPr txBox="1"/>
+          <p:nvPr/>
+        </p:nvSpPr>
+        <p:spPr>
+          <a:xfrm>
+            <a:off x="6948264" y="188640"/>
+            <a:ext cx="1944216" cy="369332"/>
+          </a:xfrm>
+          <a:prstGeom prst="rect">
+            <a:avLst/>
+          </a:prstGeom>
+          <a:noFill/>
+          <a:ln>
+            <a:solidFill>
+              <a:schemeClr val="tx1"/>
+            </a:solidFill>
+          </a:ln>
+        </p:spPr>
+        <p:txBody>
+          <a:bodyPr wrap="square" rtlCol="0">
+            <a:spAutoFit/>
+          </a:bodyPr>
+          <a:lstStyle/>
+          <a:p>
+            <a:pPr algn="ctr"/>
+            <a:r>
+              <a:rPr lang="en-US" altLang="ko-KR" dirty="0" smtClean="0"/>
+              <a:t>Class Diagram</a:t>
+            </a:r>
+            <a:endParaRPr lang="ko-KR" altLang="en-US" dirty="0"/>
+          </a:p>
+        </p:txBody>
+      </p:sp>
+      <p:graphicFrame>
+        <p:nvGraphicFramePr>
+          <p:cNvPr id="5" name="표 4"/>
+          <p:cNvGraphicFramePr>
+            <a:graphicFrameLocks noGrp="1"/>
+          </p:cNvGraphicFramePr>
+          <p:nvPr/>
+        </p:nvGraphicFramePr>
+        <p:xfrm>
+          <a:off x="1691680" y="4221088"/>
+          <a:ext cx="1607840" cy="1290320"/>
+        </p:xfrm>
+        <a:graphic>
+          <a:graphicData uri="http://schemas.openxmlformats.org/drawingml/2006/table">
+            <a:tbl>
+              <a:tblPr firstRow="1" bandRow="1">
+                <a:tableStyleId>{5C22544A-7EE6-4342-B048-85BDC9FD1C3A}</a:tableStyleId>
+              </a:tblPr>
+              <a:tblGrid>
+                <a:gridCol w="1607840"/>
+              </a:tblGrid>
+              <a:tr h="370840">
+                <a:tc>
+                  <a:txBody>
+                    <a:bodyPr/>
+                    <a:lstStyle/>
+                    <a:p>
+                      <a:pPr algn="ctr" latinLnBrk="1"/>
+                      <a:r>
+                        <a:rPr lang="en-US" altLang="ko-KR" sz="1000" b="1" dirty="0" smtClean="0">
+                          <a:solidFill>
+                            <a:schemeClr val="tx1"/>
+                          </a:solidFill>
+                        </a:rPr>
+                        <a:t>Paths</a:t>
+                      </a:r>
+                      <a:endParaRPr lang="ko-KR" altLang="en-US" sz="1000" b="1" dirty="0">
+                        <a:solidFill>
+                          <a:schemeClr val="tx1"/>
+                        </a:solidFill>
+                      </a:endParaRPr>
+                    </a:p>
+                  </a:txBody>
+                  <a:tcPr anchor="ctr">
+                    <a:lnL w="12700" cap="flat" cmpd="sng" algn="ctr">
+                      <a:solidFill>
+                        <a:schemeClr val="tx1"/>
+                      </a:solidFill>
+                      <a:prstDash val="solid"/>
+                      <a:round/>
+                      <a:headEnd type="none" w="med" len="med"/>
+                      <a:tailEnd type="none" w="med" len="med"/>
+                    </a:lnL>
+                    <a:lnR w="12700" cap="flat" cmpd="sng" algn="ctr">
+                      <a:solidFill>
+                        <a:schemeClr val="tx1"/>
+                      </a:solidFill>
+                      <a:prstDash val="solid"/>
+                      <a:round/>
+                      <a:headEnd type="none" w="med" len="med"/>
+                      <a:tailEnd type="none" w="med" len="med"/>
+                    </a:lnR>
+                    <a:lnT w="12700" cap="flat" cmpd="sng" algn="ctr">
+                      <a:solidFill>
+                        <a:schemeClr val="tx1"/>
+                      </a:solidFill>
+                      <a:prstDash val="solid"/>
+                      <a:round/>
+                      <a:headEnd type="none" w="med" len="med"/>
+                      <a:tailEnd type="none" w="med" len="med"/>
+                    </a:lnT>
+                    <a:lnB w="12700" cap="flat" cmpd="sng" algn="ctr">
+                      <a:solidFill>
+                        <a:schemeClr val="tx1"/>
+                      </a:solidFill>
+                      <a:prstDash val="solid"/>
+                      <a:round/>
+                      <a:headEnd type="none" w="med" len="med"/>
+                      <a:tailEnd type="none" w="med" len="med"/>
+                    </a:lnB>
+                    <a:noFill/>
+                  </a:tcPr>
+                </a:tc>
+              </a:tr>
+              <a:tr h="370840">
+                <a:tc>
+                  <a:txBody>
+                    <a:bodyPr/>
+                    <a:lstStyle/>
+                    <a:p>
+                      <a:pPr latinLnBrk="1"/>
+                      <a:r>
+                        <a:rPr lang="en-US" altLang="ko-KR" sz="1000" b="0" dirty="0" smtClean="0">
+                          <a:solidFill>
+                            <a:schemeClr val="tx1"/>
+                          </a:solidFill>
+                        </a:rPr>
+                        <a:t>+</a:t>
+                      </a:r>
+                      <a:r>
+                        <a:rPr lang="en-US" altLang="ko-KR" sz="1000" b="0" dirty="0" err="1" smtClean="0">
+                          <a:solidFill>
+                            <a:schemeClr val="tx1"/>
+                          </a:solidFill>
+                        </a:rPr>
+                        <a:t>resultFile:string</a:t>
+                      </a:r>
+                      <a:endParaRPr lang="en-US" altLang="ko-KR" sz="1000" b="0" dirty="0" smtClean="0">
+                        <a:solidFill>
+                          <a:schemeClr val="tx1"/>
+                        </a:solidFill>
+                      </a:endParaRPr>
+                    </a:p>
+                    <a:p>
+                      <a:pPr latinLnBrk="1"/>
+                      <a:r>
+                        <a:rPr lang="en-US" altLang="ko-KR" sz="1000" b="0" dirty="0" smtClean="0">
+                          <a:solidFill>
+                            <a:schemeClr val="tx1"/>
+                          </a:solidFill>
+                        </a:rPr>
+                        <a:t>+</a:t>
+                      </a:r>
+                      <a:r>
+                        <a:rPr lang="en-US" altLang="ko-KR" sz="1000" b="0" dirty="0" err="1" smtClean="0">
+                          <a:solidFill>
+                            <a:schemeClr val="tx1"/>
+                          </a:solidFill>
+                        </a:rPr>
+                        <a:t>processOutFile:string</a:t>
+                      </a:r>
+                      <a:endParaRPr lang="en-US" altLang="ko-KR" sz="1000" b="0" dirty="0" smtClean="0">
+                        <a:solidFill>
+                          <a:schemeClr val="tx1"/>
+                        </a:solidFill>
+                      </a:endParaRPr>
+                    </a:p>
+                    <a:p>
+                      <a:pPr latinLnBrk="1"/>
+                      <a:r>
+                        <a:rPr lang="en-US" altLang="ko-KR" sz="1000" b="0" dirty="0" smtClean="0">
+                          <a:solidFill>
+                            <a:schemeClr val="tx1"/>
+                          </a:solidFill>
+                        </a:rPr>
+                        <a:t>+</a:t>
+                      </a:r>
+                      <a:r>
+                        <a:rPr lang="en-US" altLang="ko-KR" sz="1000" b="0" dirty="0" err="1" smtClean="0">
+                          <a:solidFill>
+                            <a:schemeClr val="tx1"/>
+                          </a:solidFill>
+                        </a:rPr>
+                        <a:t>configFile:string</a:t>
+                      </a:r>
+                      <a:endParaRPr lang="ko-KR" altLang="en-US" sz="1000" b="0" dirty="0">
+                        <a:solidFill>
+                          <a:schemeClr val="tx1"/>
+                        </a:solidFill>
+                      </a:endParaRPr>
+                    </a:p>
+                  </a:txBody>
+                  <a:tcPr anchor="ctr">
+                    <a:lnL w="12700" cap="flat" cmpd="sng" algn="ctr">
+                      <a:solidFill>
+                        <a:schemeClr val="tx1"/>
+                      </a:solidFill>
+                      <a:prstDash val="solid"/>
+                      <a:round/>
+                      <a:headEnd type="none" w="med" len="med"/>
+                      <a:tailEnd type="none" w="med" len="med"/>
+                    </a:lnL>
+                    <a:lnR w="12700" cap="flat" cmpd="sng" algn="ctr">
+                      <a:solidFill>
+                        <a:schemeClr val="tx1"/>
+                      </a:solidFill>
+                      <a:prstDash val="solid"/>
+                      <a:round/>
+                      <a:headEnd type="none" w="med" len="med"/>
+                      <a:tailEnd type="none" w="med" len="med"/>
+                    </a:lnR>
+                    <a:lnT w="12700" cap="flat" cmpd="sng" algn="ctr">
+                      <a:solidFill>
+                        <a:schemeClr val="tx1"/>
+                      </a:solidFill>
+                      <a:prstDash val="solid"/>
+                      <a:round/>
+                      <a:headEnd type="none" w="med" len="med"/>
+                      <a:tailEnd type="none" w="med" len="med"/>
+                    </a:lnT>
+                    <a:lnB w="12700" cap="flat" cmpd="sng" algn="ctr">
+                      <a:solidFill>
+                        <a:schemeClr val="tx1"/>
+                      </a:solidFill>
+                      <a:prstDash val="solid"/>
+                      <a:round/>
+                      <a:headEnd type="none" w="med" len="med"/>
+                      <a:tailEnd type="none" w="med" len="med"/>
+                    </a:lnB>
+                    <a:noFill/>
+                  </a:tcPr>
+                </a:tc>
+              </a:tr>
+              <a:tr h="370840">
+                <a:tc>
+                  <a:txBody>
+                    <a:bodyPr/>
+                    <a:lstStyle/>
+                    <a:p>
+                      <a:pPr latinLnBrk="1"/>
+                      <a:endParaRPr lang="ko-KR" altLang="en-US" sz="1000" b="0" dirty="0">
+                        <a:solidFill>
+                          <a:schemeClr val="tx1"/>
+                        </a:solidFill>
+                      </a:endParaRPr>
+                    </a:p>
+                  </a:txBody>
+                  <a:tcPr anchor="ctr">
+                    <a:lnL w="12700" cap="flat" cmpd="sng" algn="ctr">
+                      <a:solidFill>
+                        <a:schemeClr val="tx1"/>
+                      </a:solidFill>
+                      <a:prstDash val="solid"/>
+                      <a:round/>
+                      <a:headEnd type="none" w="med" len="med"/>
+                      <a:tailEnd type="none" w="med" len="med"/>
+                    </a:lnL>
+                    <a:lnR w="12700" cap="flat" cmpd="sng" algn="ctr">
+                      <a:solidFill>
+                        <a:schemeClr val="tx1"/>
+                      </a:solidFill>
+                      <a:prstDash val="solid"/>
+                      <a:round/>
+                      <a:headEnd type="none" w="med" len="med"/>
+                      <a:tailEnd type="none" w="med" len="med"/>
+                    </a:lnR>
+                    <a:lnT w="12700" cap="flat" cmpd="sng" algn="ctr">
+                      <a:solidFill>
+                        <a:schemeClr val="tx1"/>
+                      </a:solidFill>
+                      <a:prstDash val="solid"/>
+                      <a:round/>
+                      <a:headEnd type="none" w="med" len="med"/>
+                      <a:tailEnd type="none" w="med" len="med"/>
+                    </a:lnT>
+                    <a:lnB w="12700" cap="flat" cmpd="sng" algn="ctr">
+                      <a:solidFill>
+                        <a:schemeClr val="tx1"/>
+                      </a:solidFill>
+                      <a:prstDash val="solid"/>
+                      <a:round/>
+                      <a:headEnd type="none" w="med" len="med"/>
+                      <a:tailEnd type="none" w="med" len="med"/>
+                    </a:lnB>
+                    <a:noFill/>
+                  </a:tcPr>
+                </a:tc>
+              </a:tr>
+            </a:tbl>
+          </a:graphicData>
+        </a:graphic>
+      </p:graphicFrame>
+      <p:graphicFrame>
+        <p:nvGraphicFramePr>
+          <p:cNvPr id="6" name="표 5"/>
+          <p:cNvGraphicFramePr>
+            <a:graphicFrameLocks noGrp="1"/>
+          </p:cNvGraphicFramePr>
+          <p:nvPr/>
+        </p:nvGraphicFramePr>
+        <p:xfrm>
+          <a:off x="1907704" y="476672"/>
+          <a:ext cx="3168352" cy="1290320"/>
+        </p:xfrm>
+        <a:graphic>
+          <a:graphicData uri="http://schemas.openxmlformats.org/drawingml/2006/table">
+            <a:tbl>
+              <a:tblPr firstRow="1" bandRow="1">
+                <a:tableStyleId>{5C22544A-7EE6-4342-B048-85BDC9FD1C3A}</a:tableStyleId>
+              </a:tblPr>
+              <a:tblGrid>
+                <a:gridCol w="3168352"/>
+              </a:tblGrid>
+              <a:tr h="370840">
+                <a:tc>
+                  <a:txBody>
+                    <a:bodyPr/>
+                    <a:lstStyle/>
+                    <a:p>
+                      <a:pPr algn="ctr" latinLnBrk="1"/>
+                      <a:r>
+                        <a:rPr lang="en-US" altLang="ko-KR" sz="1000" b="1" dirty="0" smtClean="0">
+                          <a:solidFill>
+                            <a:schemeClr val="tx1"/>
+                          </a:solidFill>
+                        </a:rPr>
+                        <a:t>Logic</a:t>
+                      </a:r>
+                      <a:endParaRPr lang="ko-KR" altLang="en-US" sz="1000" b="1" dirty="0">
+                        <a:solidFill>
+                          <a:schemeClr val="tx1"/>
+                        </a:solidFill>
+                      </a:endParaRPr>
+                    </a:p>
+                  </a:txBody>
+                  <a:tcPr anchor="ctr">
+                    <a:lnL w="12700" cap="flat" cmpd="sng" algn="ctr">
+                      <a:solidFill>
+                        <a:schemeClr val="tx1"/>
+                      </a:solidFill>
+                      <a:prstDash val="solid"/>
+                      <a:round/>
+                      <a:headEnd type="none" w="med" len="med"/>
+                      <a:tailEnd type="none" w="med" len="med"/>
+                    </a:lnL>
+                    <a:lnR w="12700" cap="flat" cmpd="sng" algn="ctr">
+                      <a:solidFill>
+                        <a:schemeClr val="tx1"/>
+                      </a:solidFill>
+                      <a:prstDash val="solid"/>
+                      <a:round/>
+                      <a:headEnd type="none" w="med" len="med"/>
+                      <a:tailEnd type="none" w="med" len="med"/>
+                    </a:lnR>
+                    <a:lnT w="12700" cap="flat" cmpd="sng" algn="ctr">
+                      <a:solidFill>
+                        <a:schemeClr val="tx1"/>
+                      </a:solidFill>
+                      <a:prstDash val="solid"/>
+                      <a:round/>
+                      <a:headEnd type="none" w="med" len="med"/>
+                      <a:tailEnd type="none" w="med" len="med"/>
+                    </a:lnT>
+                    <a:lnB w="12700" cap="flat" cmpd="sng" algn="ctr">
+                      <a:solidFill>
+                        <a:schemeClr val="tx1"/>
+                      </a:solidFill>
+                      <a:prstDash val="solid"/>
+                      <a:round/>
+                      <a:headEnd type="none" w="med" len="med"/>
+                      <a:tailEnd type="none" w="med" len="med"/>
+                    </a:lnB>
+                    <a:noFill/>
+                  </a:tcPr>
+                </a:tc>
+              </a:tr>
+              <a:tr h="370840">
+                <a:tc>
+                  <a:txBody>
+                    <a:bodyPr/>
+                    <a:lstStyle/>
+                    <a:p>
+                      <a:pPr latinLnBrk="1"/>
+                      <a:endParaRPr lang="ko-KR" altLang="en-US" sz="1000" b="0" dirty="0">
+                        <a:solidFill>
+                          <a:schemeClr val="tx1"/>
+                        </a:solidFill>
+                      </a:endParaRPr>
+                    </a:p>
+                  </a:txBody>
+                  <a:tcPr anchor="ctr">
+                    <a:lnL w="12700" cap="flat" cmpd="sng" algn="ctr">
+                      <a:solidFill>
+                        <a:schemeClr val="tx1"/>
+                      </a:solidFill>
+                      <a:prstDash val="solid"/>
+                      <a:round/>
+                      <a:headEnd type="none" w="med" len="med"/>
+                      <a:tailEnd type="none" w="med" len="med"/>
+                    </a:lnL>
+                    <a:lnR w="12700" cap="flat" cmpd="sng" algn="ctr">
+                      <a:solidFill>
+                        <a:schemeClr val="tx1"/>
+                      </a:solidFill>
+                      <a:prstDash val="solid"/>
+                      <a:round/>
+                      <a:headEnd type="none" w="med" len="med"/>
+                      <a:tailEnd type="none" w="med" len="med"/>
+                    </a:lnR>
+                    <a:lnT w="12700" cap="flat" cmpd="sng" algn="ctr">
+                      <a:solidFill>
+                        <a:schemeClr val="tx1"/>
+                      </a:solidFill>
+                      <a:prstDash val="solid"/>
+                      <a:round/>
+                      <a:headEnd type="none" w="med" len="med"/>
+                      <a:tailEnd type="none" w="med" len="med"/>
+                    </a:lnT>
+                    <a:lnB w="12700" cap="flat" cmpd="sng" algn="ctr">
+                      <a:solidFill>
+                        <a:schemeClr val="tx1"/>
+                      </a:solidFill>
+                      <a:prstDash val="solid"/>
+                      <a:round/>
+                      <a:headEnd type="none" w="med" len="med"/>
+                      <a:tailEnd type="none" w="med" len="med"/>
+                    </a:lnB>
+                    <a:noFill/>
+                  </a:tcPr>
+                </a:tc>
+              </a:tr>
+              <a:tr h="370840">
+                <a:tc>
+                  <a:txBody>
+                    <a:bodyPr/>
+                    <a:lstStyle/>
+                    <a:p>
+                      <a:pPr marL="0" marR="0" indent="0" algn="l" defTabSz="914400" rtl="0" eaLnBrk="1" fontAlgn="auto" latinLnBrk="1" hangingPunct="1">
+                        <a:lnSpc>
+                          <a:spcPct val="100000"/>
+                        </a:lnSpc>
+                        <a:spcBef>
+                          <a:spcPts val="0"/>
+                        </a:spcBef>
+                        <a:spcAft>
+                          <a:spcPts val="0"/>
+                        </a:spcAft>
+                        <a:buClrTx/>
+                        <a:buSzTx/>
+                        <a:buFontTx/>
+                        <a:buNone/>
+                        <a:tabLst/>
+                        <a:defRPr/>
+                      </a:pPr>
+                      <a:r>
+                        <a:rPr lang="en-US" altLang="ko-KR" sz="1000" b="0" dirty="0" smtClean="0">
+                          <a:solidFill>
+                            <a:schemeClr val="tx1"/>
+                          </a:solidFill>
+                        </a:rPr>
+                        <a:t>#</a:t>
+                      </a:r>
+                      <a:r>
+                        <a:rPr lang="en-US" altLang="ko-KR" sz="1000" b="0" dirty="0" err="1" smtClean="0">
+                          <a:solidFill>
+                            <a:schemeClr val="tx1"/>
+                          </a:solidFill>
+                        </a:rPr>
+                        <a:t>getFileInfo</a:t>
+                      </a:r>
+                      <a:r>
+                        <a:rPr lang="en-US" altLang="ko-KR" sz="1000" b="0" dirty="0" smtClean="0">
+                          <a:solidFill>
+                            <a:schemeClr val="tx1"/>
+                          </a:solidFill>
+                        </a:rPr>
+                        <a:t>(</a:t>
+                      </a:r>
+                      <a:r>
+                        <a:rPr lang="en-US" altLang="ko-KR" sz="1000" b="0" dirty="0" err="1" smtClean="0">
+                          <a:solidFill>
+                            <a:schemeClr val="tx1"/>
+                          </a:solidFill>
+                        </a:rPr>
+                        <a:t>fname:</a:t>
+                      </a:r>
+                      <a:r>
+                        <a:rPr lang="en-US" altLang="ko-KR" sz="1000" b="0" dirty="0" err="1" smtClean="0">
+                          <a:solidFill>
+                            <a:schemeClr val="tx1"/>
+                          </a:solidFill>
+                        </a:rPr>
+                        <a:t>string</a:t>
+                      </a:r>
+                      <a:r>
+                        <a:rPr lang="en-US" altLang="ko-KR" sz="1000" b="0" dirty="0" smtClean="0">
+                          <a:solidFill>
+                            <a:schemeClr val="tx1"/>
+                          </a:solidFill>
+                        </a:rPr>
+                        <a:t>):</a:t>
+                      </a:r>
+                      <a:r>
+                        <a:rPr lang="en-US" altLang="ko-KR" sz="1000" b="0" dirty="0" err="1" smtClean="0">
+                          <a:solidFill>
+                            <a:schemeClr val="tx1"/>
+                          </a:solidFill>
+                        </a:rPr>
+                        <a:t>FileInfo</a:t>
+                      </a:r>
+                      <a:endParaRPr lang="en-US" altLang="ko-KR" sz="1000" b="0" dirty="0" smtClean="0">
+                        <a:solidFill>
+                          <a:schemeClr val="tx1"/>
+                        </a:solidFill>
+                      </a:endParaRPr>
+                    </a:p>
+                    <a:p>
+                      <a:pPr marL="0" marR="0" indent="0" algn="l" defTabSz="914400" rtl="0" eaLnBrk="1" fontAlgn="auto" latinLnBrk="1" hangingPunct="1">
+                        <a:lnSpc>
+                          <a:spcPct val="100000"/>
+                        </a:lnSpc>
+                        <a:spcBef>
+                          <a:spcPts val="0"/>
+                        </a:spcBef>
+                        <a:spcAft>
+                          <a:spcPts val="0"/>
+                        </a:spcAft>
+                        <a:buClrTx/>
+                        <a:buSzTx/>
+                        <a:buFontTx/>
+                        <a:buNone/>
+                        <a:tabLst/>
+                        <a:defRPr/>
+                      </a:pPr>
+                      <a:r>
+                        <a:rPr lang="en-US" altLang="ko-KR" sz="1000" b="0" dirty="0" smtClean="0">
+                          <a:solidFill>
+                            <a:schemeClr val="tx1"/>
+                          </a:solidFill>
+                        </a:rPr>
+                        <a:t>#</a:t>
+                      </a:r>
+                      <a:r>
+                        <a:rPr lang="en-US" altLang="ko-KR" sz="1000" b="0" dirty="0" err="1" smtClean="0">
+                          <a:solidFill>
+                            <a:schemeClr val="tx1"/>
+                          </a:solidFill>
+                        </a:rPr>
+                        <a:t>WriteResultAppend</a:t>
+                      </a:r>
+                      <a:r>
+                        <a:rPr lang="en-US" altLang="ko-KR" sz="1000" b="0" dirty="0" smtClean="0">
+                          <a:solidFill>
+                            <a:schemeClr val="tx1"/>
+                          </a:solidFill>
+                        </a:rPr>
+                        <a:t>(</a:t>
+                      </a:r>
+                      <a:r>
+                        <a:rPr lang="en-US" altLang="ko-KR" sz="1000" b="0" dirty="0" err="1" smtClean="0">
+                          <a:solidFill>
+                            <a:schemeClr val="tx1"/>
+                          </a:solidFill>
+                        </a:rPr>
+                        <a:t>path:string</a:t>
+                      </a:r>
+                      <a:r>
+                        <a:rPr lang="en-US" altLang="ko-KR" sz="1000" b="0" dirty="0" smtClean="0">
+                          <a:solidFill>
+                            <a:schemeClr val="tx1"/>
+                          </a:solidFill>
+                        </a:rPr>
+                        <a:t>, </a:t>
+                      </a:r>
+                      <a:r>
+                        <a:rPr lang="en-US" altLang="ko-KR" sz="1000" b="0" dirty="0" err="1" smtClean="0">
+                          <a:solidFill>
+                            <a:schemeClr val="tx1"/>
+                          </a:solidFill>
+                        </a:rPr>
+                        <a:t>line:string</a:t>
+                      </a:r>
+                      <a:r>
+                        <a:rPr lang="en-US" altLang="ko-KR" sz="1000" b="0" dirty="0" smtClean="0">
+                          <a:solidFill>
+                            <a:schemeClr val="tx1"/>
+                          </a:solidFill>
+                        </a:rPr>
+                        <a:t>):void</a:t>
+                      </a:r>
+                    </a:p>
+                    <a:p>
+                      <a:pPr marL="0" marR="0" indent="0" algn="l" defTabSz="914400" rtl="0" eaLnBrk="1" fontAlgn="auto" latinLnBrk="1" hangingPunct="1">
+                        <a:lnSpc>
+                          <a:spcPct val="100000"/>
+                        </a:lnSpc>
+                        <a:spcBef>
+                          <a:spcPts val="0"/>
+                        </a:spcBef>
+                        <a:spcAft>
+                          <a:spcPts val="0"/>
+                        </a:spcAft>
+                        <a:buClrTx/>
+                        <a:buSzTx/>
+                        <a:buFontTx/>
+                        <a:buNone/>
+                        <a:tabLst/>
+                        <a:defRPr/>
+                      </a:pPr>
+                      <a:r>
+                        <a:rPr lang="en-US" altLang="ko-KR" sz="1000" b="0" dirty="0" smtClean="0">
+                          <a:solidFill>
+                            <a:schemeClr val="tx1"/>
+                          </a:solidFill>
+                        </a:rPr>
+                        <a:t>#</a:t>
+                      </a:r>
+                      <a:r>
+                        <a:rPr lang="en-US" altLang="ko-KR" sz="1000" b="0" dirty="0" err="1" smtClean="0">
+                          <a:solidFill>
+                            <a:schemeClr val="tx1"/>
+                          </a:solidFill>
+                        </a:rPr>
+                        <a:t>getTaskList</a:t>
+                      </a:r>
+                      <a:r>
+                        <a:rPr lang="en-US" altLang="ko-KR" sz="1000" b="0" dirty="0" smtClean="0">
+                          <a:solidFill>
+                            <a:schemeClr val="tx1"/>
+                          </a:solidFill>
+                        </a:rPr>
+                        <a:t>():List&lt;</a:t>
+                      </a:r>
+                      <a:r>
+                        <a:rPr lang="en-US" altLang="ko-KR" sz="1000" b="0" dirty="0" err="1" smtClean="0">
+                          <a:solidFill>
+                            <a:schemeClr val="tx1"/>
+                          </a:solidFill>
+                        </a:rPr>
+                        <a:t>Tuple</a:t>
+                      </a:r>
+                      <a:r>
+                        <a:rPr lang="en-US" altLang="ko-KR" sz="1000" b="0" dirty="0" smtClean="0">
+                          <a:solidFill>
+                            <a:schemeClr val="tx1"/>
+                          </a:solidFill>
+                        </a:rPr>
+                        <a:t>&lt;string, </a:t>
+                      </a:r>
+                      <a:r>
+                        <a:rPr lang="en-US" altLang="ko-KR" sz="1000" b="0" dirty="0" err="1" smtClean="0">
+                          <a:solidFill>
+                            <a:schemeClr val="tx1"/>
+                          </a:solidFill>
+                        </a:rPr>
+                        <a:t>int</a:t>
+                      </a:r>
+                      <a:r>
+                        <a:rPr lang="en-US" altLang="ko-KR" sz="1000" b="0" dirty="0" smtClean="0">
+                          <a:solidFill>
+                            <a:schemeClr val="tx1"/>
+                          </a:solidFill>
+                        </a:rPr>
+                        <a:t>&gt;&gt;</a:t>
+                      </a:r>
+                      <a:endParaRPr lang="ko-KR" altLang="en-US" sz="1000" b="0" dirty="0">
+                        <a:solidFill>
+                          <a:schemeClr val="tx1"/>
+                        </a:solidFill>
+                      </a:endParaRPr>
+                    </a:p>
+                  </a:txBody>
+                  <a:tcPr anchor="ctr">
+                    <a:lnL w="12700" cap="flat" cmpd="sng" algn="ctr">
+                      <a:solidFill>
+                        <a:schemeClr val="tx1"/>
+                      </a:solidFill>
+                      <a:prstDash val="solid"/>
+                      <a:round/>
+                      <a:headEnd type="none" w="med" len="med"/>
+                      <a:tailEnd type="none" w="med" len="med"/>
+                    </a:lnL>
+                    <a:lnR w="12700" cap="flat" cmpd="sng" algn="ctr">
+                      <a:solidFill>
+                        <a:schemeClr val="tx1"/>
+                      </a:solidFill>
+                      <a:prstDash val="solid"/>
+                      <a:round/>
+                      <a:headEnd type="none" w="med" len="med"/>
+                      <a:tailEnd type="none" w="med" len="med"/>
+                    </a:lnR>
+                    <a:lnT w="12700" cap="flat" cmpd="sng" algn="ctr">
+                      <a:solidFill>
+                        <a:schemeClr val="tx1"/>
+                      </a:solidFill>
+                      <a:prstDash val="solid"/>
+                      <a:round/>
+                      <a:headEnd type="none" w="med" len="med"/>
+                      <a:tailEnd type="none" w="med" len="med"/>
+                    </a:lnT>
+                    <a:lnB w="12700" cap="flat" cmpd="sng" algn="ctr">
+                      <a:solidFill>
+                        <a:schemeClr val="tx1"/>
+                      </a:solidFill>
+                      <a:prstDash val="solid"/>
+                      <a:round/>
+                      <a:headEnd type="none" w="med" len="med"/>
+                      <a:tailEnd type="none" w="med" len="med"/>
+                    </a:lnB>
+                    <a:noFill/>
+                  </a:tcPr>
+                </a:tc>
+              </a:tr>
+            </a:tbl>
+          </a:graphicData>
+        </a:graphic>
+      </p:graphicFrame>
+      <p:graphicFrame>
+        <p:nvGraphicFramePr>
+          <p:cNvPr id="7" name="표 6"/>
+          <p:cNvGraphicFramePr>
+            <a:graphicFrameLocks noGrp="1"/>
+          </p:cNvGraphicFramePr>
+          <p:nvPr/>
+        </p:nvGraphicFramePr>
+        <p:xfrm>
+          <a:off x="3770859" y="2507104"/>
+          <a:ext cx="2376264" cy="1137920"/>
+        </p:xfrm>
+        <a:graphic>
+          <a:graphicData uri="http://schemas.openxmlformats.org/drawingml/2006/table">
+            <a:tbl>
+              <a:tblPr firstRow="1" bandRow="1">
+                <a:tableStyleId>{5C22544A-7EE6-4342-B048-85BDC9FD1C3A}</a:tableStyleId>
+              </a:tblPr>
+              <a:tblGrid>
+                <a:gridCol w="2376264"/>
+              </a:tblGrid>
+              <a:tr h="370840">
+                <a:tc>
+                  <a:txBody>
+                    <a:bodyPr/>
+                    <a:lstStyle/>
+                    <a:p>
+                      <a:pPr algn="ctr" latinLnBrk="1"/>
+                      <a:r>
+                        <a:rPr lang="en-US" altLang="ko-KR" sz="1000" b="1" dirty="0" err="1" smtClean="0">
+                          <a:solidFill>
+                            <a:schemeClr val="tx1"/>
+                          </a:solidFill>
+                        </a:rPr>
+                        <a:t>ThreadLogic</a:t>
+                      </a:r>
+                      <a:endParaRPr lang="ko-KR" altLang="en-US" sz="1000" b="1" dirty="0">
+                        <a:solidFill>
+                          <a:schemeClr val="tx1"/>
+                        </a:solidFill>
+                      </a:endParaRPr>
+                    </a:p>
+                  </a:txBody>
+                  <a:tcPr anchor="ctr">
+                    <a:lnL w="12700" cap="flat" cmpd="sng" algn="ctr">
+                      <a:solidFill>
+                        <a:schemeClr val="tx1"/>
+                      </a:solidFill>
+                      <a:prstDash val="solid"/>
+                      <a:round/>
+                      <a:headEnd type="none" w="med" len="med"/>
+                      <a:tailEnd type="none" w="med" len="med"/>
+                    </a:lnL>
+                    <a:lnR w="12700" cap="flat" cmpd="sng" algn="ctr">
+                      <a:solidFill>
+                        <a:schemeClr val="tx1"/>
+                      </a:solidFill>
+                      <a:prstDash val="solid"/>
+                      <a:round/>
+                      <a:headEnd type="none" w="med" len="med"/>
+                      <a:tailEnd type="none" w="med" len="med"/>
+                    </a:lnR>
+                    <a:lnT w="12700" cap="flat" cmpd="sng" algn="ctr">
+                      <a:solidFill>
+                        <a:schemeClr val="tx1"/>
+                      </a:solidFill>
+                      <a:prstDash val="solid"/>
+                      <a:round/>
+                      <a:headEnd type="none" w="med" len="med"/>
+                      <a:tailEnd type="none" w="med" len="med"/>
+                    </a:lnT>
+                    <a:lnB w="12700" cap="flat" cmpd="sng" algn="ctr">
+                      <a:solidFill>
+                        <a:schemeClr val="tx1"/>
+                      </a:solidFill>
+                      <a:prstDash val="solid"/>
+                      <a:round/>
+                      <a:headEnd type="none" w="med" len="med"/>
+                      <a:tailEnd type="none" w="med" len="med"/>
+                    </a:lnB>
+                    <a:noFill/>
+                  </a:tcPr>
+                </a:tc>
+              </a:tr>
+              <a:tr h="370840">
+                <a:tc>
+                  <a:txBody>
+                    <a:bodyPr/>
+                    <a:lstStyle/>
+                    <a:p>
+                      <a:pPr marL="0" marR="0" indent="0" algn="l" defTabSz="914400" rtl="0" eaLnBrk="1" fontAlgn="auto" latinLnBrk="1" hangingPunct="1">
+                        <a:lnSpc>
+                          <a:spcPct val="100000"/>
+                        </a:lnSpc>
+                        <a:spcBef>
+                          <a:spcPts val="0"/>
+                        </a:spcBef>
+                        <a:spcAft>
+                          <a:spcPts val="0"/>
+                        </a:spcAft>
+                        <a:buClrTx/>
+                        <a:buSzTx/>
+                        <a:buFontTx/>
+                        <a:buNone/>
+                        <a:tabLst/>
+                        <a:defRPr/>
+                      </a:pPr>
+                      <a:r>
+                        <a:rPr lang="en-US" altLang="ko-KR" sz="1000" b="0" dirty="0" smtClean="0">
+                          <a:solidFill>
+                            <a:schemeClr val="tx1"/>
+                          </a:solidFill>
+                        </a:rPr>
+                        <a:t>+</a:t>
+                      </a:r>
+                      <a:r>
+                        <a:rPr lang="en-US" altLang="ko-KR" sz="1000" b="0" dirty="0" err="1" smtClean="0">
+                          <a:solidFill>
+                            <a:schemeClr val="tx1"/>
+                          </a:solidFill>
+                        </a:rPr>
+                        <a:t>monitorList:</a:t>
+                      </a:r>
+                      <a:r>
+                        <a:rPr lang="en-US" altLang="ko-KR" sz="1000" b="0" dirty="0" err="1" smtClean="0">
+                          <a:solidFill>
+                            <a:schemeClr val="tx1"/>
+                          </a:solidFill>
+                        </a:rPr>
+                        <a:t>List</a:t>
+                      </a:r>
+                      <a:r>
+                        <a:rPr lang="en-US" altLang="ko-KR" sz="1000" b="0" dirty="0" smtClean="0">
+                          <a:solidFill>
+                            <a:schemeClr val="tx1"/>
+                          </a:solidFill>
+                        </a:rPr>
+                        <a:t>&lt;</a:t>
+                      </a:r>
+                      <a:r>
+                        <a:rPr lang="en-US" altLang="ko-KR" sz="1000" b="0" dirty="0" err="1" smtClean="0">
+                          <a:solidFill>
+                            <a:schemeClr val="tx1"/>
+                          </a:solidFill>
+                        </a:rPr>
+                        <a:t>ConfigInfo</a:t>
+                      </a:r>
+                      <a:r>
+                        <a:rPr lang="en-US" altLang="ko-KR" sz="1000" b="0" dirty="0" smtClean="0">
+                          <a:solidFill>
+                            <a:schemeClr val="tx1"/>
+                          </a:solidFill>
+                        </a:rPr>
+                        <a:t>&gt;</a:t>
+                      </a:r>
+                    </a:p>
+                  </a:txBody>
+                  <a:tcPr anchor="ctr">
+                    <a:lnL w="12700" cap="flat" cmpd="sng" algn="ctr">
+                      <a:solidFill>
+                        <a:schemeClr val="tx1"/>
+                      </a:solidFill>
+                      <a:prstDash val="solid"/>
+                      <a:round/>
+                      <a:headEnd type="none" w="med" len="med"/>
+                      <a:tailEnd type="none" w="med" len="med"/>
+                    </a:lnL>
+                    <a:lnR w="12700" cap="flat" cmpd="sng" algn="ctr">
+                      <a:solidFill>
+                        <a:schemeClr val="tx1"/>
+                      </a:solidFill>
+                      <a:prstDash val="solid"/>
+                      <a:round/>
+                      <a:headEnd type="none" w="med" len="med"/>
+                      <a:tailEnd type="none" w="med" len="med"/>
+                    </a:lnR>
+                    <a:lnT w="12700" cap="flat" cmpd="sng" algn="ctr">
+                      <a:solidFill>
+                        <a:schemeClr val="tx1"/>
+                      </a:solidFill>
+                      <a:prstDash val="solid"/>
+                      <a:round/>
+                      <a:headEnd type="none" w="med" len="med"/>
+                      <a:tailEnd type="none" w="med" len="med"/>
+                    </a:lnT>
+                    <a:lnB w="12700" cap="flat" cmpd="sng" algn="ctr">
+                      <a:solidFill>
+                        <a:schemeClr val="tx1"/>
+                      </a:solidFill>
+                      <a:prstDash val="solid"/>
+                      <a:round/>
+                      <a:headEnd type="none" w="med" len="med"/>
+                      <a:tailEnd type="none" w="med" len="med"/>
+                    </a:lnB>
+                    <a:noFill/>
+                  </a:tcPr>
+                </a:tc>
+              </a:tr>
+              <a:tr h="370840">
+                <a:tc>
+                  <a:txBody>
+                    <a:bodyPr/>
+                    <a:lstStyle/>
+                    <a:p>
+                      <a:pPr marL="0" marR="0" indent="0" algn="l" defTabSz="914400" rtl="0" eaLnBrk="1" fontAlgn="auto" latinLnBrk="1" hangingPunct="1">
+                        <a:lnSpc>
+                          <a:spcPct val="100000"/>
+                        </a:lnSpc>
+                        <a:spcBef>
+                          <a:spcPts val="0"/>
+                        </a:spcBef>
+                        <a:spcAft>
+                          <a:spcPts val="0"/>
+                        </a:spcAft>
+                        <a:buClrTx/>
+                        <a:buSzTx/>
+                        <a:buFontTx/>
+                        <a:buNone/>
+                        <a:tabLst/>
+                        <a:defRPr/>
+                      </a:pPr>
+                      <a:r>
+                        <a:rPr lang="en-US" altLang="ko-KR" sz="1000" b="0" dirty="0" smtClean="0">
+                          <a:solidFill>
+                            <a:schemeClr val="tx1"/>
+                          </a:solidFill>
+                        </a:rPr>
+                        <a:t>-</a:t>
+                      </a:r>
+                      <a:r>
+                        <a:rPr lang="en-US" altLang="ko-KR" sz="1000" b="0" dirty="0" err="1" smtClean="0">
+                          <a:solidFill>
+                            <a:schemeClr val="tx1"/>
+                          </a:solidFill>
+                        </a:rPr>
+                        <a:t>loadConfig</a:t>
+                      </a:r>
+                      <a:r>
+                        <a:rPr lang="en-US" altLang="ko-KR" sz="1000" b="0" dirty="0" smtClean="0">
+                          <a:solidFill>
+                            <a:schemeClr val="tx1"/>
+                          </a:solidFill>
+                        </a:rPr>
+                        <a:t>():List&lt;</a:t>
+                      </a:r>
+                      <a:r>
+                        <a:rPr lang="en-US" altLang="ko-KR" sz="1000" b="0" dirty="0" err="1" smtClean="0">
+                          <a:solidFill>
+                            <a:schemeClr val="tx1"/>
+                          </a:solidFill>
+                        </a:rPr>
+                        <a:t>ConfigInfo</a:t>
+                      </a:r>
+                      <a:r>
+                        <a:rPr lang="en-US" altLang="ko-KR" sz="1000" b="0" dirty="0" smtClean="0">
+                          <a:solidFill>
+                            <a:schemeClr val="tx1"/>
+                          </a:solidFill>
+                        </a:rPr>
+                        <a:t>&gt;</a:t>
+                      </a:r>
+                      <a:endParaRPr lang="ko-KR" altLang="en-US" sz="1000" b="0" dirty="0" smtClean="0">
+                        <a:solidFill>
+                          <a:schemeClr val="tx1"/>
+                        </a:solidFill>
+                      </a:endParaRPr>
+                    </a:p>
+                    <a:p>
+                      <a:pPr marL="0" marR="0" indent="0" algn="l" defTabSz="914400" rtl="0" eaLnBrk="1" fontAlgn="auto" latinLnBrk="1" hangingPunct="1">
+                        <a:lnSpc>
+                          <a:spcPct val="100000"/>
+                        </a:lnSpc>
+                        <a:spcBef>
+                          <a:spcPts val="0"/>
+                        </a:spcBef>
+                        <a:spcAft>
+                          <a:spcPts val="0"/>
+                        </a:spcAft>
+                        <a:buClrTx/>
+                        <a:buSzTx/>
+                        <a:buFontTx/>
+                        <a:buNone/>
+                        <a:tabLst/>
+                        <a:defRPr/>
+                      </a:pPr>
+                      <a:r>
+                        <a:rPr lang="en-US" altLang="ko-KR" sz="1000" b="0" dirty="0" smtClean="0">
+                          <a:solidFill>
+                            <a:schemeClr val="tx1"/>
+                          </a:solidFill>
+                        </a:rPr>
+                        <a:t>+</a:t>
+                      </a:r>
+                      <a:r>
+                        <a:rPr lang="en-US" altLang="ko-KR" sz="1000" b="0" dirty="0" err="1" smtClean="0">
+                          <a:solidFill>
+                            <a:schemeClr val="tx1"/>
+                          </a:solidFill>
+                        </a:rPr>
+                        <a:t>DoMonitoring</a:t>
+                      </a:r>
+                      <a:r>
+                        <a:rPr lang="en-US" altLang="ko-KR" sz="1000" b="0" dirty="0" smtClean="0">
+                          <a:solidFill>
+                            <a:schemeClr val="tx1"/>
+                          </a:solidFill>
+                        </a:rPr>
+                        <a:t>():void</a:t>
+                      </a:r>
+                      <a:endParaRPr lang="ko-KR" altLang="en-US" sz="1000" b="0" dirty="0">
+                        <a:solidFill>
+                          <a:schemeClr val="tx1"/>
+                        </a:solidFill>
+                      </a:endParaRPr>
+                    </a:p>
+                  </a:txBody>
+                  <a:tcPr anchor="ctr">
+                    <a:lnL w="12700" cap="flat" cmpd="sng" algn="ctr">
+                      <a:solidFill>
+                        <a:schemeClr val="tx1"/>
+                      </a:solidFill>
+                      <a:prstDash val="solid"/>
+                      <a:round/>
+                      <a:headEnd type="none" w="med" len="med"/>
+                      <a:tailEnd type="none" w="med" len="med"/>
+                    </a:lnL>
+                    <a:lnR w="12700" cap="flat" cmpd="sng" algn="ctr">
+                      <a:solidFill>
+                        <a:schemeClr val="tx1"/>
+                      </a:solidFill>
+                      <a:prstDash val="solid"/>
+                      <a:round/>
+                      <a:headEnd type="none" w="med" len="med"/>
+                      <a:tailEnd type="none" w="med" len="med"/>
+                    </a:lnR>
+                    <a:lnT w="12700" cap="flat" cmpd="sng" algn="ctr">
+                      <a:solidFill>
+                        <a:schemeClr val="tx1"/>
+                      </a:solidFill>
+                      <a:prstDash val="solid"/>
+                      <a:round/>
+                      <a:headEnd type="none" w="med" len="med"/>
+                      <a:tailEnd type="none" w="med" len="med"/>
+                    </a:lnT>
+                    <a:lnB w="12700" cap="flat" cmpd="sng" algn="ctr">
+                      <a:solidFill>
+                        <a:schemeClr val="tx1"/>
+                      </a:solidFill>
+                      <a:prstDash val="solid"/>
+                      <a:round/>
+                      <a:headEnd type="none" w="med" len="med"/>
+                      <a:tailEnd type="none" w="med" len="med"/>
+                    </a:lnB>
+                    <a:noFill/>
+                  </a:tcPr>
+                </a:tc>
+              </a:tr>
+            </a:tbl>
+          </a:graphicData>
+        </a:graphic>
+      </p:graphicFrame>
+      <p:graphicFrame>
+        <p:nvGraphicFramePr>
+          <p:cNvPr id="8" name="표 7"/>
+          <p:cNvGraphicFramePr>
+            <a:graphicFrameLocks noGrp="1"/>
+          </p:cNvGraphicFramePr>
+          <p:nvPr/>
+        </p:nvGraphicFramePr>
+        <p:xfrm>
+          <a:off x="1106563" y="2507104"/>
+          <a:ext cx="2520280" cy="1112520"/>
+        </p:xfrm>
+        <a:graphic>
+          <a:graphicData uri="http://schemas.openxmlformats.org/drawingml/2006/table">
+            <a:tbl>
+              <a:tblPr firstRow="1" bandRow="1">
+                <a:tableStyleId>{5C22544A-7EE6-4342-B048-85BDC9FD1C3A}</a:tableStyleId>
+              </a:tblPr>
+              <a:tblGrid>
+                <a:gridCol w="2520280"/>
+              </a:tblGrid>
+              <a:tr h="370840">
+                <a:tc>
+                  <a:txBody>
+                    <a:bodyPr/>
+                    <a:lstStyle/>
+                    <a:p>
+                      <a:pPr algn="ctr" latinLnBrk="1"/>
+                      <a:r>
+                        <a:rPr lang="en-US" altLang="ko-KR" sz="1000" b="1" dirty="0" err="1" smtClean="0">
+                          <a:solidFill>
+                            <a:schemeClr val="tx1"/>
+                          </a:solidFill>
+                        </a:rPr>
+                        <a:t>MainLogic</a:t>
+                      </a:r>
+                      <a:endParaRPr lang="ko-KR" altLang="en-US" sz="1000" b="1" dirty="0">
+                        <a:solidFill>
+                          <a:schemeClr val="tx1"/>
+                        </a:solidFill>
+                      </a:endParaRPr>
+                    </a:p>
+                  </a:txBody>
+                  <a:tcPr anchor="ctr">
+                    <a:lnL w="12700" cap="flat" cmpd="sng" algn="ctr">
+                      <a:solidFill>
+                        <a:schemeClr val="tx1"/>
+                      </a:solidFill>
+                      <a:prstDash val="solid"/>
+                      <a:round/>
+                      <a:headEnd type="none" w="med" len="med"/>
+                      <a:tailEnd type="none" w="med" len="med"/>
+                    </a:lnL>
+                    <a:lnR w="12700" cap="flat" cmpd="sng" algn="ctr">
+                      <a:solidFill>
+                        <a:schemeClr val="tx1"/>
+                      </a:solidFill>
+                      <a:prstDash val="solid"/>
+                      <a:round/>
+                      <a:headEnd type="none" w="med" len="med"/>
+                      <a:tailEnd type="none" w="med" len="med"/>
+                    </a:lnR>
+                    <a:lnT w="12700" cap="flat" cmpd="sng" algn="ctr">
+                      <a:solidFill>
+                        <a:schemeClr val="tx1"/>
+                      </a:solidFill>
+                      <a:prstDash val="solid"/>
+                      <a:round/>
+                      <a:headEnd type="none" w="med" len="med"/>
+                      <a:tailEnd type="none" w="med" len="med"/>
+                    </a:lnT>
+                    <a:lnB w="12700" cap="flat" cmpd="sng" algn="ctr">
+                      <a:solidFill>
+                        <a:schemeClr val="tx1"/>
+                      </a:solidFill>
+                      <a:prstDash val="solid"/>
+                      <a:round/>
+                      <a:headEnd type="none" w="med" len="med"/>
+                      <a:tailEnd type="none" w="med" len="med"/>
+                    </a:lnB>
+                    <a:noFill/>
+                  </a:tcPr>
+                </a:tc>
+              </a:tr>
+              <a:tr h="370840">
+                <a:tc>
+                  <a:txBody>
+                    <a:bodyPr/>
+                    <a:lstStyle/>
+                    <a:p>
+                      <a:pPr latinLnBrk="1"/>
+                      <a:endParaRPr lang="ko-KR" altLang="en-US" sz="1000" b="0" dirty="0">
+                        <a:solidFill>
+                          <a:schemeClr val="tx1"/>
+                        </a:solidFill>
+                      </a:endParaRPr>
+                    </a:p>
+                  </a:txBody>
+                  <a:tcPr anchor="ctr">
+                    <a:lnL w="12700" cap="flat" cmpd="sng" algn="ctr">
+                      <a:solidFill>
+                        <a:schemeClr val="tx1"/>
+                      </a:solidFill>
+                      <a:prstDash val="solid"/>
+                      <a:round/>
+                      <a:headEnd type="none" w="med" len="med"/>
+                      <a:tailEnd type="none" w="med" len="med"/>
+                    </a:lnL>
+                    <a:lnR w="12700" cap="flat" cmpd="sng" algn="ctr">
+                      <a:solidFill>
+                        <a:schemeClr val="tx1"/>
+                      </a:solidFill>
+                      <a:prstDash val="solid"/>
+                      <a:round/>
+                      <a:headEnd type="none" w="med" len="med"/>
+                      <a:tailEnd type="none" w="med" len="med"/>
+                    </a:lnR>
+                    <a:lnT w="12700" cap="flat" cmpd="sng" algn="ctr">
+                      <a:solidFill>
+                        <a:schemeClr val="tx1"/>
+                      </a:solidFill>
+                      <a:prstDash val="solid"/>
+                      <a:round/>
+                      <a:headEnd type="none" w="med" len="med"/>
+                      <a:tailEnd type="none" w="med" len="med"/>
+                    </a:lnT>
+                    <a:lnB w="12700" cap="flat" cmpd="sng" algn="ctr">
+                      <a:solidFill>
+                        <a:schemeClr val="tx1"/>
+                      </a:solidFill>
+                      <a:prstDash val="solid"/>
+                      <a:round/>
+                      <a:headEnd type="none" w="med" len="med"/>
+                      <a:tailEnd type="none" w="med" len="med"/>
+                    </a:lnB>
+                    <a:noFill/>
+                  </a:tcPr>
+                </a:tc>
+              </a:tr>
+              <a:tr h="370840">
+                <a:tc>
+                  <a:txBody>
+                    <a:bodyPr/>
+                    <a:lstStyle/>
+                    <a:p>
+                      <a:pPr marL="0" marR="0" indent="0" algn="l" defTabSz="914400" rtl="0" eaLnBrk="1" fontAlgn="auto" latinLnBrk="1" hangingPunct="1">
+                        <a:lnSpc>
+                          <a:spcPct val="100000"/>
+                        </a:lnSpc>
+                        <a:spcBef>
+                          <a:spcPts val="0"/>
+                        </a:spcBef>
+                        <a:spcAft>
+                          <a:spcPts val="0"/>
+                        </a:spcAft>
+                        <a:buClrTx/>
+                        <a:buSzTx/>
+                        <a:buFontTx/>
+                        <a:buNone/>
+                        <a:tabLst/>
+                        <a:defRPr/>
+                      </a:pPr>
+                      <a:r>
+                        <a:rPr lang="en-US" altLang="ko-KR" sz="1000" b="0" dirty="0" smtClean="0">
+                          <a:solidFill>
+                            <a:schemeClr val="tx1"/>
+                          </a:solidFill>
+                        </a:rPr>
+                        <a:t>+</a:t>
+                      </a:r>
+                      <a:r>
+                        <a:rPr lang="en-US" altLang="ko-KR" sz="1000" b="0" dirty="0" err="1" smtClean="0">
+                          <a:solidFill>
+                            <a:schemeClr val="tx1"/>
+                          </a:solidFill>
+                        </a:rPr>
+                        <a:t>WriteLargerMemsProc</a:t>
+                      </a:r>
+                      <a:r>
+                        <a:rPr lang="en-US" altLang="ko-KR" sz="1000" b="0" dirty="0" smtClean="0">
+                          <a:solidFill>
+                            <a:schemeClr val="tx1"/>
+                          </a:solidFill>
+                        </a:rPr>
+                        <a:t> (</a:t>
+                      </a:r>
+                      <a:r>
+                        <a:rPr lang="en-US" altLang="ko-KR" sz="1000" b="0" dirty="0" err="1" smtClean="0">
+                          <a:solidFill>
+                            <a:schemeClr val="tx1"/>
+                          </a:solidFill>
+                        </a:rPr>
+                        <a:t>size:int</a:t>
+                      </a:r>
+                      <a:r>
+                        <a:rPr lang="en-US" altLang="ko-KR" sz="1000" b="0" dirty="0" smtClean="0">
+                          <a:solidFill>
+                            <a:schemeClr val="tx1"/>
+                          </a:solidFill>
+                        </a:rPr>
+                        <a:t>):void</a:t>
+                      </a:r>
+                      <a:endParaRPr lang="ko-KR" altLang="en-US" sz="1000" b="0" dirty="0">
+                        <a:solidFill>
+                          <a:schemeClr val="tx1"/>
+                        </a:solidFill>
+                      </a:endParaRPr>
+                    </a:p>
+                  </a:txBody>
+                  <a:tcPr anchor="ctr">
+                    <a:lnL w="12700" cap="flat" cmpd="sng" algn="ctr">
+                      <a:solidFill>
+                        <a:schemeClr val="tx1"/>
+                      </a:solidFill>
+                      <a:prstDash val="solid"/>
+                      <a:round/>
+                      <a:headEnd type="none" w="med" len="med"/>
+                      <a:tailEnd type="none" w="med" len="med"/>
+                    </a:lnL>
+                    <a:lnR w="12700" cap="flat" cmpd="sng" algn="ctr">
+                      <a:solidFill>
+                        <a:schemeClr val="tx1"/>
+                      </a:solidFill>
+                      <a:prstDash val="solid"/>
+                      <a:round/>
+                      <a:headEnd type="none" w="med" len="med"/>
+                      <a:tailEnd type="none" w="med" len="med"/>
+                    </a:lnR>
+                    <a:lnT w="12700" cap="flat" cmpd="sng" algn="ctr">
+                      <a:solidFill>
+                        <a:schemeClr val="tx1"/>
+                      </a:solidFill>
+                      <a:prstDash val="solid"/>
+                      <a:round/>
+                      <a:headEnd type="none" w="med" len="med"/>
+                      <a:tailEnd type="none" w="med" len="med"/>
+                    </a:lnT>
+                    <a:lnB w="12700" cap="flat" cmpd="sng" algn="ctr">
+                      <a:solidFill>
+                        <a:schemeClr val="tx1"/>
+                      </a:solidFill>
+                      <a:prstDash val="solid"/>
+                      <a:round/>
+                      <a:headEnd type="none" w="med" len="med"/>
+                      <a:tailEnd type="none" w="med" len="med"/>
+                    </a:lnB>
+                    <a:noFill/>
+                  </a:tcPr>
+                </a:tc>
+              </a:tr>
+            </a:tbl>
+          </a:graphicData>
+        </a:graphic>
+      </p:graphicFrame>
+      <p:graphicFrame>
+        <p:nvGraphicFramePr>
+          <p:cNvPr id="16" name="표 15"/>
+          <p:cNvGraphicFramePr>
+            <a:graphicFrameLocks noGrp="1"/>
+          </p:cNvGraphicFramePr>
+          <p:nvPr/>
+        </p:nvGraphicFramePr>
+        <p:xfrm>
+          <a:off x="3635896" y="4221088"/>
+          <a:ext cx="2952328" cy="2077720"/>
+        </p:xfrm>
+        <a:graphic>
+          <a:graphicData uri="http://schemas.openxmlformats.org/drawingml/2006/table">
+            <a:tbl>
+              <a:tblPr firstRow="1" bandRow="1">
+                <a:tableStyleId>{5C22544A-7EE6-4342-B048-85BDC9FD1C3A}</a:tableStyleId>
+              </a:tblPr>
+              <a:tblGrid>
+                <a:gridCol w="2952328"/>
+              </a:tblGrid>
+              <a:tr h="370840">
+                <a:tc>
+                  <a:txBody>
+                    <a:bodyPr/>
+                    <a:lstStyle/>
+                    <a:p>
+                      <a:pPr algn="ctr" latinLnBrk="1"/>
+                      <a:r>
+                        <a:rPr lang="en-US" altLang="ko-KR" sz="1000" b="1" dirty="0" err="1" smtClean="0">
+                          <a:solidFill>
+                            <a:schemeClr val="tx1"/>
+                          </a:solidFill>
+                        </a:rPr>
+                        <a:t>ConfigInfo</a:t>
+                      </a:r>
+                      <a:endParaRPr lang="ko-KR" altLang="en-US" sz="1000" b="1" dirty="0">
+                        <a:solidFill>
+                          <a:schemeClr val="tx1"/>
+                        </a:solidFill>
+                      </a:endParaRPr>
+                    </a:p>
+                  </a:txBody>
+                  <a:tcPr anchor="ctr">
+                    <a:lnL w="12700" cap="flat" cmpd="sng" algn="ctr">
+                      <a:solidFill>
+                        <a:schemeClr val="tx1"/>
+                      </a:solidFill>
+                      <a:prstDash val="solid"/>
+                      <a:round/>
+                      <a:headEnd type="none" w="med" len="med"/>
+                      <a:tailEnd type="none" w="med" len="med"/>
+                    </a:lnL>
+                    <a:lnR w="12700" cap="flat" cmpd="sng" algn="ctr">
+                      <a:solidFill>
+                        <a:schemeClr val="tx1"/>
+                      </a:solidFill>
+                      <a:prstDash val="solid"/>
+                      <a:round/>
+                      <a:headEnd type="none" w="med" len="med"/>
+                      <a:tailEnd type="none" w="med" len="med"/>
+                    </a:lnR>
+                    <a:lnT w="12700" cap="flat" cmpd="sng" algn="ctr">
+                      <a:solidFill>
+                        <a:schemeClr val="tx1"/>
+                      </a:solidFill>
+                      <a:prstDash val="solid"/>
+                      <a:round/>
+                      <a:headEnd type="none" w="med" len="med"/>
+                      <a:tailEnd type="none" w="med" len="med"/>
+                    </a:lnT>
+                    <a:lnB w="12700" cap="flat" cmpd="sng" algn="ctr">
+                      <a:solidFill>
+                        <a:schemeClr val="tx1"/>
+                      </a:solidFill>
+                      <a:prstDash val="solid"/>
+                      <a:round/>
+                      <a:headEnd type="none" w="med" len="med"/>
+                      <a:tailEnd type="none" w="med" len="med"/>
+                    </a:lnB>
+                    <a:noFill/>
+                  </a:tcPr>
+                </a:tc>
+              </a:tr>
+              <a:tr h="370840">
+                <a:tc>
+                  <a:txBody>
+                    <a:bodyPr/>
+                    <a:lstStyle/>
+                    <a:p>
+                      <a:pPr latinLnBrk="1"/>
+                      <a:r>
+                        <a:rPr lang="en-US" altLang="ko-KR" sz="1000" b="0" dirty="0" smtClean="0">
+                          <a:solidFill>
+                            <a:schemeClr val="tx1"/>
+                          </a:solidFill>
+                        </a:rPr>
+                        <a:t>+</a:t>
+                      </a:r>
+                      <a:r>
+                        <a:rPr lang="en-US" altLang="ko-KR" sz="1000" b="0" dirty="0" err="1" smtClean="0">
+                          <a:solidFill>
+                            <a:schemeClr val="tx1"/>
+                          </a:solidFill>
+                        </a:rPr>
+                        <a:t>Line:</a:t>
+                      </a:r>
+                      <a:r>
+                        <a:rPr lang="en-US" altLang="ko-KR" sz="1000" b="0" dirty="0" err="1" smtClean="0">
+                          <a:solidFill>
+                            <a:schemeClr val="tx1"/>
+                          </a:solidFill>
+                        </a:rPr>
+                        <a:t>string</a:t>
+                      </a:r>
+                      <a:endParaRPr lang="en-US" altLang="ko-KR" sz="1000" b="0" dirty="0" smtClean="0">
+                        <a:solidFill>
+                          <a:schemeClr val="tx1"/>
+                        </a:solidFill>
+                      </a:endParaRPr>
+                    </a:p>
+                    <a:p>
+                      <a:pPr latinLnBrk="1"/>
+                      <a:r>
+                        <a:rPr lang="en-US" altLang="ko-KR" sz="1000" b="0" dirty="0" smtClean="0">
+                          <a:solidFill>
+                            <a:schemeClr val="tx1"/>
+                          </a:solidFill>
+                        </a:rPr>
+                        <a:t>+</a:t>
+                      </a:r>
+                      <a:r>
+                        <a:rPr lang="en-US" altLang="ko-KR" sz="1000" b="0" dirty="0" err="1" smtClean="0">
+                          <a:solidFill>
+                            <a:schemeClr val="tx1"/>
+                          </a:solidFill>
+                        </a:rPr>
+                        <a:t>Type:int</a:t>
+                      </a:r>
+                      <a:r>
+                        <a:rPr lang="en-US" altLang="ko-KR" sz="1000" b="0" dirty="0" smtClean="0">
+                          <a:solidFill>
+                            <a:schemeClr val="tx1"/>
+                          </a:solidFill>
+                        </a:rPr>
+                        <a:t> </a:t>
+                      </a:r>
+                    </a:p>
+                    <a:p>
+                      <a:pPr latinLnBrk="1"/>
+                      <a:r>
+                        <a:rPr lang="en-US" altLang="ko-KR" sz="1000" b="0" dirty="0" smtClean="0">
+                          <a:solidFill>
+                            <a:schemeClr val="tx1"/>
+                          </a:solidFill>
+                        </a:rPr>
+                        <a:t>+</a:t>
+                      </a:r>
+                      <a:r>
+                        <a:rPr lang="en-US" altLang="ko-KR" sz="1000" b="0" dirty="0" err="1" smtClean="0">
+                          <a:solidFill>
+                            <a:schemeClr val="tx1"/>
+                          </a:solidFill>
+                        </a:rPr>
+                        <a:t>FileName:</a:t>
+                      </a:r>
+                      <a:r>
+                        <a:rPr lang="en-US" altLang="ko-KR" sz="1000" b="0" dirty="0" err="1" smtClean="0">
+                          <a:solidFill>
+                            <a:schemeClr val="tx1"/>
+                          </a:solidFill>
+                        </a:rPr>
+                        <a:t>string</a:t>
+                      </a:r>
+                      <a:endParaRPr lang="en-US" altLang="ko-KR" sz="1000" b="0" dirty="0" smtClean="0">
+                        <a:solidFill>
+                          <a:schemeClr val="tx1"/>
+                        </a:solidFill>
+                      </a:endParaRPr>
+                    </a:p>
+                    <a:p>
+                      <a:pPr latinLnBrk="1"/>
+                      <a:r>
+                        <a:rPr lang="en-US" altLang="ko-KR" sz="1000" b="0" dirty="0" smtClean="0">
+                          <a:solidFill>
+                            <a:schemeClr val="tx1"/>
+                          </a:solidFill>
+                        </a:rPr>
+                        <a:t>+</a:t>
+                      </a:r>
+                      <a:r>
+                        <a:rPr lang="en-US" altLang="ko-KR" sz="1000" b="0" dirty="0" err="1" smtClean="0">
+                          <a:solidFill>
+                            <a:schemeClr val="tx1"/>
+                          </a:solidFill>
+                        </a:rPr>
+                        <a:t>Condition:</a:t>
+                      </a:r>
+                      <a:r>
+                        <a:rPr lang="en-US" altLang="ko-KR" sz="1000" b="0" dirty="0" err="1" smtClean="0">
+                          <a:solidFill>
+                            <a:schemeClr val="tx1"/>
+                          </a:solidFill>
+                        </a:rPr>
+                        <a:t>char</a:t>
+                      </a:r>
+                      <a:endParaRPr lang="en-US" altLang="ko-KR" sz="1000" b="0" dirty="0" smtClean="0">
+                        <a:solidFill>
+                          <a:schemeClr val="tx1"/>
+                        </a:solidFill>
+                      </a:endParaRPr>
+                    </a:p>
+                    <a:p>
+                      <a:pPr latinLnBrk="1"/>
+                      <a:r>
+                        <a:rPr lang="en-US" altLang="ko-KR" sz="1000" b="0" dirty="0" smtClean="0">
+                          <a:solidFill>
+                            <a:schemeClr val="tx1"/>
+                          </a:solidFill>
+                        </a:rPr>
+                        <a:t>+</a:t>
+                      </a:r>
+                      <a:r>
+                        <a:rPr lang="en-US" altLang="ko-KR" sz="1000" b="0" dirty="0" err="1" smtClean="0">
+                          <a:solidFill>
+                            <a:schemeClr val="tx1"/>
+                          </a:solidFill>
+                        </a:rPr>
+                        <a:t>CondValue:int</a:t>
+                      </a:r>
+                      <a:endParaRPr lang="en-US" altLang="ko-KR" sz="1000" b="0" dirty="0" smtClean="0">
+                        <a:solidFill>
+                          <a:schemeClr val="tx1"/>
+                        </a:solidFill>
+                      </a:endParaRPr>
+                    </a:p>
+                    <a:p>
+                      <a:pPr latinLnBrk="1"/>
+                      <a:r>
+                        <a:rPr lang="en-US" altLang="ko-KR" sz="1000" b="0" dirty="0" smtClean="0">
+                          <a:solidFill>
+                            <a:schemeClr val="tx1"/>
+                          </a:solidFill>
+                        </a:rPr>
+                        <a:t>+</a:t>
+                      </a:r>
+                      <a:r>
+                        <a:rPr lang="en-US" altLang="ko-KR" sz="1000" b="0" dirty="0" err="1" smtClean="0">
+                          <a:solidFill>
+                            <a:schemeClr val="tx1"/>
+                          </a:solidFill>
+                        </a:rPr>
+                        <a:t>WroteExist:</a:t>
+                      </a:r>
+                      <a:r>
+                        <a:rPr lang="en-US" altLang="ko-KR" sz="1000" b="0" dirty="0" err="1" smtClean="0">
+                          <a:solidFill>
+                            <a:schemeClr val="tx1"/>
+                          </a:solidFill>
+                        </a:rPr>
+                        <a:t>bool</a:t>
+                      </a:r>
+                      <a:endParaRPr lang="en-US" altLang="ko-KR" sz="1000" b="0" dirty="0" smtClean="0">
+                        <a:solidFill>
+                          <a:schemeClr val="tx1"/>
+                        </a:solidFill>
+                      </a:endParaRPr>
+                    </a:p>
+                    <a:p>
+                      <a:pPr latinLnBrk="1"/>
+                      <a:r>
+                        <a:rPr lang="en-US" altLang="ko-KR" sz="1000" b="0" dirty="0" smtClean="0">
+                          <a:solidFill>
+                            <a:schemeClr val="tx1"/>
+                          </a:solidFill>
+                        </a:rPr>
+                        <a:t>+</a:t>
+                      </a:r>
+                      <a:r>
+                        <a:rPr lang="en-US" altLang="ko-KR" sz="1000" b="0" dirty="0" err="1" smtClean="0">
+                          <a:solidFill>
+                            <a:schemeClr val="tx1"/>
+                          </a:solidFill>
+                        </a:rPr>
+                        <a:t>WroteCondition:</a:t>
+                      </a:r>
+                      <a:r>
+                        <a:rPr lang="en-US" altLang="ko-KR" sz="1000" b="0" dirty="0" err="1" smtClean="0">
+                          <a:solidFill>
+                            <a:schemeClr val="tx1"/>
+                          </a:solidFill>
+                        </a:rPr>
+                        <a:t>bool</a:t>
+                      </a:r>
+                      <a:endParaRPr lang="ko-KR" altLang="en-US" sz="1000" b="0" dirty="0">
+                        <a:solidFill>
+                          <a:schemeClr val="tx1"/>
+                        </a:solidFill>
+                      </a:endParaRPr>
+                    </a:p>
+                  </a:txBody>
+                  <a:tcPr anchor="ctr">
+                    <a:lnL w="12700" cap="flat" cmpd="sng" algn="ctr">
+                      <a:solidFill>
+                        <a:schemeClr val="tx1"/>
+                      </a:solidFill>
+                      <a:prstDash val="solid"/>
+                      <a:round/>
+                      <a:headEnd type="none" w="med" len="med"/>
+                      <a:tailEnd type="none" w="med" len="med"/>
+                    </a:lnL>
+                    <a:lnR w="12700" cap="flat" cmpd="sng" algn="ctr">
+                      <a:solidFill>
+                        <a:schemeClr val="tx1"/>
+                      </a:solidFill>
+                      <a:prstDash val="solid"/>
+                      <a:round/>
+                      <a:headEnd type="none" w="med" len="med"/>
+                      <a:tailEnd type="none" w="med" len="med"/>
+                    </a:lnR>
+                    <a:lnT w="12700" cap="flat" cmpd="sng" algn="ctr">
+                      <a:solidFill>
+                        <a:schemeClr val="tx1"/>
+                      </a:solidFill>
+                      <a:prstDash val="solid"/>
+                      <a:round/>
+                      <a:headEnd type="none" w="med" len="med"/>
+                      <a:tailEnd type="none" w="med" len="med"/>
+                    </a:lnT>
+                    <a:lnB w="12700" cap="flat" cmpd="sng" algn="ctr">
+                      <a:solidFill>
+                        <a:schemeClr val="tx1"/>
+                      </a:solidFill>
+                      <a:prstDash val="solid"/>
+                      <a:round/>
+                      <a:headEnd type="none" w="med" len="med"/>
+                      <a:tailEnd type="none" w="med" len="med"/>
+                    </a:lnB>
+                    <a:noFill/>
+                  </a:tcPr>
+                </a:tc>
+              </a:tr>
+              <a:tr h="370840">
+                <a:tc>
+                  <a:txBody>
+                    <a:bodyPr/>
+                    <a:lstStyle/>
+                    <a:p>
+                      <a:pPr marL="0" marR="0" indent="0" algn="l" defTabSz="914400" rtl="0" eaLnBrk="1" fontAlgn="auto" latinLnBrk="1" hangingPunct="1">
+                        <a:lnSpc>
+                          <a:spcPct val="100000"/>
+                        </a:lnSpc>
+                        <a:spcBef>
+                          <a:spcPts val="0"/>
+                        </a:spcBef>
+                        <a:spcAft>
+                          <a:spcPts val="0"/>
+                        </a:spcAft>
+                        <a:buClrTx/>
+                        <a:buSzTx/>
+                        <a:buFontTx/>
+                        <a:buNone/>
+                        <a:tabLst/>
+                        <a:defRPr/>
+                      </a:pPr>
+                      <a:r>
+                        <a:rPr lang="en-US" altLang="ko-KR" sz="1000" b="0" dirty="0" smtClean="0">
+                          <a:solidFill>
+                            <a:schemeClr val="tx1"/>
+                          </a:solidFill>
+                        </a:rPr>
+                        <a:t>&lt;&lt;create&gt;&gt;+</a:t>
+                      </a:r>
+                      <a:r>
+                        <a:rPr lang="en-US" altLang="ko-KR" sz="1000" b="0" dirty="0" err="1" smtClean="0">
+                          <a:solidFill>
+                            <a:schemeClr val="tx1"/>
+                          </a:solidFill>
+                        </a:rPr>
+                        <a:t>ConfigInfo</a:t>
+                      </a:r>
+                      <a:r>
+                        <a:rPr lang="en-US" altLang="ko-KR" sz="1000" b="0" dirty="0" smtClean="0">
+                          <a:solidFill>
+                            <a:schemeClr val="tx1"/>
+                          </a:solidFill>
+                        </a:rPr>
+                        <a:t>()</a:t>
+                      </a:r>
+                    </a:p>
+                    <a:p>
+                      <a:pPr marL="0" marR="0" indent="0" algn="l" defTabSz="914400" rtl="0" eaLnBrk="1" fontAlgn="auto" latinLnBrk="1" hangingPunct="1">
+                        <a:lnSpc>
+                          <a:spcPct val="100000"/>
+                        </a:lnSpc>
+                        <a:spcBef>
+                          <a:spcPts val="0"/>
+                        </a:spcBef>
+                        <a:spcAft>
+                          <a:spcPts val="0"/>
+                        </a:spcAft>
+                        <a:buClrTx/>
+                        <a:buSzTx/>
+                        <a:buFontTx/>
+                        <a:buNone/>
+                        <a:tabLst/>
+                        <a:defRPr/>
+                      </a:pPr>
+                      <a:r>
+                        <a:rPr lang="en-US" altLang="ko-KR" sz="1000" b="0" dirty="0" smtClean="0">
+                          <a:solidFill>
+                            <a:schemeClr val="tx1"/>
+                          </a:solidFill>
+                        </a:rPr>
+                        <a:t>&lt;&lt;create&gt;&gt;+</a:t>
+                      </a:r>
+                      <a:r>
+                        <a:rPr lang="en-US" altLang="ko-KR" sz="1000" b="0" dirty="0" err="1" smtClean="0">
+                          <a:solidFill>
+                            <a:schemeClr val="tx1"/>
+                          </a:solidFill>
+                        </a:rPr>
+                        <a:t>ConfigInfo</a:t>
+                      </a:r>
+                      <a:r>
+                        <a:rPr lang="en-US" altLang="ko-KR" sz="1000" b="0" dirty="0" smtClean="0">
+                          <a:solidFill>
+                            <a:schemeClr val="tx1"/>
+                          </a:solidFill>
+                        </a:rPr>
+                        <a:t>(</a:t>
+                      </a:r>
+                      <a:r>
+                        <a:rPr lang="en-US" altLang="ko-KR" sz="1000" b="0" dirty="0" err="1" smtClean="0">
+                          <a:solidFill>
+                            <a:schemeClr val="tx1"/>
+                          </a:solidFill>
+                        </a:rPr>
+                        <a:t>input:string</a:t>
+                      </a:r>
+                      <a:r>
+                        <a:rPr lang="en-US" altLang="ko-KR" sz="1000" b="0" dirty="0" smtClean="0">
+                          <a:solidFill>
+                            <a:schemeClr val="tx1"/>
+                          </a:solidFill>
+                        </a:rPr>
+                        <a:t>)</a:t>
+                      </a:r>
+                    </a:p>
+                    <a:p>
+                      <a:pPr marL="0" marR="0" indent="0" algn="l" defTabSz="914400" rtl="0" eaLnBrk="1" fontAlgn="auto" latinLnBrk="1" hangingPunct="1">
+                        <a:lnSpc>
+                          <a:spcPct val="100000"/>
+                        </a:lnSpc>
+                        <a:spcBef>
+                          <a:spcPts val="0"/>
+                        </a:spcBef>
+                        <a:spcAft>
+                          <a:spcPts val="0"/>
+                        </a:spcAft>
+                        <a:buClrTx/>
+                        <a:buSzTx/>
+                        <a:buFontTx/>
+                        <a:buNone/>
+                        <a:tabLst/>
+                        <a:defRPr/>
+                      </a:pPr>
+                      <a:r>
+                        <a:rPr lang="en-US" altLang="ko-KR" sz="1000" b="0" dirty="0" smtClean="0">
+                          <a:solidFill>
+                            <a:schemeClr val="tx1"/>
+                          </a:solidFill>
+                        </a:rPr>
+                        <a:t>-parsing(</a:t>
+                      </a:r>
+                      <a:r>
+                        <a:rPr lang="en-US" altLang="ko-KR" sz="1000" b="0" dirty="0" err="1" smtClean="0">
+                          <a:solidFill>
+                            <a:schemeClr val="tx1"/>
+                          </a:solidFill>
+                        </a:rPr>
+                        <a:t>input:string</a:t>
+                      </a:r>
+                      <a:r>
+                        <a:rPr lang="en-US" altLang="ko-KR" sz="1000" b="0" dirty="0" smtClean="0">
+                          <a:solidFill>
+                            <a:schemeClr val="tx1"/>
+                          </a:solidFill>
+                        </a:rPr>
+                        <a:t>)</a:t>
+                      </a:r>
+                      <a:endParaRPr lang="ko-KR" altLang="en-US" sz="1000" b="0" dirty="0">
+                        <a:solidFill>
+                          <a:schemeClr val="tx1"/>
+                        </a:solidFill>
+                      </a:endParaRPr>
+                    </a:p>
+                  </a:txBody>
+                  <a:tcPr anchor="ctr">
+                    <a:lnL w="12700" cap="flat" cmpd="sng" algn="ctr">
+                      <a:solidFill>
+                        <a:schemeClr val="tx1"/>
+                      </a:solidFill>
+                      <a:prstDash val="solid"/>
+                      <a:round/>
+                      <a:headEnd type="none" w="med" len="med"/>
+                      <a:tailEnd type="none" w="med" len="med"/>
+                    </a:lnL>
+                    <a:lnR w="12700" cap="flat" cmpd="sng" algn="ctr">
+                      <a:solidFill>
+                        <a:schemeClr val="tx1"/>
+                      </a:solidFill>
+                      <a:prstDash val="solid"/>
+                      <a:round/>
+                      <a:headEnd type="none" w="med" len="med"/>
+                      <a:tailEnd type="none" w="med" len="med"/>
+                    </a:lnR>
+                    <a:lnT w="12700" cap="flat" cmpd="sng" algn="ctr">
+                      <a:solidFill>
+                        <a:schemeClr val="tx1"/>
+                      </a:solidFill>
+                      <a:prstDash val="solid"/>
+                      <a:round/>
+                      <a:headEnd type="none" w="med" len="med"/>
+                      <a:tailEnd type="none" w="med" len="med"/>
+                    </a:lnT>
+                    <a:lnB w="12700" cap="flat" cmpd="sng" algn="ctr">
+                      <a:solidFill>
+                        <a:schemeClr val="tx1"/>
+                      </a:solidFill>
+                      <a:prstDash val="solid"/>
+                      <a:round/>
+                      <a:headEnd type="none" w="med" len="med"/>
+                      <a:tailEnd type="none" w="med" len="med"/>
+                    </a:lnB>
+                    <a:noFill/>
+                  </a:tcPr>
+                </a:tc>
+              </a:tr>
+            </a:tbl>
+          </a:graphicData>
+        </a:graphic>
+      </p:graphicFrame>
+      <p:grpSp>
+        <p:nvGrpSpPr>
+          <p:cNvPr id="31" name="그룹 30"/>
+          <p:cNvGrpSpPr/>
+          <p:nvPr/>
+        </p:nvGrpSpPr>
+        <p:grpSpPr>
+          <a:xfrm>
+            <a:off x="3482827" y="1772816"/>
+            <a:ext cx="144016" cy="504056"/>
+            <a:chOff x="6048372" y="1052736"/>
+            <a:chExt cx="216024" cy="504056"/>
+          </a:xfrm>
+        </p:grpSpPr>
+        <p:sp>
+          <p:nvSpPr>
+            <p:cNvPr id="32" name="이등변 삼각형 31"/>
+            <p:cNvSpPr/>
+            <p:nvPr/>
+          </p:nvSpPr>
+          <p:spPr>
+            <a:xfrm>
+              <a:off x="6048372" y="1052736"/>
+              <a:ext cx="216024" cy="144016"/>
+            </a:xfrm>
+            <a:prstGeom prst="triangle">
+              <a:avLst/>
+            </a:prstGeom>
+            <a:noFill/>
+            <a:ln w="12700">
+              <a:solidFill>
+                <a:schemeClr val="tx1"/>
+              </a:solidFill>
+            </a:ln>
+          </p:spPr>
+          <p:style>
+            <a:lnRef idx="2">
+              <a:schemeClr val="accent1">
+                <a:shade val="50000"/>
+              </a:schemeClr>
+            </a:lnRef>
+            <a:fillRef idx="1">
+              <a:schemeClr val="accent1"/>
+            </a:fillRef>
+            <a:effectRef idx="0">
+              <a:schemeClr val="accent1"/>
+            </a:effectRef>
+            <a:fontRef idx="minor">
+              <a:schemeClr val="lt1"/>
+            </a:fontRef>
+          </p:style>
+          <p:txBody>
+            <a:bodyPr rtlCol="0" anchor="ctr"/>
+            <a:lstStyle/>
+            <a:p>
+              <a:pPr algn="ctr"/>
+              <a:endParaRPr lang="ko-KR" altLang="en-US"/>
+            </a:p>
+          </p:txBody>
+        </p:sp>
+        <p:cxnSp>
+          <p:nvCxnSpPr>
+            <p:cNvPr id="33" name="직선 연결선 32"/>
+            <p:cNvCxnSpPr/>
+            <p:nvPr/>
+          </p:nvCxnSpPr>
+          <p:spPr>
+            <a:xfrm>
+              <a:off x="6156176" y="1196752"/>
+              <a:ext cx="0" cy="360040"/>
+            </a:xfrm>
+            <a:prstGeom prst="line">
+              <a:avLst/>
+            </a:prstGeom>
+            <a:ln>
+              <a:solidFill>
+                <a:schemeClr val="tx1"/>
+              </a:solidFill>
+            </a:ln>
+          </p:spPr>
+          <p:style>
+            <a:lnRef idx="1">
+              <a:schemeClr val="accent1"/>
+            </a:lnRef>
+            <a:fillRef idx="0">
+              <a:schemeClr val="accent1"/>
+            </a:fillRef>
+            <a:effectRef idx="0">
+              <a:schemeClr val="accent1"/>
+            </a:effectRef>
+            <a:fontRef idx="minor">
+              <a:schemeClr val="tx1"/>
+            </a:fontRef>
+          </p:style>
+        </p:cxnSp>
+      </p:grpSp>
+      <p:sp>
+        <p:nvSpPr>
+          <p:cNvPr id="36" name="직사각형 35"/>
           <p:cNvSpPr/>
           <p:nvPr/>
         </p:nvSpPr>
         <p:spPr>
           <a:xfrm>
-            <a:off x="395536" y="332656"/>
-            <a:ext cx="288032" cy="288032"/>
-          </a:xfrm>
-          <a:prstGeom prst="flowChartConnector">
-            <a:avLst/>
-          </a:prstGeom>
+            <a:off x="4850979" y="2520055"/>
+            <a:ext cx="72008" cy="72008"/>
+          </a:xfrm>
+          <a:prstGeom prst="rect">
+            <a:avLst/>
+          </a:prstGeom>
+          <a:noFill/>
+          <a:ln>
+            <a:noFill/>
+          </a:ln>
         </p:spPr>
         <p:style>
           <a:lnRef idx="2">
@@ -8942,58 +10960,28 @@
           <a:lstStyle/>
           <a:p>
             <a:pPr algn="ctr"/>
-            <a:r>
-              <a:rPr lang="en-US" altLang="ko-KR" dirty="0" smtClean="0"/>
-              <a:t>1</a:t>
-            </a:r>
-            <a:endParaRPr lang="ko-KR" altLang="en-US" dirty="0"/>
-          </a:p>
-        </p:txBody>
-      </p:sp>
-      <p:sp>
-        <p:nvSpPr>
-          <p:cNvPr id="5" name="TextBox 4"/>
-          <p:cNvSpPr txBox="1"/>
-          <p:nvPr/>
-        </p:nvSpPr>
-        <p:spPr>
-          <a:xfrm>
-            <a:off x="738158" y="286775"/>
-            <a:ext cx="2376264" cy="369332"/>
+            <a:endParaRPr lang="ko-KR" altLang="en-US"/>
+          </a:p>
+        </p:txBody>
+      </p:sp>
+      <p:sp>
+        <p:nvSpPr>
+          <p:cNvPr id="37" name="직사각형 36"/>
+          <p:cNvSpPr/>
+          <p:nvPr/>
+        </p:nvSpPr>
+        <p:spPr>
+          <a:xfrm>
+            <a:off x="2177630" y="2511002"/>
+            <a:ext cx="81061" cy="53902"/>
           </a:xfrm>
           <a:prstGeom prst="rect">
             <a:avLst/>
           </a:prstGeom>
           <a:noFill/>
-        </p:spPr>
-        <p:txBody>
-          <a:bodyPr wrap="square" rtlCol="0">
-            <a:spAutoFit/>
-          </a:bodyPr>
-          <a:lstStyle/>
-          <a:p>
-            <a:r>
-              <a:rPr lang="en-US" altLang="ko-KR" dirty="0" smtClean="0"/>
-              <a:t>File Condition Match</a:t>
-            </a:r>
-            <a:endParaRPr lang="ko-KR" altLang="en-US" dirty="0"/>
-          </a:p>
-        </p:txBody>
-      </p:sp>
-      <p:sp>
-        <p:nvSpPr>
-          <p:cNvPr id="6" name="순서도: 연결자 5"/>
-          <p:cNvSpPr/>
-          <p:nvPr/>
-        </p:nvSpPr>
-        <p:spPr>
-          <a:xfrm>
-            <a:off x="5597530" y="378537"/>
-            <a:ext cx="288032" cy="288032"/>
-          </a:xfrm>
-          <a:prstGeom prst="flowChartConnector">
-            <a:avLst/>
-          </a:prstGeom>
+          <a:ln>
+            <a:noFill/>
+          </a:ln>
         </p:spPr>
         <p:style>
           <a:lnRef idx="2">
@@ -9016,65 +11004,33 @@
           <a:lstStyle/>
           <a:p>
             <a:pPr algn="ctr"/>
-            <a:r>
-              <a:rPr lang="en-US" altLang="ko-KR" dirty="0" smtClean="0"/>
-              <a:t>2</a:t>
-            </a:r>
-            <a:endParaRPr lang="ko-KR" altLang="en-US" dirty="0"/>
-          </a:p>
-        </p:txBody>
-      </p:sp>
-      <p:sp>
-        <p:nvSpPr>
-          <p:cNvPr id="7" name="TextBox 6"/>
-          <p:cNvSpPr txBox="1"/>
-          <p:nvPr/>
-        </p:nvSpPr>
-        <p:spPr>
-          <a:xfrm>
-            <a:off x="5940152" y="332656"/>
-            <a:ext cx="2520280" cy="369332"/>
-          </a:xfrm>
-          <a:prstGeom prst="rect">
-            <a:avLst/>
-          </a:prstGeom>
-          <a:noFill/>
-        </p:spPr>
-        <p:txBody>
-          <a:bodyPr wrap="square" rtlCol="0">
-            <a:spAutoFit/>
-          </a:bodyPr>
-          <a:lstStyle/>
-          <a:p>
-            <a:r>
-              <a:rPr lang="en-US" altLang="ko-KR" dirty="0" smtClean="0"/>
-              <a:t>Proc Condition Match</a:t>
-            </a:r>
-            <a:endParaRPr lang="ko-KR" altLang="en-US" dirty="0"/>
+            <a:endParaRPr lang="ko-KR" altLang="en-US"/>
           </a:p>
         </p:txBody>
       </p:sp>
       <p:cxnSp>
         <p:nvCxnSpPr>
-          <p:cNvPr id="8" name="직선 화살표 연결선 7"/>
+          <p:cNvPr id="39" name="꺾인 연결선 38"/>
           <p:cNvCxnSpPr>
-            <a:endCxn id="10" idx="0"/>
+            <a:stCxn id="37" idx="0"/>
+            <a:endCxn id="36" idx="0"/>
           </p:cNvCxnSpPr>
           <p:nvPr/>
         </p:nvCxnSpPr>
         <p:spPr>
-          <a:xfrm>
-            <a:off x="2051720" y="764704"/>
-            <a:ext cx="0" cy="504056"/>
-          </a:xfrm>
-          <a:prstGeom prst="straightConnector1">
-            <a:avLst/>
-          </a:prstGeom>
-          <a:ln w="12700">
+          <a:xfrm rot="16200000" flipH="1">
+            <a:off x="3548045" y="1181117"/>
+            <a:ext cx="9053" cy="2668822"/>
+          </a:xfrm>
+          <a:prstGeom prst="bentConnector3">
+            <a:avLst>
+              <a:gd name="adj1" fmla="val -2525130"/>
+            </a:avLst>
+          </a:prstGeom>
+          <a:ln>
             <a:solidFill>
               <a:schemeClr val="tx1"/>
             </a:solidFill>
-            <a:tailEnd type="triangle"/>
           </a:ln>
         </p:spPr>
         <p:style>
@@ -9092,26 +11048,158 @@
           </a:fontRef>
         </p:style>
       </p:cxnSp>
-      <p:sp>
-        <p:nvSpPr>
-          <p:cNvPr id="10" name="순서도: 판단 9"/>
-          <p:cNvSpPr/>
-          <p:nvPr/>
-        </p:nvSpPr>
-        <p:spPr>
-          <a:xfrm>
-            <a:off x="899592" y="1268760"/>
-            <a:ext cx="2304256" cy="1008112"/>
-          </a:xfrm>
-          <a:prstGeom prst="flowChartDecision">
-            <a:avLst/>
-          </a:prstGeom>
-          <a:noFill/>
-          <a:ln w="19050">
+      <p:cxnSp>
+        <p:nvCxnSpPr>
+          <p:cNvPr id="44" name="직선 화살표 연결선 43"/>
+          <p:cNvCxnSpPr/>
+          <p:nvPr/>
+        </p:nvCxnSpPr>
+        <p:spPr>
+          <a:xfrm>
+            <a:off x="4932040" y="3645024"/>
+            <a:ext cx="0" cy="576064"/>
+          </a:xfrm>
+          <a:prstGeom prst="straightConnector1">
+            <a:avLst/>
+          </a:prstGeom>
+          <a:ln w="12700">
             <a:solidFill>
               <a:schemeClr val="tx1"/>
             </a:solidFill>
+            <a:prstDash val="dash"/>
+            <a:tailEnd type="arrow"/>
           </a:ln>
+        </p:spPr>
+        <p:style>
+          <a:lnRef idx="1">
+            <a:schemeClr val="accent1"/>
+          </a:lnRef>
+          <a:fillRef idx="0">
+            <a:schemeClr val="accent1"/>
+          </a:fillRef>
+          <a:effectRef idx="0">
+            <a:schemeClr val="accent1"/>
+          </a:effectRef>
+          <a:fontRef idx="minor">
+            <a:schemeClr val="tx1"/>
+          </a:fontRef>
+        </p:style>
+      </p:cxnSp>
+      <p:cxnSp>
+        <p:nvCxnSpPr>
+          <p:cNvPr id="46" name="직선 화살표 연결선 45"/>
+          <p:cNvCxnSpPr/>
+          <p:nvPr/>
+        </p:nvCxnSpPr>
+        <p:spPr>
+          <a:xfrm>
+            <a:off x="2195736" y="3645024"/>
+            <a:ext cx="0" cy="576064"/>
+          </a:xfrm>
+          <a:prstGeom prst="straightConnector1">
+            <a:avLst/>
+          </a:prstGeom>
+          <a:ln w="12700">
+            <a:solidFill>
+              <a:schemeClr val="tx1"/>
+            </a:solidFill>
+            <a:prstDash val="dash"/>
+            <a:tailEnd type="arrow"/>
+          </a:ln>
+        </p:spPr>
+        <p:style>
+          <a:lnRef idx="1">
+            <a:schemeClr val="accent1"/>
+          </a:lnRef>
+          <a:fillRef idx="0">
+            <a:schemeClr val="accent1"/>
+          </a:fillRef>
+          <a:effectRef idx="0">
+            <a:schemeClr val="accent1"/>
+          </a:effectRef>
+          <a:fontRef idx="minor">
+            <a:schemeClr val="tx1"/>
+          </a:fontRef>
+        </p:style>
+      </p:cxnSp>
+      <p:cxnSp>
+        <p:nvCxnSpPr>
+          <p:cNvPr id="48" name="꺾인 연결선 47"/>
+          <p:cNvCxnSpPr/>
+          <p:nvPr/>
+        </p:nvCxnSpPr>
+        <p:spPr>
+          <a:xfrm rot="5400000">
+            <a:off x="3239884" y="3329657"/>
+            <a:ext cx="576000" cy="1224136"/>
+          </a:xfrm>
+          <a:prstGeom prst="bentConnector3">
+            <a:avLst>
+              <a:gd name="adj1" fmla="val 50000"/>
+            </a:avLst>
+          </a:prstGeom>
+          <a:ln w="12700">
+            <a:solidFill>
+              <a:schemeClr val="tx1"/>
+            </a:solidFill>
+            <a:prstDash val="dash"/>
+            <a:tailEnd type="arrow"/>
+          </a:ln>
+        </p:spPr>
+        <p:style>
+          <a:lnRef idx="1">
+            <a:schemeClr val="accent1"/>
+          </a:lnRef>
+          <a:fillRef idx="0">
+            <a:schemeClr val="accent1"/>
+          </a:fillRef>
+          <a:effectRef idx="0">
+            <a:schemeClr val="accent1"/>
+          </a:effectRef>
+          <a:fontRef idx="minor">
+            <a:schemeClr val="tx1"/>
+          </a:fontRef>
+        </p:style>
+      </p:cxnSp>
+    </p:spTree>
+  </p:cSld>
+  <p:clrMapOvr>
+    <a:masterClrMapping/>
+  </p:clrMapOvr>
+</p:sld>
+</file>
+
+<file path=ppt/slides/slide5.xml><?xml version="1.0" encoding="utf-8"?>
+<p:sld xmlns:a="http://schemas.openxmlformats.org/drawingml/2006/main" xmlns:r="http://schemas.openxmlformats.org/officeDocument/2006/relationships" xmlns:p="http://schemas.openxmlformats.org/presentationml/2006/main">
+  <p:cSld>
+    <p:spTree>
+      <p:nvGrpSpPr>
+        <p:cNvPr id="1" name=""/>
+        <p:cNvGrpSpPr/>
+        <p:nvPr/>
+      </p:nvGrpSpPr>
+      <p:grpSpPr>
+        <a:xfrm>
+          <a:off x="0" y="0"/>
+          <a:ext cx="0" cy="0"/>
+          <a:chOff x="0" y="0"/>
+          <a:chExt cx="0" cy="0"/>
+        </a:xfrm>
+      </p:grpSpPr>
+      <p:sp>
+        <p:nvSpPr>
+          <p:cNvPr id="4" name="순서도: 연결자 3"/>
+          <p:cNvSpPr/>
+          <p:nvPr/>
+        </p:nvSpPr>
+        <p:spPr>
+          <a:xfrm>
+            <a:off x="395536" y="332656"/>
+            <a:ext cx="288032" cy="288032"/>
+          </a:xfrm>
+          <a:prstGeom prst="flowChartConnector">
+            <a:avLst/>
+          </a:prstGeom>
         </p:spPr>
         <p:style>
           <a:lnRef idx="2">
@@ -9135,119 +11223,57 @@
           <a:p>
             <a:pPr algn="ctr"/>
             <a:r>
-              <a:rPr lang="en-US" altLang="ko-KR" sz="1000" dirty="0" err="1" smtClean="0">
-                <a:solidFill>
-                  <a:schemeClr val="tx1"/>
-                </a:solidFill>
-              </a:rPr>
-              <a:t>objList</a:t>
-            </a:r>
-            <a:r>
-              <a:rPr lang="ko-KR" altLang="en-US" sz="1000" dirty="0" smtClean="0">
-                <a:solidFill>
-                  <a:schemeClr val="tx1"/>
-                </a:solidFill>
-              </a:rPr>
-              <a:t>의 </a:t>
-            </a:r>
-            <a:r>
-              <a:rPr lang="en-US" altLang="ko-KR" sz="1000" dirty="0" smtClean="0">
-                <a:solidFill>
-                  <a:schemeClr val="tx1"/>
-                </a:solidFill>
-              </a:rPr>
-              <a:t>Size</a:t>
-            </a:r>
-            <a:r>
-              <a:rPr lang="ko-KR" altLang="en-US" sz="1000" dirty="0" smtClean="0">
-                <a:solidFill>
-                  <a:schemeClr val="tx1"/>
-                </a:solidFill>
-              </a:rPr>
-              <a:t>와 실제 </a:t>
-            </a:r>
-            <a:r>
-              <a:rPr lang="en-US" altLang="ko-KR" sz="1000" dirty="0" smtClean="0">
-                <a:solidFill>
-                  <a:schemeClr val="tx1"/>
-                </a:solidFill>
-              </a:rPr>
-              <a:t>File Size</a:t>
-            </a:r>
-            <a:r>
-              <a:rPr lang="ko-KR" altLang="en-US" sz="1000" dirty="0" smtClean="0">
-                <a:solidFill>
-                  <a:schemeClr val="tx1"/>
-                </a:solidFill>
-              </a:rPr>
-              <a:t>비교 후 크기 조건 맞으면</a:t>
-            </a:r>
-            <a:endParaRPr lang="en-US" altLang="ko-KR" sz="1000" dirty="0" smtClean="0">
-              <a:solidFill>
-                <a:schemeClr val="tx1"/>
-              </a:solidFill>
-            </a:endParaRPr>
-          </a:p>
-        </p:txBody>
-      </p:sp>
-      <p:cxnSp>
-        <p:nvCxnSpPr>
-          <p:cNvPr id="13" name="직선 화살표 연결선 12"/>
-          <p:cNvCxnSpPr>
-            <a:stCxn id="10" idx="2"/>
-          </p:cNvCxnSpPr>
-          <p:nvPr/>
-        </p:nvCxnSpPr>
-        <p:spPr>
-          <a:xfrm>
-            <a:off x="2051720" y="2276872"/>
-            <a:ext cx="0" cy="504056"/>
-          </a:xfrm>
-          <a:prstGeom prst="straightConnector1">
-            <a:avLst/>
-          </a:prstGeom>
-          <a:ln w="12700">
-            <a:solidFill>
-              <a:schemeClr val="tx1"/>
-            </a:solidFill>
-            <a:tailEnd type="triangle"/>
-          </a:ln>
-        </p:spPr>
-        <p:style>
-          <a:lnRef idx="1">
-            <a:schemeClr val="accent1"/>
-          </a:lnRef>
-          <a:fillRef idx="0">
-            <a:schemeClr val="accent1"/>
-          </a:fillRef>
-          <a:effectRef idx="0">
-            <a:schemeClr val="accent1"/>
-          </a:effectRef>
-          <a:fontRef idx="minor">
-            <a:schemeClr val="tx1"/>
-          </a:fontRef>
-        </p:style>
-      </p:cxnSp>
-      <p:sp>
-        <p:nvSpPr>
-          <p:cNvPr id="16" name="순서도: 판단 15"/>
+              <a:rPr lang="en-US" altLang="ko-KR" dirty="0" smtClean="0"/>
+              <a:t>1</a:t>
+            </a:r>
+            <a:endParaRPr lang="ko-KR" altLang="en-US" dirty="0"/>
+          </a:p>
+        </p:txBody>
+      </p:sp>
+      <p:sp>
+        <p:nvSpPr>
+          <p:cNvPr id="5" name="TextBox 4"/>
+          <p:cNvSpPr txBox="1"/>
+          <p:nvPr/>
+        </p:nvSpPr>
+        <p:spPr>
+          <a:xfrm>
+            <a:off x="738158" y="286775"/>
+            <a:ext cx="2376264" cy="369332"/>
+          </a:xfrm>
+          <a:prstGeom prst="rect">
+            <a:avLst/>
+          </a:prstGeom>
+          <a:noFill/>
+        </p:spPr>
+        <p:txBody>
+          <a:bodyPr wrap="square" rtlCol="0">
+            <a:spAutoFit/>
+          </a:bodyPr>
+          <a:lstStyle/>
+          <a:p>
+            <a:r>
+              <a:rPr lang="en-US" altLang="ko-KR" dirty="0" smtClean="0"/>
+              <a:t>File Condition Match</a:t>
+            </a:r>
+            <a:endParaRPr lang="ko-KR" altLang="en-US" dirty="0"/>
+          </a:p>
+        </p:txBody>
+      </p:sp>
+      <p:sp>
+        <p:nvSpPr>
+          <p:cNvPr id="6" name="순서도: 연결자 5"/>
           <p:cNvSpPr/>
           <p:nvPr/>
         </p:nvSpPr>
         <p:spPr>
           <a:xfrm>
-            <a:off x="971600" y="3212976"/>
-            <a:ext cx="2304256" cy="1008112"/>
-          </a:xfrm>
-          <a:prstGeom prst="flowChartDecision">
-            <a:avLst/>
-          </a:prstGeom>
-          <a:noFill/>
-          <a:ln w="19050">
-            <a:solidFill>
-              <a:schemeClr val="tx1"/>
-            </a:solidFill>
-          </a:ln>
+            <a:off x="5597530" y="378537"/>
+            <a:ext cx="288032" cy="288032"/>
+          </a:xfrm>
+          <a:prstGeom prst="flowChartConnector">
+            <a:avLst/>
+          </a:prstGeom>
         </p:spPr>
         <p:style>
           <a:lnRef idx="2">
@@ -9271,6 +11297,124 @@
           <a:p>
             <a:pPr algn="ctr"/>
             <a:r>
+              <a:rPr lang="en-US" altLang="ko-KR" dirty="0" smtClean="0"/>
+              <a:t>2</a:t>
+            </a:r>
+            <a:endParaRPr lang="ko-KR" altLang="en-US" dirty="0"/>
+          </a:p>
+        </p:txBody>
+      </p:sp>
+      <p:sp>
+        <p:nvSpPr>
+          <p:cNvPr id="7" name="TextBox 6"/>
+          <p:cNvSpPr txBox="1"/>
+          <p:nvPr/>
+        </p:nvSpPr>
+        <p:spPr>
+          <a:xfrm>
+            <a:off x="5940152" y="332656"/>
+            <a:ext cx="2520280" cy="369332"/>
+          </a:xfrm>
+          <a:prstGeom prst="rect">
+            <a:avLst/>
+          </a:prstGeom>
+          <a:noFill/>
+        </p:spPr>
+        <p:txBody>
+          <a:bodyPr wrap="square" rtlCol="0">
+            <a:spAutoFit/>
+          </a:bodyPr>
+          <a:lstStyle/>
+          <a:p>
+            <a:r>
+              <a:rPr lang="en-US" altLang="ko-KR" dirty="0" smtClean="0"/>
+              <a:t>Proc Condition Match</a:t>
+            </a:r>
+            <a:endParaRPr lang="ko-KR" altLang="en-US" dirty="0"/>
+          </a:p>
+        </p:txBody>
+      </p:sp>
+      <p:cxnSp>
+        <p:nvCxnSpPr>
+          <p:cNvPr id="8" name="직선 화살표 연결선 7"/>
+          <p:cNvCxnSpPr>
+            <a:endCxn id="10" idx="0"/>
+          </p:cNvCxnSpPr>
+          <p:nvPr/>
+        </p:nvCxnSpPr>
+        <p:spPr>
+          <a:xfrm>
+            <a:off x="2051720" y="764704"/>
+            <a:ext cx="0" cy="504056"/>
+          </a:xfrm>
+          <a:prstGeom prst="straightConnector1">
+            <a:avLst/>
+          </a:prstGeom>
+          <a:ln w="12700">
+            <a:solidFill>
+              <a:schemeClr val="tx1"/>
+            </a:solidFill>
+            <a:tailEnd type="triangle"/>
+          </a:ln>
+        </p:spPr>
+        <p:style>
+          <a:lnRef idx="1">
+            <a:schemeClr val="accent1"/>
+          </a:lnRef>
+          <a:fillRef idx="0">
+            <a:schemeClr val="accent1"/>
+          </a:fillRef>
+          <a:effectRef idx="0">
+            <a:schemeClr val="accent1"/>
+          </a:effectRef>
+          <a:fontRef idx="minor">
+            <a:schemeClr val="tx1"/>
+          </a:fontRef>
+        </p:style>
+      </p:cxnSp>
+      <p:sp>
+        <p:nvSpPr>
+          <p:cNvPr id="10" name="순서도: 판단 9"/>
+          <p:cNvSpPr/>
+          <p:nvPr/>
+        </p:nvSpPr>
+        <p:spPr>
+          <a:xfrm>
+            <a:off x="899592" y="1268760"/>
+            <a:ext cx="2304256" cy="1008112"/>
+          </a:xfrm>
+          <a:prstGeom prst="flowChartDecision">
+            <a:avLst/>
+          </a:prstGeom>
+          <a:noFill/>
+          <a:ln w="19050">
+            <a:solidFill>
+              <a:schemeClr val="tx1"/>
+            </a:solidFill>
+          </a:ln>
+        </p:spPr>
+        <p:style>
+          <a:lnRef idx="2">
+            <a:schemeClr val="accent1">
+              <a:shade val="50000"/>
+            </a:schemeClr>
+          </a:lnRef>
+          <a:fillRef idx="1">
+            <a:schemeClr val="accent1"/>
+          </a:fillRef>
+          <a:effectRef idx="0">
+            <a:schemeClr val="accent1"/>
+          </a:effectRef>
+          <a:fontRef idx="minor">
+            <a:schemeClr val="lt1"/>
+          </a:fontRef>
+        </p:style>
+        <p:txBody>
+          <a:bodyPr rtlCol="0" anchor="ctr"/>
+          <a:lstStyle/>
+          <a:p>
+            <a:pPr algn="ctr"/>
+            <a:r>
               <a:rPr lang="en-US" altLang="ko-KR" sz="1000" dirty="0" err="1" smtClean="0">
                 <a:solidFill>
                   <a:schemeClr val="tx1"/>
@@ -9326,6 +11470,142 @@
           </a:p>
         </p:txBody>
       </p:sp>
+      <p:cxnSp>
+        <p:nvCxnSpPr>
+          <p:cNvPr id="13" name="직선 화살표 연결선 12"/>
+          <p:cNvCxnSpPr>
+            <a:stCxn id="10" idx="2"/>
+          </p:cNvCxnSpPr>
+          <p:nvPr/>
+        </p:nvCxnSpPr>
+        <p:spPr>
+          <a:xfrm>
+            <a:off x="2051720" y="2276872"/>
+            <a:ext cx="0" cy="504056"/>
+          </a:xfrm>
+          <a:prstGeom prst="straightConnector1">
+            <a:avLst/>
+          </a:prstGeom>
+          <a:ln w="12700">
+            <a:solidFill>
+              <a:schemeClr val="tx1"/>
+            </a:solidFill>
+            <a:tailEnd type="triangle"/>
+          </a:ln>
+        </p:spPr>
+        <p:style>
+          <a:lnRef idx="1">
+            <a:schemeClr val="accent1"/>
+          </a:lnRef>
+          <a:fillRef idx="0">
+            <a:schemeClr val="accent1"/>
+          </a:fillRef>
+          <a:effectRef idx="0">
+            <a:schemeClr val="accent1"/>
+          </a:effectRef>
+          <a:fontRef idx="minor">
+            <a:schemeClr val="tx1"/>
+          </a:fontRef>
+        </p:style>
+      </p:cxnSp>
+      <p:sp>
+        <p:nvSpPr>
+          <p:cNvPr id="16" name="순서도: 판단 15"/>
+          <p:cNvSpPr/>
+          <p:nvPr/>
+        </p:nvSpPr>
+        <p:spPr>
+          <a:xfrm>
+            <a:off x="971600" y="3212976"/>
+            <a:ext cx="2304256" cy="1008112"/>
+          </a:xfrm>
+          <a:prstGeom prst="flowChartDecision">
+            <a:avLst/>
+          </a:prstGeom>
+          <a:noFill/>
+          <a:ln w="19050">
+            <a:solidFill>
+              <a:schemeClr val="tx1"/>
+            </a:solidFill>
+          </a:ln>
+        </p:spPr>
+        <p:style>
+          <a:lnRef idx="2">
+            <a:schemeClr val="accent1">
+              <a:shade val="50000"/>
+            </a:schemeClr>
+          </a:lnRef>
+          <a:fillRef idx="1">
+            <a:schemeClr val="accent1"/>
+          </a:fillRef>
+          <a:effectRef idx="0">
+            <a:schemeClr val="accent1"/>
+          </a:effectRef>
+          <a:fontRef idx="minor">
+            <a:schemeClr val="lt1"/>
+          </a:fontRef>
+        </p:style>
+        <p:txBody>
+          <a:bodyPr rtlCol="0" anchor="ctr"/>
+          <a:lstStyle/>
+          <a:p>
+            <a:pPr algn="ctr"/>
+            <a:r>
+              <a:rPr lang="en-US" altLang="ko-KR" sz="1000" dirty="0" err="1" smtClean="0">
+                <a:solidFill>
+                  <a:schemeClr val="tx1"/>
+                </a:solidFill>
+              </a:rPr>
+              <a:t>objList</a:t>
+            </a:r>
+            <a:r>
+              <a:rPr lang="ko-KR" altLang="en-US" sz="1000" dirty="0" smtClean="0">
+                <a:solidFill>
+                  <a:schemeClr val="tx1"/>
+                </a:solidFill>
+              </a:rPr>
+              <a:t>의 </a:t>
+            </a:r>
+            <a:r>
+              <a:rPr lang="en-US" altLang="ko-KR" sz="1000" dirty="0" smtClean="0">
+                <a:solidFill>
+                  <a:schemeClr val="tx1"/>
+                </a:solidFill>
+              </a:rPr>
+              <a:t>Size</a:t>
+            </a:r>
+            <a:r>
+              <a:rPr lang="ko-KR" altLang="en-US" sz="1000" dirty="0" smtClean="0">
+                <a:solidFill>
+                  <a:schemeClr val="tx1"/>
+                </a:solidFill>
+              </a:rPr>
+              <a:t>와 실제 </a:t>
+            </a:r>
+            <a:r>
+              <a:rPr lang="en-US" altLang="ko-KR" sz="1000" dirty="0" smtClean="0">
+                <a:solidFill>
+                  <a:schemeClr val="tx1"/>
+                </a:solidFill>
+              </a:rPr>
+              <a:t>File Size</a:t>
+            </a:r>
+            <a:r>
+              <a:rPr lang="ko-KR" altLang="en-US" sz="1000" dirty="0" smtClean="0">
+                <a:solidFill>
+                  <a:schemeClr val="tx1"/>
+                </a:solidFill>
+              </a:rPr>
+              <a:t>비교 후 크기 조건 맞으면</a:t>
+            </a:r>
+            <a:endParaRPr lang="en-US" altLang="ko-KR" sz="1000" dirty="0" smtClean="0">
+              <a:solidFill>
+                <a:schemeClr val="tx1"/>
+              </a:solidFill>
+            </a:endParaRPr>
+          </a:p>
+        </p:txBody>
+      </p:sp>
       <p:sp>
         <p:nvSpPr>
           <p:cNvPr id="17" name="TextBox 16"/>
@@ -9424,6 +11704,482 @@
           </a:fontRef>
         </p:style>
       </p:cxnSp>
+      <p:sp>
+        <p:nvSpPr>
+          <p:cNvPr id="14" name="평행 사변형 13"/>
+          <p:cNvSpPr/>
+          <p:nvPr/>
+        </p:nvSpPr>
+        <p:spPr>
+          <a:xfrm>
+            <a:off x="5679122" y="2024843"/>
+            <a:ext cx="1224136" cy="360040"/>
+          </a:xfrm>
+          <a:prstGeom prst="parallelogram">
+            <a:avLst/>
+          </a:prstGeom>
+          <a:noFill/>
+          <a:ln w="19050">
+            <a:solidFill>
+              <a:schemeClr val="tx1"/>
+            </a:solidFill>
+          </a:ln>
+        </p:spPr>
+        <p:style>
+          <a:lnRef idx="2">
+            <a:schemeClr val="accent1">
+              <a:shade val="50000"/>
+            </a:schemeClr>
+          </a:lnRef>
+          <a:fillRef idx="1">
+            <a:schemeClr val="accent1"/>
+          </a:fillRef>
+          <a:effectRef idx="0">
+            <a:schemeClr val="accent1"/>
+          </a:effectRef>
+          <a:fontRef idx="minor">
+            <a:schemeClr val="lt1"/>
+          </a:fontRef>
+        </p:style>
+        <p:txBody>
+          <a:bodyPr lIns="36000" tIns="36000" rIns="36000" bIns="36000" rtlCol="0" anchor="ctr"/>
+          <a:lstStyle/>
+          <a:p>
+            <a:pPr algn="ctr"/>
+            <a:r>
+              <a:rPr lang="en-US" altLang="ko-KR" sz="1000" dirty="0" smtClean="0">
+                <a:solidFill>
+                  <a:schemeClr val="tx1"/>
+                </a:solidFill>
+              </a:rPr>
+              <a:t>Read 1 Line in</a:t>
+            </a:r>
+          </a:p>
+          <a:p>
+            <a:pPr algn="ctr"/>
+            <a:r>
+              <a:rPr lang="en-US" altLang="ko-KR" sz="1000" dirty="0" smtClean="0">
+                <a:solidFill>
+                  <a:schemeClr val="tx1"/>
+                </a:solidFill>
+              </a:rPr>
+              <a:t>CONFIG.TXT</a:t>
+            </a:r>
+            <a:endParaRPr lang="ko-KR" altLang="en-US" sz="1000" dirty="0" smtClean="0">
+              <a:solidFill>
+                <a:schemeClr val="tx1"/>
+              </a:solidFill>
+            </a:endParaRPr>
+          </a:p>
+        </p:txBody>
+      </p:sp>
+      <p:sp>
+        <p:nvSpPr>
+          <p:cNvPr id="15" name="직사각형 14"/>
+          <p:cNvSpPr/>
+          <p:nvPr/>
+        </p:nvSpPr>
+        <p:spPr>
+          <a:xfrm>
+            <a:off x="5643118" y="3465003"/>
+            <a:ext cx="1296144" cy="432048"/>
+          </a:xfrm>
+          <a:prstGeom prst="rect">
+            <a:avLst/>
+          </a:prstGeom>
+          <a:noFill/>
+          <a:ln w="19050">
+            <a:solidFill>
+              <a:schemeClr val="tx1"/>
+            </a:solidFill>
+          </a:ln>
+        </p:spPr>
+        <p:style>
+          <a:lnRef idx="2">
+            <a:schemeClr val="accent1">
+              <a:shade val="50000"/>
+            </a:schemeClr>
+          </a:lnRef>
+          <a:fillRef idx="1">
+            <a:schemeClr val="accent1"/>
+          </a:fillRef>
+          <a:effectRef idx="0">
+            <a:schemeClr val="accent1"/>
+          </a:effectRef>
+          <a:fontRef idx="minor">
+            <a:schemeClr val="lt1"/>
+          </a:fontRef>
+        </p:style>
+        <p:txBody>
+          <a:bodyPr rtlCol="0" anchor="ctr"/>
+          <a:lstStyle/>
+          <a:p>
+            <a:pPr algn="ctr"/>
+            <a:r>
+              <a:rPr lang="en-US" altLang="ko-KR" sz="1000" dirty="0" err="1" smtClean="0">
+                <a:solidFill>
+                  <a:schemeClr val="tx1"/>
+                </a:solidFill>
+              </a:rPr>
+              <a:t>mInfoList</a:t>
+            </a:r>
+            <a:r>
+              <a:rPr lang="ko-KR" altLang="en-US" sz="1000" dirty="0" smtClean="0">
+                <a:solidFill>
+                  <a:schemeClr val="tx1"/>
+                </a:solidFill>
+              </a:rPr>
+              <a:t>에 </a:t>
+            </a:r>
+            <a:r>
+              <a:rPr lang="en-US" altLang="ko-KR" sz="1000" dirty="0" smtClean="0">
+                <a:solidFill>
+                  <a:schemeClr val="tx1"/>
+                </a:solidFill>
+              </a:rPr>
+              <a:t>line </a:t>
+            </a:r>
+            <a:r>
+              <a:rPr lang="ko-KR" altLang="en-US" sz="1000" dirty="0" smtClean="0">
+                <a:solidFill>
+                  <a:schemeClr val="tx1"/>
+                </a:solidFill>
+              </a:rPr>
+              <a:t>추가</a:t>
+            </a:r>
+          </a:p>
+        </p:txBody>
+      </p:sp>
+      <p:sp>
+        <p:nvSpPr>
+          <p:cNvPr id="20" name="순서도: 판단 19"/>
+          <p:cNvSpPr/>
+          <p:nvPr/>
+        </p:nvSpPr>
+        <p:spPr>
+          <a:xfrm>
+            <a:off x="5535106" y="2744923"/>
+            <a:ext cx="1512168" cy="438398"/>
+          </a:xfrm>
+          <a:prstGeom prst="flowChartDecision">
+            <a:avLst/>
+          </a:prstGeom>
+          <a:noFill/>
+          <a:ln w="19050">
+            <a:solidFill>
+              <a:schemeClr val="tx1"/>
+            </a:solidFill>
+          </a:ln>
+        </p:spPr>
+        <p:style>
+          <a:lnRef idx="2">
+            <a:schemeClr val="accent1">
+              <a:shade val="50000"/>
+            </a:schemeClr>
+          </a:lnRef>
+          <a:fillRef idx="1">
+            <a:schemeClr val="accent1"/>
+          </a:fillRef>
+          <a:effectRef idx="0">
+            <a:schemeClr val="accent1"/>
+          </a:effectRef>
+          <a:fontRef idx="minor">
+            <a:schemeClr val="lt1"/>
+          </a:fontRef>
+        </p:style>
+        <p:txBody>
+          <a:bodyPr rtlCol="0" anchor="ctr"/>
+          <a:lstStyle/>
+          <a:p>
+            <a:pPr algn="ctr"/>
+            <a:r>
+              <a:rPr lang="en-US" altLang="ko-KR" sz="1000" dirty="0" smtClean="0">
+                <a:solidFill>
+                  <a:schemeClr val="tx1"/>
+                </a:solidFill>
+              </a:rPr>
+              <a:t>EOF?</a:t>
+            </a:r>
+            <a:endParaRPr lang="ko-KR" altLang="en-US" sz="1000" dirty="0" smtClean="0">
+              <a:solidFill>
+                <a:schemeClr val="tx1"/>
+              </a:solidFill>
+            </a:endParaRPr>
+          </a:p>
+        </p:txBody>
+      </p:sp>
+      <p:sp>
+        <p:nvSpPr>
+          <p:cNvPr id="21" name="직사각형 20"/>
+          <p:cNvSpPr/>
+          <p:nvPr/>
+        </p:nvSpPr>
+        <p:spPr>
+          <a:xfrm>
+            <a:off x="5643118" y="4113075"/>
+            <a:ext cx="1296144" cy="432048"/>
+          </a:xfrm>
+          <a:prstGeom prst="rect">
+            <a:avLst/>
+          </a:prstGeom>
+          <a:noFill/>
+          <a:ln w="19050">
+            <a:solidFill>
+              <a:schemeClr val="tx1"/>
+            </a:solidFill>
+          </a:ln>
+        </p:spPr>
+        <p:style>
+          <a:lnRef idx="2">
+            <a:schemeClr val="accent1">
+              <a:shade val="50000"/>
+            </a:schemeClr>
+          </a:lnRef>
+          <a:fillRef idx="1">
+            <a:schemeClr val="accent1"/>
+          </a:fillRef>
+          <a:effectRef idx="0">
+            <a:schemeClr val="accent1"/>
+          </a:effectRef>
+          <a:fontRef idx="minor">
+            <a:schemeClr val="lt1"/>
+          </a:fontRef>
+        </p:style>
+        <p:txBody>
+          <a:bodyPr rtlCol="0" anchor="ctr"/>
+          <a:lstStyle/>
+          <a:p>
+            <a:pPr algn="ctr"/>
+            <a:r>
+              <a:rPr lang="en-US" altLang="ko-KR" sz="1000" dirty="0" smtClean="0">
+                <a:solidFill>
+                  <a:schemeClr val="tx1"/>
+                </a:solidFill>
+              </a:rPr>
+              <a:t>Parsing Data</a:t>
+            </a:r>
+          </a:p>
+        </p:txBody>
+      </p:sp>
+      <p:cxnSp>
+        <p:nvCxnSpPr>
+          <p:cNvPr id="22" name="직선 화살표 연결선 21"/>
+          <p:cNvCxnSpPr>
+            <a:stCxn id="14" idx="4"/>
+            <a:endCxn id="20" idx="0"/>
+          </p:cNvCxnSpPr>
+          <p:nvPr/>
+        </p:nvCxnSpPr>
+        <p:spPr>
+          <a:xfrm>
+            <a:off x="6291190" y="2384883"/>
+            <a:ext cx="0" cy="360040"/>
+          </a:xfrm>
+          <a:prstGeom prst="straightConnector1">
+            <a:avLst/>
+          </a:prstGeom>
+          <a:ln w="12700">
+            <a:solidFill>
+              <a:schemeClr val="tx1"/>
+            </a:solidFill>
+            <a:tailEnd type="triangle"/>
+          </a:ln>
+        </p:spPr>
+        <p:style>
+          <a:lnRef idx="1">
+            <a:schemeClr val="accent1"/>
+          </a:lnRef>
+          <a:fillRef idx="0">
+            <a:schemeClr val="accent1"/>
+          </a:fillRef>
+          <a:effectRef idx="0">
+            <a:schemeClr val="accent1"/>
+          </a:effectRef>
+          <a:fontRef idx="minor">
+            <a:schemeClr val="tx1"/>
+          </a:fontRef>
+        </p:style>
+      </p:cxnSp>
+      <p:cxnSp>
+        <p:nvCxnSpPr>
+          <p:cNvPr id="23" name="직선 화살표 연결선 22"/>
+          <p:cNvCxnSpPr>
+            <a:stCxn id="20" idx="2"/>
+            <a:endCxn id="15" idx="0"/>
+          </p:cNvCxnSpPr>
+          <p:nvPr/>
+        </p:nvCxnSpPr>
+        <p:spPr>
+          <a:xfrm>
+            <a:off x="6291190" y="3183321"/>
+            <a:ext cx="0" cy="281682"/>
+          </a:xfrm>
+          <a:prstGeom prst="straightConnector1">
+            <a:avLst/>
+          </a:prstGeom>
+          <a:ln w="12700">
+            <a:solidFill>
+              <a:schemeClr val="tx1"/>
+            </a:solidFill>
+            <a:tailEnd type="triangle"/>
+          </a:ln>
+        </p:spPr>
+        <p:style>
+          <a:lnRef idx="1">
+            <a:schemeClr val="accent1"/>
+          </a:lnRef>
+          <a:fillRef idx="0">
+            <a:schemeClr val="accent1"/>
+          </a:fillRef>
+          <a:effectRef idx="0">
+            <a:schemeClr val="accent1"/>
+          </a:effectRef>
+          <a:fontRef idx="minor">
+            <a:schemeClr val="tx1"/>
+          </a:fontRef>
+        </p:style>
+      </p:cxnSp>
+      <p:cxnSp>
+        <p:nvCxnSpPr>
+          <p:cNvPr id="24" name="직선 화살표 연결선 23"/>
+          <p:cNvCxnSpPr>
+            <a:stCxn id="15" idx="2"/>
+            <a:endCxn id="21" idx="0"/>
+          </p:cNvCxnSpPr>
+          <p:nvPr/>
+        </p:nvCxnSpPr>
+        <p:spPr>
+          <a:xfrm>
+            <a:off x="6291190" y="3897051"/>
+            <a:ext cx="0" cy="216024"/>
+          </a:xfrm>
+          <a:prstGeom prst="straightConnector1">
+            <a:avLst/>
+          </a:prstGeom>
+          <a:ln w="12700">
+            <a:solidFill>
+              <a:schemeClr val="tx1"/>
+            </a:solidFill>
+            <a:tailEnd type="triangle"/>
+          </a:ln>
+        </p:spPr>
+        <p:style>
+          <a:lnRef idx="1">
+            <a:schemeClr val="accent1"/>
+          </a:lnRef>
+          <a:fillRef idx="0">
+            <a:schemeClr val="accent1"/>
+          </a:fillRef>
+          <a:effectRef idx="0">
+            <a:schemeClr val="accent1"/>
+          </a:effectRef>
+          <a:fontRef idx="minor">
+            <a:schemeClr val="tx1"/>
+          </a:fontRef>
+        </p:style>
+      </p:cxnSp>
+      <p:cxnSp>
+        <p:nvCxnSpPr>
+          <p:cNvPr id="25" name="Shape 24"/>
+          <p:cNvCxnSpPr>
+            <a:stCxn id="21" idx="2"/>
+            <a:endCxn id="14" idx="5"/>
+          </p:cNvCxnSpPr>
+          <p:nvPr/>
+        </p:nvCxnSpPr>
+        <p:spPr>
+          <a:xfrm rot="5400000" flipH="1">
+            <a:off x="4837529" y="3091462"/>
+            <a:ext cx="2340260" cy="567063"/>
+          </a:xfrm>
+          <a:prstGeom prst="bentConnector4">
+            <a:avLst>
+              <a:gd name="adj1" fmla="val -9768"/>
+              <a:gd name="adj2" fmla="val 154599"/>
+            </a:avLst>
+          </a:prstGeom>
+          <a:ln w="12700">
+            <a:solidFill>
+              <a:schemeClr val="tx1"/>
+            </a:solidFill>
+            <a:tailEnd type="triangle"/>
+          </a:ln>
+        </p:spPr>
+        <p:style>
+          <a:lnRef idx="1">
+            <a:schemeClr val="accent1"/>
+          </a:lnRef>
+          <a:fillRef idx="0">
+            <a:schemeClr val="accent1"/>
+          </a:fillRef>
+          <a:effectRef idx="0">
+            <a:schemeClr val="accent1"/>
+          </a:effectRef>
+          <a:fontRef idx="minor">
+            <a:schemeClr val="tx1"/>
+          </a:fontRef>
+        </p:style>
+      </p:cxnSp>
+      <p:sp>
+        <p:nvSpPr>
+          <p:cNvPr id="26" name="TextBox 25"/>
+          <p:cNvSpPr txBox="1"/>
+          <p:nvPr/>
+        </p:nvSpPr>
+        <p:spPr>
+          <a:xfrm>
+            <a:off x="6071662" y="3113672"/>
+            <a:ext cx="288032" cy="215444"/>
+          </a:xfrm>
+          <a:prstGeom prst="rect">
+            <a:avLst/>
+          </a:prstGeom>
+          <a:noFill/>
+        </p:spPr>
+        <p:txBody>
+          <a:bodyPr wrap="square" rtlCol="0">
+            <a:spAutoFit/>
+          </a:bodyPr>
+          <a:lstStyle/>
+          <a:p>
+            <a:r>
+              <a:rPr lang="en-US" altLang="ko-KR" sz="800" dirty="0" smtClean="0"/>
+              <a:t>N</a:t>
+            </a:r>
+            <a:endParaRPr lang="ko-KR" altLang="en-US" sz="800" dirty="0"/>
+          </a:p>
+        </p:txBody>
+      </p:sp>
+      <p:sp>
+        <p:nvSpPr>
+          <p:cNvPr id="27" name="TextBox 26"/>
+          <p:cNvSpPr txBox="1"/>
+          <p:nvPr/>
+        </p:nvSpPr>
+        <p:spPr>
+          <a:xfrm>
+            <a:off x="6920676" y="2744923"/>
+            <a:ext cx="288032" cy="215444"/>
+          </a:xfrm>
+          <a:prstGeom prst="rect">
+            <a:avLst/>
+          </a:prstGeom>
+          <a:noFill/>
+        </p:spPr>
+        <p:txBody>
+          <a:bodyPr wrap="square" rtlCol="0">
+            <a:spAutoFit/>
+          </a:bodyPr>
+          <a:lstStyle/>
+          <a:p>
+            <a:r>
+              <a:rPr lang="en-US" altLang="ko-KR" sz="800" dirty="0" smtClean="0"/>
+              <a:t>Y</a:t>
+            </a:r>
+            <a:endParaRPr lang="ko-KR" altLang="en-US" sz="800" dirty="0"/>
+          </a:p>
+        </p:txBody>
+      </p:sp>
     </p:spTree>
   </p:cSld>
   <p:clrMapOvr>
@@ -9713,4 +12469,287 @@
   <a:objectDefaults/>
   <a:extraClrSchemeLst/>
 </a:theme>
+</file>
+
+<file path=ppt/theme/theme2.xml><?xml version="1.0" encoding="utf-8"?>
+<a:theme xmlns:a="http://schemas.openxmlformats.org/drawingml/2006/main" name="Office 테마">
+  <a:themeElements>
+    <a:clrScheme name="Office">
+      <a:dk1>
+        <a:sysClr val="windowText" lastClr="000000"/>
+      </a:dk1>
+      <a:lt1>
+        <a:sysClr val="window" lastClr="FFFFFF"/>
+      </a:lt1>
+      <a:dk2>
+        <a:srgbClr val="1F497D"/>
+      </a:dk2>
+      <a:lt2>
+        <a:srgbClr val="EEECE1"/>
+      </a:lt2>
+      <a:accent1>
+        <a:srgbClr val="4F81BD"/>
+      </a:accent1>
+      <a:accent2>
+        <a:srgbClr val="C0504D"/>
+      </a:accent2>
+      <a:accent3>
+        <a:srgbClr val="9BBB59"/>
+      </a:accent3>
+      <a:accent4>
+        <a:srgbClr val="8064A2"/>
+      </a:accent4>
+      <a:accent5>
+        <a:srgbClr val="4BACC6"/>
+      </a:accent5>
+      <a:accent6>
+        <a:srgbClr val="F79646"/>
+      </a:accent6>
+      <a:hlink>
+        <a:srgbClr val="0000FF"/>
+      </a:hlink>
+      <a:folHlink>
+        <a:srgbClr val="800080"/>
+      </a:folHlink>
+    </a:clrScheme>
+    <a:fontScheme name="Office">
+      <a:majorFont>
+        <a:latin typeface="맑은 고딕"/>
+        <a:ea typeface=""/>
+        <a:cs typeface=""/>
+        <a:font script="Jpan" typeface="ＭＳ Ｐゴシック"/>
+        <a:font script="Hang" typeface="맑은 고딕"/>
+        <a:font script="Hans" typeface="宋体"/>
+        <a:font script="Hant" typeface="新細明體"/>
+        <a:font script="Arab" typeface="Times New Roman"/>
+        <a:font script="Hebr" typeface="Times New Roman"/>
+        <a:font script="Thai" typeface="Angsana New"/>
+        <a:font script="Ethi" typeface="Nyala"/>
+        <a:font script="Beng" typeface="Vrinda"/>
+        <a:font script="Gujr" typeface="Shruti"/>
+        <a:font script="Khmr" typeface="MoolBoran"/>
+        <a:font script="Knda" typeface="Tunga"/>
+        <a:font script="Guru" typeface="Raavi"/>
+        <a:font script="Cans" typeface="Euphemia"/>
+        <a:font script="Cher" typeface="Plantagenet Cherokee"/>
+        <a:font script="Yiii" typeface="Microsoft Yi Baiti"/>
+        <a:font script="Tibt" typeface="Microsoft Himalaya"/>
+        <a:font script="Thaa" typeface="MV Boli"/>
+        <a:font script="Deva" typeface="Mangal"/>
+        <a:font script="Telu" typeface="Gautami"/>
+        <a:font script="Taml" typeface="Latha"/>
+        <a:font script="Syrc" typeface="Estrangelo Edessa"/>
+        <a:font script="Orya" typeface="Kalinga"/>
+        <a:font script="Mlym" typeface="Kartika"/>
+        <a:font script="Laoo" typeface="DokChampa"/>
+        <a:font script="Sinh" typeface="Iskoola Pota"/>
+        <a:font script="Mong" typeface="Mongolian Baiti"/>
+        <a:font script="Viet" typeface="Times New Roman"/>
+        <a:font script="Uigh" typeface="Microsoft Uighur"/>
+      </a:majorFont>
+      <a:minorFont>
+        <a:latin typeface="맑은 고딕"/>
+        <a:ea typeface=""/>
+        <a:cs typeface=""/>
+        <a:font script="Jpan" typeface="ＭＳ Ｐゴシック"/>
+        <a:font script="Hang" typeface="맑은 고딕"/>
+        <a:font script="Hans" typeface="宋体"/>
+        <a:font script="Hant" typeface="新細明體"/>
+        <a:font script="Arab" typeface="Arial"/>
+        <a:font script="Hebr" typeface="Arial"/>
+        <a:font script="Thai" typeface="Cordia New"/>
+        <a:font script="Ethi" typeface="Nyala"/>
+        <a:font script="Beng" typeface="Vrinda"/>
+        <a:font script="Gujr" typeface="Shruti"/>
+        <a:font script="Khmr" typeface="DaunPenh"/>
+        <a:font script="Knda" typeface="Tunga"/>
+        <a:font script="Guru" typeface="Raavi"/>
+        <a:font script="Cans" typeface="Euphemia"/>
+        <a:font script="Cher" typeface="Plantagenet Cherokee"/>
+        <a:font script="Yiii" typeface="Microsoft Yi Baiti"/>
+        <a:font script="Tibt" typeface="Microsoft Himalaya"/>
+        <a:font script="Thaa" typeface="MV Boli"/>
+        <a:font script="Deva" typeface="Mangal"/>
+        <a:font script="Telu" typeface="Gautami"/>
+        <a:font script="Taml" typeface="Latha"/>
+        <a:font script="Syrc" typeface="Estrangelo Edessa"/>
+        <a:font script="Orya" typeface="Kalinga"/>
+        <a:font script="Mlym" typeface="Kartika"/>
+        <a:font script="Laoo" typeface="DokChampa"/>
+        <a:font script="Sinh" typeface="Iskoola Pota"/>
+        <a:font script="Mong" typeface="Mongolian Baiti"/>
+        <a:font script="Viet" typeface="Arial"/>
+        <a:font script="Uigh" typeface="Microsoft Uighur"/>
+      </a:minorFont>
+    </a:fontScheme>
+    <a:fmtScheme name="Office">
+      <a:fillStyleLst>
+        <a:solidFill>
+          <a:schemeClr val="phClr"/>
+        </a:solidFill>
+        <a:gradFill rotWithShape="1">
+          <a:gsLst>
+            <a:gs pos="0">
+              <a:schemeClr val="phClr">
+                <a:tint val="50000"/>
+                <a:satMod val="300000"/>
+              </a:schemeClr>
+            </a:gs>
+            <a:gs pos="35000">
+              <a:schemeClr val="phClr">
+                <a:tint val="37000"/>
+                <a:satMod val="300000"/>
+              </a:schemeClr>
+            </a:gs>
+            <a:gs pos="100000">
+              <a:schemeClr val="phClr">
+                <a:tint val="15000"/>
+                <a:satMod val="350000"/>
+              </a:schemeClr>
+            </a:gs>
+          </a:gsLst>
+          <a:lin ang="16200000" scaled="1"/>
+        </a:gradFill>
+        <a:gradFill rotWithShape="1">
+          <a:gsLst>
+            <a:gs pos="0">
+              <a:schemeClr val="phClr">
+                <a:shade val="51000"/>
+                <a:satMod val="130000"/>
+              </a:schemeClr>
+            </a:gs>
+            <a:gs pos="80000">
+              <a:schemeClr val="phClr">
+                <a:shade val="93000"/>
+                <a:satMod val="130000"/>
+              </a:schemeClr>
+            </a:gs>
+            <a:gs pos="100000">
+              <a:schemeClr val="phClr">
+                <a:shade val="94000"/>
+                <a:satMod val="135000"/>
+              </a:schemeClr>
+            </a:gs>
+          </a:gsLst>
+          <a:lin ang="16200000" scaled="0"/>
+        </a:gradFill>
+      </a:fillStyleLst>
+      <a:lnStyleLst>
+        <a:ln w="9525" cap="flat" cmpd="sng" algn="ctr">
+          <a:solidFill>
+            <a:schemeClr val="phClr">
+              <a:shade val="95000"/>
+              <a:satMod val="105000"/>
+            </a:schemeClr>
+          </a:solidFill>
+          <a:prstDash val="solid"/>
+        </a:ln>
+        <a:ln w="25400" cap="flat" cmpd="sng" algn="ctr">
+          <a:solidFill>
+            <a:schemeClr val="phClr"/>
+          </a:solidFill>
+          <a:prstDash val="solid"/>
+        </a:ln>
+        <a:ln w="38100" cap="flat" cmpd="sng" algn="ctr">
+          <a:solidFill>
+            <a:schemeClr val="phClr"/>
+          </a:solidFill>
+          <a:prstDash val="solid"/>
+        </a:ln>
+      </a:lnStyleLst>
+      <a:effectStyleLst>
+        <a:effectStyle>
+          <a:effectLst>
+            <a:outerShdw blurRad="40000" dist="20000" dir="5400000" rotWithShape="0">
+              <a:srgbClr val="000000">
+                <a:alpha val="38000"/>
+              </a:srgbClr>
+            </a:outerShdw>
+          </a:effectLst>
+        </a:effectStyle>
+        <a:effectStyle>
+          <a:effectLst>
+            <a:outerShdw blurRad="40000" dist="23000" dir="5400000" rotWithShape="0">
+              <a:srgbClr val="000000">
+                <a:alpha val="35000"/>
+              </a:srgbClr>
+            </a:outerShdw>
+          </a:effectLst>
+        </a:effectStyle>
+        <a:effectStyle>
+          <a:effectLst>
+            <a:outerShdw blurRad="40000" dist="23000" dir="5400000" rotWithShape="0">
+              <a:srgbClr val="000000">
+                <a:alpha val="35000"/>
+              </a:srgbClr>
+            </a:outerShdw>
+          </a:effectLst>
+          <a:scene3d>
+            <a:camera prst="orthographicFront">
+              <a:rot lat="0" lon="0" rev="0"/>
+            </a:camera>
+            <a:lightRig rig="threePt" dir="t">
+              <a:rot lat="0" lon="0" rev="1200000"/>
+            </a:lightRig>
+          </a:scene3d>
+          <a:sp3d>
+            <a:bevelT w="63500" h="25400"/>
+          </a:sp3d>
+        </a:effectStyle>
+      </a:effectStyleLst>
+      <a:bgFillStyleLst>
+        <a:solidFill>
+          <a:schemeClr val="phClr"/>
+        </a:solidFill>
+        <a:gradFill rotWithShape="1">
+          <a:gsLst>
+            <a:gs pos="0">
+              <a:schemeClr val="phClr">
+                <a:tint val="40000"/>
+                <a:satMod val="350000"/>
+              </a:schemeClr>
+            </a:gs>
+            <a:gs pos="40000">
+              <a:schemeClr val="phClr">
+                <a:tint val="45000"/>
+                <a:shade val="99000"/>
+                <a:satMod val="350000"/>
+              </a:schemeClr>
+            </a:gs>
+            <a:gs pos="100000">
+              <a:schemeClr val="phClr">
+                <a:shade val="20000"/>
+                <a:satMod val="255000"/>
+              </a:schemeClr>
+            </a:gs>
+          </a:gsLst>
+          <a:path path="circle">
+            <a:fillToRect l="50000" t="-80000" r="50000" b="180000"/>
+          </a:path>
+        </a:gradFill>
+        <a:gradFill rotWithShape="1">
+          <a:gsLst>
+            <a:gs pos="0">
+              <a:schemeClr val="phClr">
+                <a:tint val="80000"/>
+                <a:satMod val="300000"/>
+              </a:schemeClr>
+            </a:gs>
+            <a:gs pos="100000">
+              <a:schemeClr val="phClr">
+                <a:shade val="30000"/>
+                <a:satMod val="200000"/>
+              </a:schemeClr>
+            </a:gs>
+          </a:gsLst>
+          <a:path path="circle">
+            <a:fillToRect l="50000" t="50000" r="50000" b="50000"/>
+          </a:path>
+        </a:gradFill>
+      </a:bgFillStyleLst>
+    </a:fmtScheme>
+  </a:themeElements>
+  <a:objectDefaults/>
+  <a:extraClrSchemeLst/>
+</a:theme>
 </file>
--- a/Monitoring/Flowchart.pptx
+++ b/Monitoring/Flowchart.pptx
@@ -5,7 +5,7 @@
     <p:sldMasterId id="2147483648" r:id="rId1"/>
   </p:sldMasterIdLst>
   <p:notesMasterIdLst>
-    <p:notesMasterId r:id="rId7"/>
+    <p:notesMasterId r:id="rId9"/>
   </p:notesMasterIdLst>
   <p:sldIdLst>
     <p:sldId id="256" r:id="rId2"/>
@@ -13,6 +13,8 @@
     <p:sldId id="260" r:id="rId4"/>
     <p:sldId id="262" r:id="rId5"/>
     <p:sldId id="261" r:id="rId6"/>
+    <p:sldId id="263" r:id="rId7"/>
+    <p:sldId id="264" r:id="rId8"/>
   </p:sldIdLst>
   <p:sldSz cx="9144000" cy="6858000" type="screen4x3"/>
   <p:notesSz cx="6858000" cy="9144000"/>
@@ -8906,6 +8908,50 @@
             <a:r>
               <a:rPr lang="en-US" altLang="ko-KR" dirty="0" smtClean="0"/>
               <a:t>Flow Chart</a:t>
+            </a:r>
+            <a:endParaRPr lang="ko-KR" altLang="en-US" dirty="0"/>
+          </a:p>
+        </p:txBody>
+      </p:sp>
+      <p:sp>
+        <p:nvSpPr>
+          <p:cNvPr id="92" name="순서도: 연결자 91"/>
+          <p:cNvSpPr/>
+          <p:nvPr/>
+        </p:nvSpPr>
+        <p:spPr>
+          <a:xfrm>
+            <a:off x="1187624" y="332656"/>
+            <a:ext cx="216024" cy="216024"/>
+          </a:xfrm>
+          <a:prstGeom prst="flowChartConnector">
+            <a:avLst/>
+          </a:prstGeom>
+        </p:spPr>
+        <p:style>
+          <a:lnRef idx="2">
+            <a:schemeClr val="accent1">
+              <a:shade val="50000"/>
+            </a:schemeClr>
+          </a:lnRef>
+          <a:fillRef idx="1">
+            <a:schemeClr val="accent1"/>
+          </a:fillRef>
+          <a:effectRef idx="0">
+            <a:schemeClr val="accent1"/>
+          </a:effectRef>
+          <a:fontRef idx="minor">
+            <a:schemeClr val="lt1"/>
+          </a:fontRef>
+        </p:style>
+        <p:txBody>
+          <a:bodyPr rtlCol="0" anchor="ctr"/>
+          <a:lstStyle/>
+          <a:p>
+            <a:pPr algn="ctr"/>
+            <a:r>
+              <a:rPr lang="en-US" altLang="ko-KR" dirty="0" smtClean="0"/>
+              <a:t>1</a:t>
             </a:r>
             <a:endParaRPr lang="ko-KR" altLang="en-US" dirty="0"/>
           </a:p>
@@ -11254,7 +11300,19 @@
           <a:p>
             <a:r>
               <a:rPr lang="en-US" altLang="ko-KR" dirty="0" smtClean="0"/>
-              <a:t>File Condition Match</a:t>
+              <a:t>Load </a:t>
+            </a:r>
+            <a:r>
+              <a:rPr lang="en-US" altLang="ko-KR" dirty="0" err="1" smtClean="0"/>
+              <a:t>Config</a:t>
+            </a:r>
+            <a:r>
+              <a:rPr lang="en-US" altLang="ko-KR" dirty="0" smtClean="0"/>
+              <a:t> </a:t>
+            </a:r>
+            <a:r>
+              <a:rPr lang="en-US" altLang="ko-KR" dirty="0" smtClean="0"/>
+              <a:t>File</a:t>
             </a:r>
             <a:endParaRPr lang="ko-KR" altLang="en-US" dirty="0"/>
           </a:p>
@@ -11334,56 +11392,18 @@
           </a:p>
         </p:txBody>
       </p:sp>
-      <p:cxnSp>
-        <p:nvCxnSpPr>
-          <p:cNvPr id="8" name="직선 화살표 연결선 7"/>
-          <p:cNvCxnSpPr>
-            <a:endCxn id="10" idx="0"/>
-          </p:cNvCxnSpPr>
-          <p:nvPr/>
-        </p:nvCxnSpPr>
-        <p:spPr>
-          <a:xfrm>
-            <a:off x="2051720" y="764704"/>
-            <a:ext cx="0" cy="504056"/>
-          </a:xfrm>
-          <a:prstGeom prst="straightConnector1">
-            <a:avLst/>
-          </a:prstGeom>
-          <a:ln w="12700">
-            <a:solidFill>
-              <a:schemeClr val="tx1"/>
-            </a:solidFill>
-            <a:tailEnd type="triangle"/>
-          </a:ln>
-        </p:spPr>
-        <p:style>
-          <a:lnRef idx="1">
-            <a:schemeClr val="accent1"/>
-          </a:lnRef>
-          <a:fillRef idx="0">
-            <a:schemeClr val="accent1"/>
-          </a:fillRef>
-          <a:effectRef idx="0">
-            <a:schemeClr val="accent1"/>
-          </a:effectRef>
-          <a:fontRef idx="minor">
-            <a:schemeClr val="tx1"/>
-          </a:fontRef>
-        </p:style>
-      </p:cxnSp>
-      <p:sp>
-        <p:nvSpPr>
-          <p:cNvPr id="10" name="순서도: 판단 9"/>
+      <p:sp>
+        <p:nvSpPr>
+          <p:cNvPr id="14" name="평행 사변형 13"/>
           <p:cNvSpPr/>
           <p:nvPr/>
         </p:nvSpPr>
         <p:spPr>
           <a:xfrm>
-            <a:off x="899592" y="1268760"/>
-            <a:ext cx="2304256" cy="1008112"/>
-          </a:xfrm>
-          <a:prstGeom prst="flowChartDecision">
+            <a:off x="971600" y="1124744"/>
+            <a:ext cx="1224136" cy="360040"/>
+          </a:xfrm>
+          <a:prstGeom prst="parallelogram">
             <a:avLst/>
           </a:prstGeom>
           <a:noFill/>
@@ -11410,59 +11430,30 @@
           </a:fontRef>
         </p:style>
         <p:txBody>
-          <a:bodyPr rtlCol="0" anchor="ctr"/>
+          <a:bodyPr lIns="36000" tIns="36000" rIns="36000" bIns="36000" rtlCol="0" anchor="ctr"/>
           <a:lstStyle/>
           <a:p>
             <a:pPr algn="ctr"/>
-            <a:r>
-              <a:rPr lang="en-US" altLang="ko-KR" sz="1000" dirty="0" err="1" smtClean="0">
-                <a:solidFill>
-                  <a:schemeClr val="tx1"/>
-                </a:solidFill>
-              </a:rPr>
-              <a:t>objList</a:t>
-            </a:r>
-            <a:r>
-              <a:rPr lang="ko-KR" altLang="en-US" sz="1000" dirty="0" smtClean="0">
-                <a:solidFill>
-                  <a:schemeClr val="tx1"/>
-                </a:solidFill>
-              </a:rPr>
-              <a:t>의 </a:t>
-            </a:r>
             <a:r>
               <a:rPr lang="en-US" altLang="ko-KR" sz="1000" dirty="0" smtClean="0">
                 <a:solidFill>
                   <a:schemeClr val="tx1"/>
                 </a:solidFill>
               </a:rPr>
-              <a:t>Size</a:t>
-            </a:r>
-            <a:r>
-              <a:rPr lang="ko-KR" altLang="en-US" sz="1000" dirty="0" smtClean="0">
-                <a:solidFill>
-                  <a:schemeClr val="tx1"/>
-                </a:solidFill>
-              </a:rPr>
-              <a:t>와 실제 </a:t>
-            </a:r>
+              <a:t>Read 1 Line in</a:t>
+            </a:r>
+          </a:p>
+          <a:p>
+            <a:pPr algn="ctr"/>
             <a:r>
               <a:rPr lang="en-US" altLang="ko-KR" sz="1000" dirty="0" smtClean="0">
                 <a:solidFill>
                   <a:schemeClr val="tx1"/>
                 </a:solidFill>
               </a:rPr>
-              <a:t>File Size</a:t>
-            </a:r>
-            <a:r>
-              <a:rPr lang="ko-KR" altLang="en-US" sz="1000" dirty="0" smtClean="0">
-                <a:solidFill>
-                  <a:schemeClr val="tx1"/>
-                </a:solidFill>
-              </a:rPr>
-              <a:t>비교 후 크기 조건 맞으면</a:t>
-            </a:r>
-            <a:endParaRPr lang="en-US" altLang="ko-KR" sz="1000" dirty="0" smtClean="0">
+              <a:t>CONFIG.TXT</a:t>
+            </a:r>
+            <a:endParaRPr lang="ko-KR" altLang="en-US" sz="1000" dirty="0" smtClean="0">
               <a:solidFill>
                 <a:schemeClr val="tx1"/>
               </a:solidFill>
@@ -11470,56 +11461,18 @@
           </a:p>
         </p:txBody>
       </p:sp>
-      <p:cxnSp>
-        <p:nvCxnSpPr>
-          <p:cNvPr id="13" name="직선 화살표 연결선 12"/>
-          <p:cNvCxnSpPr>
-            <a:stCxn id="10" idx="2"/>
-          </p:cNvCxnSpPr>
-          <p:nvPr/>
-        </p:nvCxnSpPr>
-        <p:spPr>
-          <a:xfrm>
-            <a:off x="2051720" y="2276872"/>
-            <a:ext cx="0" cy="504056"/>
-          </a:xfrm>
-          <a:prstGeom prst="straightConnector1">
-            <a:avLst/>
-          </a:prstGeom>
-          <a:ln w="12700">
-            <a:solidFill>
-              <a:schemeClr val="tx1"/>
-            </a:solidFill>
-            <a:tailEnd type="triangle"/>
-          </a:ln>
-        </p:spPr>
-        <p:style>
-          <a:lnRef idx="1">
-            <a:schemeClr val="accent1"/>
-          </a:lnRef>
-          <a:fillRef idx="0">
-            <a:schemeClr val="accent1"/>
-          </a:fillRef>
-          <a:effectRef idx="0">
-            <a:schemeClr val="accent1"/>
-          </a:effectRef>
-          <a:fontRef idx="minor">
-            <a:schemeClr val="tx1"/>
-          </a:fontRef>
-        </p:style>
-      </p:cxnSp>
-      <p:sp>
-        <p:nvSpPr>
-          <p:cNvPr id="16" name="순서도: 판단 15"/>
+      <p:sp>
+        <p:nvSpPr>
+          <p:cNvPr id="15" name="직사각형 14"/>
           <p:cNvSpPr/>
           <p:nvPr/>
         </p:nvSpPr>
         <p:spPr>
           <a:xfrm>
-            <a:off x="971600" y="3212976"/>
-            <a:ext cx="2304256" cy="1008112"/>
-          </a:xfrm>
-          <a:prstGeom prst="flowChartDecision">
+            <a:off x="935596" y="2564904"/>
+            <a:ext cx="1296144" cy="432048"/>
+          </a:xfrm>
+          <a:prstGeom prst="rect">
             <a:avLst/>
           </a:prstGeom>
           <a:noFill/>
@@ -11551,12 +11504,12 @@
           <a:p>
             <a:pPr algn="ctr"/>
             <a:r>
-              <a:rPr lang="en-US" altLang="ko-KR" sz="1000" dirty="0" err="1" smtClean="0">
+              <a:rPr lang="en-US" altLang="ko-KR" sz="1000" dirty="0" smtClean="0">
                 <a:solidFill>
                   <a:schemeClr val="tx1"/>
                 </a:solidFill>
               </a:rPr>
-              <a:t>objList</a:t>
+              <a:t>Monitoring List</a:t>
             </a:r>
             <a:r>
               <a:rPr lang="ko-KR" altLang="en-US" sz="1000" dirty="0" smtClean="0">
@@ -11564,7 +11517,7 @@
                   <a:schemeClr val="tx1"/>
                 </a:solidFill>
               </a:rPr>
-              <a:t>의 </a:t>
+              <a:t>에 </a:t>
             </a:r>
             <a:r>
               <a:rPr lang="en-US" altLang="ko-KR" sz="1000" dirty="0" smtClean="0">
@@ -11572,7 +11525,7 @@
                   <a:schemeClr val="tx1"/>
                 </a:solidFill>
               </a:rPr>
-              <a:t>Size</a:t>
+              <a:t>line </a:t>
             </a:r>
             <a:r>
               <a:rPr lang="ko-KR" altLang="en-US" sz="1000" dirty="0" smtClean="0">
@@ -11580,142 +11533,23 @@
                   <a:schemeClr val="tx1"/>
                 </a:solidFill>
               </a:rPr>
-              <a:t>와 실제 </a:t>
-            </a:r>
-            <a:r>
-              <a:rPr lang="en-US" altLang="ko-KR" sz="1000" dirty="0" smtClean="0">
-                <a:solidFill>
-                  <a:schemeClr val="tx1"/>
-                </a:solidFill>
-              </a:rPr>
-              <a:t>File Size</a:t>
-            </a:r>
-            <a:r>
-              <a:rPr lang="ko-KR" altLang="en-US" sz="1000" dirty="0" smtClean="0">
-                <a:solidFill>
-                  <a:schemeClr val="tx1"/>
-                </a:solidFill>
-              </a:rPr>
-              <a:t>비교 후 크기 조건 맞으면</a:t>
-            </a:r>
-            <a:endParaRPr lang="en-US" altLang="ko-KR" sz="1000" dirty="0" smtClean="0">
-              <a:solidFill>
-                <a:schemeClr val="tx1"/>
-              </a:solidFill>
-            </a:endParaRPr>
-          </a:p>
-        </p:txBody>
-      </p:sp>
-      <p:sp>
-        <p:nvSpPr>
-          <p:cNvPr id="17" name="TextBox 16"/>
-          <p:cNvSpPr txBox="1"/>
-          <p:nvPr/>
-        </p:nvSpPr>
-        <p:spPr>
-          <a:xfrm>
-            <a:off x="2051720" y="2276872"/>
-            <a:ext cx="288032" cy="215444"/>
-          </a:xfrm>
-          <a:prstGeom prst="rect">
-            <a:avLst/>
-          </a:prstGeom>
-          <a:noFill/>
-        </p:spPr>
-        <p:txBody>
-          <a:bodyPr wrap="square" rtlCol="0">
-            <a:spAutoFit/>
-          </a:bodyPr>
-          <a:lstStyle/>
-          <a:p>
-            <a:r>
-              <a:rPr lang="en-US" altLang="ko-KR" sz="800" dirty="0" smtClean="0"/>
-              <a:t>Y</a:t>
-            </a:r>
-            <a:endParaRPr lang="ko-KR" altLang="en-US" sz="800" dirty="0"/>
-          </a:p>
-        </p:txBody>
-      </p:sp>
-      <p:sp>
-        <p:nvSpPr>
-          <p:cNvPr id="18" name="TextBox 17"/>
-          <p:cNvSpPr txBox="1"/>
-          <p:nvPr/>
-        </p:nvSpPr>
-        <p:spPr>
-          <a:xfrm>
-            <a:off x="611560" y="1556792"/>
-            <a:ext cx="288032" cy="215444"/>
-          </a:xfrm>
-          <a:prstGeom prst="rect">
-            <a:avLst/>
-          </a:prstGeom>
-          <a:noFill/>
-        </p:spPr>
-        <p:txBody>
-          <a:bodyPr wrap="square" rtlCol="0">
-            <a:spAutoFit/>
-          </a:bodyPr>
-          <a:lstStyle/>
-          <a:p>
-            <a:r>
-              <a:rPr lang="en-US" altLang="ko-KR" sz="800" dirty="0" smtClean="0"/>
-              <a:t>N</a:t>
-            </a:r>
-            <a:endParaRPr lang="ko-KR" altLang="en-US" sz="800" dirty="0"/>
-          </a:p>
-        </p:txBody>
-      </p:sp>
-      <p:cxnSp>
-        <p:nvCxnSpPr>
-          <p:cNvPr id="19" name="직선 화살표 연결선 18"/>
-          <p:cNvCxnSpPr>
-            <a:stCxn id="10" idx="1"/>
-          </p:cNvCxnSpPr>
-          <p:nvPr/>
-        </p:nvCxnSpPr>
-        <p:spPr>
-          <a:xfrm flipH="1">
-            <a:off x="251520" y="1772816"/>
-            <a:ext cx="648072" cy="0"/>
-          </a:xfrm>
-          <a:prstGeom prst="straightConnector1">
-            <a:avLst/>
-          </a:prstGeom>
-          <a:ln w="12700">
-            <a:solidFill>
-              <a:schemeClr val="tx1"/>
-            </a:solidFill>
-            <a:tailEnd type="triangle"/>
-          </a:ln>
-        </p:spPr>
-        <p:style>
-          <a:lnRef idx="1">
-            <a:schemeClr val="accent1"/>
-          </a:lnRef>
-          <a:fillRef idx="0">
-            <a:schemeClr val="accent1"/>
-          </a:fillRef>
-          <a:effectRef idx="0">
-            <a:schemeClr val="accent1"/>
-          </a:effectRef>
-          <a:fontRef idx="minor">
-            <a:schemeClr val="tx1"/>
-          </a:fontRef>
-        </p:style>
-      </p:cxnSp>
-      <p:sp>
-        <p:nvSpPr>
-          <p:cNvPr id="14" name="평행 사변형 13"/>
+              <a:t>추가</a:t>
+            </a:r>
+          </a:p>
+        </p:txBody>
+      </p:sp>
+      <p:sp>
+        <p:nvSpPr>
+          <p:cNvPr id="20" name="순서도: 판단 19"/>
           <p:cNvSpPr/>
           <p:nvPr/>
         </p:nvSpPr>
         <p:spPr>
           <a:xfrm>
-            <a:off x="5679122" y="2024843"/>
-            <a:ext cx="1224136" cy="360040"/>
-          </a:xfrm>
-          <a:prstGeom prst="parallelogram">
+            <a:off x="827584" y="1844824"/>
+            <a:ext cx="1512168" cy="438398"/>
+          </a:xfrm>
+          <a:prstGeom prst="flowChartDecision">
             <a:avLst/>
           </a:prstGeom>
           <a:noFill/>
@@ -11742,7 +11576,7 @@
           </a:fontRef>
         </p:style>
         <p:txBody>
-          <a:bodyPr lIns="36000" tIns="36000" rIns="36000" bIns="36000" rtlCol="0" anchor="ctr"/>
+          <a:bodyPr rtlCol="0" anchor="ctr"/>
           <a:lstStyle/>
           <a:p>
             <a:pPr algn="ctr"/>
@@ -11752,18 +11586,7 @@
                   <a:schemeClr val="tx1"/>
                 </a:solidFill>
               </a:rPr>
-              <a:t>Read 1 Line in</a:t>
-            </a:r>
-          </a:p>
-          <a:p>
-            <a:pPr algn="ctr"/>
-            <a:r>
-              <a:rPr lang="en-US" altLang="ko-KR" sz="1000" dirty="0" smtClean="0">
-                <a:solidFill>
-                  <a:schemeClr val="tx1"/>
-                </a:solidFill>
-              </a:rPr>
-              <a:t>CONFIG.TXT</a:t>
+              <a:t>EOF?</a:t>
             </a:r>
             <a:endParaRPr lang="ko-KR" altLang="en-US" sz="1000" dirty="0" smtClean="0">
               <a:solidFill>
@@ -11775,13 +11598,13 @@
       </p:sp>
       <p:sp>
         <p:nvSpPr>
-          <p:cNvPr id="15" name="직사각형 14"/>
+          <p:cNvPr id="21" name="직사각형 20"/>
           <p:cNvSpPr/>
           <p:nvPr/>
         </p:nvSpPr>
         <p:spPr>
           <a:xfrm>
-            <a:off x="5643118" y="3465003"/>
+            <a:off x="935596" y="3212976"/>
             <a:ext cx="1296144" cy="432048"/>
           </a:xfrm>
           <a:prstGeom prst="rect">
@@ -11816,141 +11639,6 @@
           <a:p>
             <a:pPr algn="ctr"/>
             <a:r>
-              <a:rPr lang="en-US" altLang="ko-KR" sz="1000" dirty="0" err="1" smtClean="0">
-                <a:solidFill>
-                  <a:schemeClr val="tx1"/>
-                </a:solidFill>
-              </a:rPr>
-              <a:t>mInfoList</a:t>
-            </a:r>
-            <a:r>
-              <a:rPr lang="ko-KR" altLang="en-US" sz="1000" dirty="0" smtClean="0">
-                <a:solidFill>
-                  <a:schemeClr val="tx1"/>
-                </a:solidFill>
-              </a:rPr>
-              <a:t>에 </a:t>
-            </a:r>
-            <a:r>
-              <a:rPr lang="en-US" altLang="ko-KR" sz="1000" dirty="0" smtClean="0">
-                <a:solidFill>
-                  <a:schemeClr val="tx1"/>
-                </a:solidFill>
-              </a:rPr>
-              <a:t>line </a:t>
-            </a:r>
-            <a:r>
-              <a:rPr lang="ko-KR" altLang="en-US" sz="1000" dirty="0" smtClean="0">
-                <a:solidFill>
-                  <a:schemeClr val="tx1"/>
-                </a:solidFill>
-              </a:rPr>
-              <a:t>추가</a:t>
-            </a:r>
-          </a:p>
-        </p:txBody>
-      </p:sp>
-      <p:sp>
-        <p:nvSpPr>
-          <p:cNvPr id="20" name="순서도: 판단 19"/>
-          <p:cNvSpPr/>
-          <p:nvPr/>
-        </p:nvSpPr>
-        <p:spPr>
-          <a:xfrm>
-            <a:off x="5535106" y="2744923"/>
-            <a:ext cx="1512168" cy="438398"/>
-          </a:xfrm>
-          <a:prstGeom prst="flowChartDecision">
-            <a:avLst/>
-          </a:prstGeom>
-          <a:noFill/>
-          <a:ln w="19050">
-            <a:solidFill>
-              <a:schemeClr val="tx1"/>
-            </a:solidFill>
-          </a:ln>
-        </p:spPr>
-        <p:style>
-          <a:lnRef idx="2">
-            <a:schemeClr val="accent1">
-              <a:shade val="50000"/>
-            </a:schemeClr>
-          </a:lnRef>
-          <a:fillRef idx="1">
-            <a:schemeClr val="accent1"/>
-          </a:fillRef>
-          <a:effectRef idx="0">
-            <a:schemeClr val="accent1"/>
-          </a:effectRef>
-          <a:fontRef idx="minor">
-            <a:schemeClr val="lt1"/>
-          </a:fontRef>
-        </p:style>
-        <p:txBody>
-          <a:bodyPr rtlCol="0" anchor="ctr"/>
-          <a:lstStyle/>
-          <a:p>
-            <a:pPr algn="ctr"/>
-            <a:r>
-              <a:rPr lang="en-US" altLang="ko-KR" sz="1000" dirty="0" smtClean="0">
-                <a:solidFill>
-                  <a:schemeClr val="tx1"/>
-                </a:solidFill>
-              </a:rPr>
-              <a:t>EOF?</a:t>
-            </a:r>
-            <a:endParaRPr lang="ko-KR" altLang="en-US" sz="1000" dirty="0" smtClean="0">
-              <a:solidFill>
-                <a:schemeClr val="tx1"/>
-              </a:solidFill>
-            </a:endParaRPr>
-          </a:p>
-        </p:txBody>
-      </p:sp>
-      <p:sp>
-        <p:nvSpPr>
-          <p:cNvPr id="21" name="직사각형 20"/>
-          <p:cNvSpPr/>
-          <p:nvPr/>
-        </p:nvSpPr>
-        <p:spPr>
-          <a:xfrm>
-            <a:off x="5643118" y="4113075"/>
-            <a:ext cx="1296144" cy="432048"/>
-          </a:xfrm>
-          <a:prstGeom prst="rect">
-            <a:avLst/>
-          </a:prstGeom>
-          <a:noFill/>
-          <a:ln w="19050">
-            <a:solidFill>
-              <a:schemeClr val="tx1"/>
-            </a:solidFill>
-          </a:ln>
-        </p:spPr>
-        <p:style>
-          <a:lnRef idx="2">
-            <a:schemeClr val="accent1">
-              <a:shade val="50000"/>
-            </a:schemeClr>
-          </a:lnRef>
-          <a:fillRef idx="1">
-            <a:schemeClr val="accent1"/>
-          </a:fillRef>
-          <a:effectRef idx="0">
-            <a:schemeClr val="accent1"/>
-          </a:effectRef>
-          <a:fontRef idx="minor">
-            <a:schemeClr val="lt1"/>
-          </a:fontRef>
-        </p:style>
-        <p:txBody>
-          <a:bodyPr rtlCol="0" anchor="ctr"/>
-          <a:lstStyle/>
-          <a:p>
-            <a:pPr algn="ctr"/>
-            <a:r>
               <a:rPr lang="en-US" altLang="ko-KR" sz="1000" dirty="0" smtClean="0">
                 <a:solidFill>
                   <a:schemeClr val="tx1"/>
@@ -11972,7 +11660,7 @@
         </p:nvCxnSpPr>
         <p:spPr>
           <a:xfrm>
-            <a:off x="6291190" y="2384883"/>
+            <a:off x="1583668" y="1484784"/>
             <a:ext cx="0" cy="360040"/>
           </a:xfrm>
           <a:prstGeom prst="straightConnector1">
@@ -12011,7 +11699,7 @@
         </p:nvCxnSpPr>
         <p:spPr>
           <a:xfrm>
-            <a:off x="6291190" y="3183321"/>
+            <a:off x="1583668" y="2283222"/>
             <a:ext cx="0" cy="281682"/>
           </a:xfrm>
           <a:prstGeom prst="straightConnector1">
@@ -12050,7 +11738,7 @@
         </p:nvCxnSpPr>
         <p:spPr>
           <a:xfrm>
-            <a:off x="6291190" y="3897051"/>
+            <a:off x="1583668" y="2996952"/>
             <a:ext cx="0" cy="216024"/>
           </a:xfrm>
           <a:prstGeom prst="straightConnector1">
@@ -12089,7 +11777,7 @@
         </p:nvCxnSpPr>
         <p:spPr>
           <a:xfrm rot="5400000" flipH="1">
-            <a:off x="4837529" y="3091462"/>
+            <a:off x="130007" y="2191363"/>
             <a:ext cx="2340260" cy="567063"/>
           </a:xfrm>
           <a:prstGeom prst="bentConnector4">
@@ -12128,7 +11816,7 @@
         </p:nvSpPr>
         <p:spPr>
           <a:xfrm>
-            <a:off x="6071662" y="3113672"/>
+            <a:off x="1364140" y="2213573"/>
             <a:ext cx="288032" cy="215444"/>
           </a:xfrm>
           <a:prstGeom prst="rect">
@@ -12150,21 +11838,155 @@
           </a:p>
         </p:txBody>
       </p:sp>
-      <p:sp>
-        <p:nvSpPr>
-          <p:cNvPr id="27" name="TextBox 26"/>
+      <p:cxnSp>
+        <p:nvCxnSpPr>
+          <p:cNvPr id="32" name="직선 화살표 연결선 31"/>
+          <p:cNvCxnSpPr/>
+          <p:nvPr/>
+        </p:nvCxnSpPr>
+        <p:spPr>
+          <a:xfrm>
+            <a:off x="1619672" y="764704"/>
+            <a:ext cx="0" cy="360040"/>
+          </a:xfrm>
+          <a:prstGeom prst="straightConnector1">
+            <a:avLst/>
+          </a:prstGeom>
+          <a:ln w="12700">
+            <a:solidFill>
+              <a:schemeClr val="tx1"/>
+            </a:solidFill>
+            <a:tailEnd type="triangle"/>
+          </a:ln>
+        </p:spPr>
+        <p:style>
+          <a:lnRef idx="1">
+            <a:schemeClr val="accent1"/>
+          </a:lnRef>
+          <a:fillRef idx="0">
+            <a:schemeClr val="accent1"/>
+          </a:fillRef>
+          <a:effectRef idx="0">
+            <a:schemeClr val="accent1"/>
+          </a:effectRef>
+          <a:fontRef idx="minor">
+            <a:schemeClr val="tx1"/>
+          </a:fontRef>
+        </p:style>
+      </p:cxnSp>
+      <p:cxnSp>
+        <p:nvCxnSpPr>
+          <p:cNvPr id="33" name="직선 화살표 연결선 32"/>
+          <p:cNvCxnSpPr>
+            <a:stCxn id="20" idx="3"/>
+          </p:cNvCxnSpPr>
+          <p:nvPr/>
+        </p:nvCxnSpPr>
+        <p:spPr>
+          <a:xfrm flipV="1">
+            <a:off x="2339752" y="2061428"/>
+            <a:ext cx="342622" cy="2595"/>
+          </a:xfrm>
+          <a:prstGeom prst="straightConnector1">
+            <a:avLst/>
+          </a:prstGeom>
+          <a:ln w="12700">
+            <a:solidFill>
+              <a:schemeClr val="tx1"/>
+            </a:solidFill>
+            <a:tailEnd type="triangle"/>
+          </a:ln>
+        </p:spPr>
+        <p:style>
+          <a:lnRef idx="1">
+            <a:schemeClr val="accent1"/>
+          </a:lnRef>
+          <a:fillRef idx="0">
+            <a:schemeClr val="accent1"/>
+          </a:fillRef>
+          <a:effectRef idx="0">
+            <a:schemeClr val="accent1"/>
+          </a:effectRef>
+          <a:fontRef idx="minor">
+            <a:schemeClr val="tx1"/>
+          </a:fontRef>
+        </p:style>
+      </p:cxnSp>
+      <p:sp>
+        <p:nvSpPr>
+          <p:cNvPr id="37" name="TextBox 36"/>
           <p:cNvSpPr txBox="1"/>
           <p:nvPr/>
         </p:nvSpPr>
         <p:spPr>
           <a:xfrm>
-            <a:off x="6920676" y="2744923"/>
-            <a:ext cx="288032" cy="215444"/>
+            <a:off x="2267744" y="1916832"/>
+            <a:ext cx="144016" cy="123111"/>
           </a:xfrm>
           <a:prstGeom prst="rect">
             <a:avLst/>
           </a:prstGeom>
           <a:noFill/>
+        </p:spPr>
+        <p:txBody>
+          <a:bodyPr wrap="square" lIns="0" tIns="0" rIns="0" bIns="0" rtlCol="0">
+            <a:spAutoFit/>
+          </a:bodyPr>
+          <a:lstStyle/>
+          <a:p>
+            <a:r>
+              <a:rPr lang="en-US" altLang="ko-KR" sz="800" dirty="0" smtClean="0"/>
+              <a:t>Y</a:t>
+            </a:r>
+            <a:endParaRPr lang="ko-KR" altLang="en-US" sz="800" dirty="0"/>
+          </a:p>
+        </p:txBody>
+      </p:sp>
+    </p:spTree>
+  </p:cSld>
+  <p:clrMapOvr>
+    <a:masterClrMapping/>
+  </p:clrMapOvr>
+</p:sld>
+</file>
+
+<file path=ppt/slides/slide6.xml><?xml version="1.0" encoding="utf-8"?>
+<p:sld xmlns:a="http://schemas.openxmlformats.org/drawingml/2006/main" xmlns:r="http://schemas.openxmlformats.org/officeDocument/2006/relationships" xmlns:p="http://schemas.openxmlformats.org/presentationml/2006/main">
+  <p:cSld>
+    <p:spTree>
+      <p:nvGrpSpPr>
+        <p:cNvPr id="1" name=""/>
+        <p:cNvGrpSpPr/>
+        <p:nvPr/>
+      </p:nvGrpSpPr>
+      <p:grpSpPr>
+        <a:xfrm>
+          <a:off x="0" y="0"/>
+          <a:ext cx="0" cy="0"/>
+          <a:chOff x="0" y="0"/>
+          <a:chExt cx="0" cy="0"/>
+        </a:xfrm>
+      </p:grpSpPr>
+      <p:sp>
+        <p:nvSpPr>
+          <p:cNvPr id="4" name="TextBox 3"/>
+          <p:cNvSpPr txBox="1"/>
+          <p:nvPr/>
+        </p:nvSpPr>
+        <p:spPr>
+          <a:xfrm>
+            <a:off x="6948264" y="188640"/>
+            <a:ext cx="1944216" cy="369332"/>
+          </a:xfrm>
+          <a:prstGeom prst="rect">
+            <a:avLst/>
+          </a:prstGeom>
+          <a:noFill/>
+          <a:ln>
+            <a:solidFill>
+              <a:schemeClr val="tx1"/>
+            </a:solidFill>
+          </a:ln>
         </p:spPr>
         <p:txBody>
           <a:bodyPr wrap="square" rtlCol="0">
@@ -12172,11 +11994,1090 @@
           </a:bodyPr>
           <a:lstStyle/>
           <a:p>
-            <a:r>
-              <a:rPr lang="en-US" altLang="ko-KR" sz="800" dirty="0" smtClean="0"/>
-              <a:t>Y</a:t>
-            </a:r>
-            <a:endParaRPr lang="ko-KR" altLang="en-US" sz="800" dirty="0"/>
+            <a:pPr algn="ctr"/>
+            <a:r>
+              <a:rPr lang="ko-KR" altLang="en-US" dirty="0" smtClean="0"/>
+              <a:t>주요 </a:t>
+            </a:r>
+            <a:r>
+              <a:rPr lang="en-US" altLang="ko-KR" dirty="0" smtClean="0"/>
+              <a:t>API</a:t>
+            </a:r>
+            <a:endParaRPr lang="ko-KR" altLang="en-US" dirty="0"/>
+          </a:p>
+        </p:txBody>
+      </p:sp>
+      <p:sp>
+        <p:nvSpPr>
+          <p:cNvPr id="5" name="TextBox 4"/>
+          <p:cNvSpPr txBox="1"/>
+          <p:nvPr/>
+        </p:nvSpPr>
+        <p:spPr>
+          <a:xfrm>
+            <a:off x="395536" y="620688"/>
+            <a:ext cx="8280920" cy="2246769"/>
+          </a:xfrm>
+          <a:prstGeom prst="rect">
+            <a:avLst/>
+          </a:prstGeom>
+          <a:noFill/>
+        </p:spPr>
+        <p:txBody>
+          <a:bodyPr wrap="square" rtlCol="0">
+            <a:spAutoFit/>
+          </a:bodyPr>
+          <a:lstStyle/>
+          <a:p>
+            <a:pPr>
+              <a:buFont typeface="Wingdings" pitchFamily="2" charset="2"/>
+              <a:buChar char="u"/>
+            </a:pPr>
+            <a:r>
+              <a:rPr lang="ko-KR" altLang="en-US" sz="1000" dirty="0" smtClean="0"/>
+              <a:t> 외부 프로그램 실행 및 콘솔 출력 가져오기</a:t>
+            </a:r>
+            <a:endParaRPr lang="en-US" altLang="ko-KR" sz="1000" dirty="0" smtClean="0"/>
+          </a:p>
+          <a:p>
+            <a:r>
+              <a:rPr lang="en-US" altLang="ko-KR" sz="1000" dirty="0" smtClean="0"/>
+              <a:t> </a:t>
+            </a:r>
+            <a:r>
+              <a:rPr lang="en-US" altLang="ko-KR" sz="1000" dirty="0" err="1" smtClean="0"/>
+              <a:t>ProcessStartInfo</a:t>
+            </a:r>
+            <a:r>
+              <a:rPr lang="en-US" altLang="ko-KR" sz="1000" dirty="0" smtClean="0"/>
+              <a:t> start = new </a:t>
+            </a:r>
+            <a:r>
+              <a:rPr lang="en-US" altLang="ko-KR" sz="1000" b="1" dirty="0" err="1" smtClean="0"/>
+              <a:t>ProcessStartInfo</a:t>
+            </a:r>
+            <a:r>
+              <a:rPr lang="en-US" altLang="ko-KR" sz="1000" dirty="0" smtClean="0"/>
+              <a:t>();</a:t>
+            </a:r>
+          </a:p>
+          <a:p>
+            <a:r>
+              <a:rPr lang="en-US" altLang="ko-KR" sz="1000" dirty="0" smtClean="0"/>
+              <a:t> </a:t>
+            </a:r>
+            <a:r>
+              <a:rPr lang="en-US" altLang="ko-KR" sz="1000" dirty="0" err="1" smtClean="0"/>
+              <a:t>start.FileName</a:t>
+            </a:r>
+            <a:r>
+              <a:rPr lang="en-US" altLang="ko-KR" sz="1000" dirty="0" smtClean="0"/>
+              <a:t> = "tasklist.exe";</a:t>
+            </a:r>
+          </a:p>
+          <a:p>
+            <a:r>
+              <a:rPr lang="en-US" altLang="ko-KR" sz="1000" dirty="0" smtClean="0"/>
+              <a:t> </a:t>
+            </a:r>
+            <a:r>
+              <a:rPr lang="en-US" altLang="ko-KR" sz="1000" dirty="0" err="1" smtClean="0"/>
+              <a:t>start.UseShellExecute</a:t>
+            </a:r>
+            <a:r>
+              <a:rPr lang="en-US" altLang="ko-KR" sz="1000" dirty="0" smtClean="0"/>
+              <a:t> = false;</a:t>
+            </a:r>
+          </a:p>
+          <a:p>
+            <a:r>
+              <a:rPr lang="en-US" altLang="ko-KR" sz="1000" dirty="0" smtClean="0"/>
+              <a:t> </a:t>
+            </a:r>
+            <a:r>
+              <a:rPr lang="en-US" altLang="ko-KR" sz="1000" dirty="0" err="1" smtClean="0"/>
+              <a:t>start.RedirectStandardOutput</a:t>
+            </a:r>
+            <a:r>
+              <a:rPr lang="en-US" altLang="ko-KR" sz="1000" dirty="0" smtClean="0"/>
+              <a:t> = true;</a:t>
+            </a:r>
+          </a:p>
+          <a:p>
+            <a:r>
+              <a:rPr lang="en-US" altLang="ko-KR" sz="1000" dirty="0" smtClean="0"/>
+              <a:t> </a:t>
+            </a:r>
+            <a:r>
+              <a:rPr lang="en-US" altLang="ko-KR" sz="1000" dirty="0" err="1" smtClean="0"/>
+              <a:t>start.CreateNoWindow</a:t>
+            </a:r>
+            <a:r>
+              <a:rPr lang="en-US" altLang="ko-KR" sz="1000" dirty="0" smtClean="0"/>
+              <a:t> = true;</a:t>
+            </a:r>
+          </a:p>
+          <a:p>
+            <a:endParaRPr lang="en-US" altLang="ko-KR" sz="1000" dirty="0" smtClean="0"/>
+          </a:p>
+          <a:p>
+            <a:r>
+              <a:rPr lang="en-US" altLang="ko-KR" sz="1000" dirty="0" smtClean="0"/>
+              <a:t> Process </a:t>
+            </a:r>
+            <a:r>
+              <a:rPr lang="en-US" altLang="ko-KR" sz="1000" dirty="0" err="1" smtClean="0"/>
+              <a:t>process</a:t>
+            </a:r>
+            <a:r>
+              <a:rPr lang="en-US" altLang="ko-KR" sz="1000" dirty="0" smtClean="0"/>
+              <a:t> = </a:t>
+            </a:r>
+            <a:r>
+              <a:rPr lang="en-US" altLang="ko-KR" sz="1000" b="1" dirty="0" err="1" smtClean="0"/>
+              <a:t>Process.Start</a:t>
+            </a:r>
+            <a:r>
+              <a:rPr lang="en-US" altLang="ko-KR" sz="1000" dirty="0" smtClean="0"/>
+              <a:t>(start);         // exe </a:t>
+            </a:r>
+            <a:r>
+              <a:rPr lang="ko-KR" altLang="en-US" sz="1000" dirty="0" err="1" smtClean="0"/>
+              <a:t>실행시</a:t>
+            </a:r>
+            <a:endParaRPr lang="ko-KR" altLang="en-US" sz="1000" dirty="0" smtClean="0"/>
+          </a:p>
+          <a:p>
+            <a:r>
+              <a:rPr lang="ko-KR" altLang="en-US" sz="1000" dirty="0" smtClean="0"/>
+              <a:t> </a:t>
+            </a:r>
+            <a:r>
+              <a:rPr lang="en-US" altLang="ko-KR" sz="1000" dirty="0" err="1" smtClean="0"/>
+              <a:t>StreamReader</a:t>
+            </a:r>
+            <a:r>
+              <a:rPr lang="en-US" altLang="ko-KR" sz="1000" dirty="0" smtClean="0"/>
+              <a:t> reader = </a:t>
+            </a:r>
+            <a:r>
+              <a:rPr lang="en-US" altLang="ko-KR" sz="1000" dirty="0" err="1" smtClean="0"/>
+              <a:t>process.StandardOutput</a:t>
+            </a:r>
+            <a:r>
+              <a:rPr lang="en-US" altLang="ko-KR" sz="1000" dirty="0" smtClean="0"/>
+              <a:t>;   // </a:t>
+            </a:r>
+            <a:r>
+              <a:rPr lang="ko-KR" altLang="en-US" sz="1000" dirty="0" smtClean="0"/>
+              <a:t>출력되는 값을 가져오기 위해 </a:t>
+            </a:r>
+            <a:r>
+              <a:rPr lang="en-US" altLang="ko-KR" sz="1000" dirty="0" err="1" smtClean="0"/>
+              <a:t>StreamReader</a:t>
+            </a:r>
+            <a:r>
+              <a:rPr lang="ko-KR" altLang="en-US" sz="1000" dirty="0" smtClean="0"/>
+              <a:t>에 연결  </a:t>
+            </a:r>
+          </a:p>
+          <a:p>
+            <a:r>
+              <a:rPr lang="ko-KR" altLang="en-US" sz="1000" dirty="0" smtClean="0"/>
+              <a:t> </a:t>
+            </a:r>
+            <a:r>
+              <a:rPr lang="en-US" altLang="ko-KR" sz="1000" dirty="0" smtClean="0"/>
+              <a:t>while (true)</a:t>
+            </a:r>
+          </a:p>
+          <a:p>
+            <a:r>
+              <a:rPr lang="en-US" altLang="ko-KR" sz="1000" dirty="0" smtClean="0"/>
+              <a:t> </a:t>
+            </a:r>
+            <a:r>
+              <a:rPr lang="en-US" altLang="ko-KR" sz="1000" dirty="0" smtClean="0"/>
+              <a:t>{</a:t>
+            </a:r>
+          </a:p>
+          <a:p>
+            <a:r>
+              <a:rPr lang="en-US" altLang="ko-KR" sz="1000" dirty="0" smtClean="0"/>
+              <a:t>     string </a:t>
+            </a:r>
+            <a:r>
+              <a:rPr lang="en-US" altLang="ko-KR" sz="1000" dirty="0" smtClean="0"/>
+              <a:t>line = </a:t>
+            </a:r>
+            <a:r>
+              <a:rPr lang="en-US" altLang="ko-KR" sz="1000" dirty="0" err="1" smtClean="0"/>
+              <a:t>reader.ReadLine</a:t>
+            </a:r>
+            <a:r>
+              <a:rPr lang="en-US" altLang="ko-KR" sz="1000" dirty="0" smtClean="0"/>
+              <a:t>();            // </a:t>
+            </a:r>
+            <a:r>
+              <a:rPr lang="ko-KR" altLang="en-US" sz="1000" dirty="0" err="1" smtClean="0"/>
+              <a:t>출력값의</a:t>
+            </a:r>
+            <a:r>
+              <a:rPr lang="ko-KR" altLang="en-US" sz="1000" dirty="0" smtClean="0"/>
+              <a:t> 한 라인을 읽는다 </a:t>
+            </a:r>
+            <a:endParaRPr lang="en-US" altLang="ko-KR" sz="1000" dirty="0" smtClean="0"/>
+          </a:p>
+          <a:p>
+            <a:r>
+              <a:rPr lang="en-US" altLang="ko-KR" sz="1000" dirty="0" smtClean="0"/>
+              <a:t>      …</a:t>
+            </a:r>
+          </a:p>
+          <a:p>
+            <a:r>
+              <a:rPr lang="en-US" altLang="ko-KR" sz="1000" dirty="0" smtClean="0"/>
+              <a:t> }</a:t>
+            </a:r>
+            <a:endParaRPr lang="ko-KR" altLang="en-US" sz="1000" dirty="0"/>
+          </a:p>
+        </p:txBody>
+      </p:sp>
+      <p:sp>
+        <p:nvSpPr>
+          <p:cNvPr id="6" name="TextBox 5"/>
+          <p:cNvSpPr txBox="1"/>
+          <p:nvPr/>
+        </p:nvSpPr>
+        <p:spPr>
+          <a:xfrm>
+            <a:off x="395536" y="3068960"/>
+            <a:ext cx="8280920" cy="3323987"/>
+          </a:xfrm>
+          <a:prstGeom prst="rect">
+            <a:avLst/>
+          </a:prstGeom>
+          <a:noFill/>
+        </p:spPr>
+        <p:txBody>
+          <a:bodyPr wrap="square" rtlCol="0">
+            <a:spAutoFit/>
+          </a:bodyPr>
+          <a:lstStyle/>
+          <a:p>
+            <a:pPr>
+              <a:buFont typeface="Wingdings" pitchFamily="2" charset="2"/>
+              <a:buChar char="u"/>
+            </a:pPr>
+            <a:r>
+              <a:rPr lang="ko-KR" altLang="en-US" sz="1000" dirty="0" smtClean="0"/>
+              <a:t> </a:t>
+            </a:r>
+            <a:r>
+              <a:rPr lang="en-US" altLang="ko-KR" sz="1000" dirty="0" smtClean="0"/>
+              <a:t>Process </a:t>
+            </a:r>
+            <a:r>
+              <a:rPr lang="ko-KR" altLang="en-US" sz="1000" dirty="0" smtClean="0"/>
+              <a:t>정보 읽어서 메모리 사용량 얻어오기</a:t>
+            </a:r>
+            <a:endParaRPr lang="en-US" altLang="ko-KR" sz="1000" dirty="0" smtClean="0"/>
+          </a:p>
+          <a:p>
+            <a:r>
+              <a:rPr lang="ko-KR" altLang="en-US" sz="1000" dirty="0" smtClean="0"/>
+              <a:t> </a:t>
+            </a:r>
+            <a:r>
+              <a:rPr lang="en-US" altLang="ko-KR" sz="1000" dirty="0" smtClean="0"/>
+              <a:t>Process[] all =</a:t>
+            </a:r>
+            <a:r>
+              <a:rPr lang="en-US" altLang="ko-KR" sz="1000" b="1" dirty="0" smtClean="0"/>
+              <a:t> </a:t>
+            </a:r>
+            <a:r>
+              <a:rPr lang="en-US" altLang="ko-KR" sz="1000" b="1" dirty="0" err="1" smtClean="0"/>
+              <a:t>Process.GetProcessesByName</a:t>
+            </a:r>
+            <a:r>
+              <a:rPr lang="en-US" altLang="ko-KR" sz="1000" b="1" dirty="0" smtClean="0"/>
+              <a:t>(“PROG01");</a:t>
+            </a:r>
+            <a:r>
+              <a:rPr lang="en-US" altLang="ko-KR" sz="1000" b="1" dirty="0" smtClean="0"/>
+              <a:t> </a:t>
+            </a:r>
+            <a:r>
+              <a:rPr lang="en-US" altLang="ko-KR" sz="1000" dirty="0" smtClean="0"/>
+              <a:t/>
+            </a:r>
+            <a:br>
+              <a:rPr lang="en-US" altLang="ko-KR" sz="1000" dirty="0" smtClean="0"/>
+            </a:br>
+            <a:r>
+              <a:rPr lang="en-US" altLang="ko-KR" sz="1000" dirty="0" smtClean="0"/>
+              <a:t> </a:t>
+            </a:r>
+            <a:r>
+              <a:rPr lang="en-US" altLang="ko-KR" sz="1000" dirty="0" err="1" smtClean="0"/>
+              <a:t>foreach</a:t>
+            </a:r>
+            <a:r>
+              <a:rPr lang="en-US" altLang="ko-KR" sz="1000" dirty="0" smtClean="0"/>
+              <a:t> (Process </a:t>
+            </a:r>
+            <a:r>
+              <a:rPr lang="en-US" altLang="ko-KR" sz="1000" dirty="0" err="1" smtClean="0"/>
+              <a:t>thisProc</a:t>
+            </a:r>
+            <a:r>
+              <a:rPr lang="en-US" altLang="ko-KR" sz="1000" dirty="0" smtClean="0"/>
+              <a:t> in </a:t>
+            </a:r>
+            <a:r>
+              <a:rPr lang="en-US" altLang="ko-KR" sz="1000" dirty="0" err="1" smtClean="0"/>
+              <a:t>all.OrderBy</a:t>
+            </a:r>
+            <a:r>
+              <a:rPr lang="en-US" altLang="ko-KR" sz="1000" dirty="0" smtClean="0"/>
+              <a:t>(x =&gt; </a:t>
+            </a:r>
+            <a:r>
+              <a:rPr lang="en-US" altLang="ko-KR" sz="1000" dirty="0" err="1" smtClean="0"/>
+              <a:t>x.ProcessName</a:t>
+            </a:r>
+            <a:r>
+              <a:rPr lang="en-US" altLang="ko-KR" sz="1000" dirty="0" smtClean="0"/>
+              <a:t>)) </a:t>
+            </a:r>
+            <a:br>
+              <a:rPr lang="en-US" altLang="ko-KR" sz="1000" dirty="0" smtClean="0"/>
+            </a:br>
+            <a:r>
+              <a:rPr lang="en-US" altLang="ko-KR" sz="1000" dirty="0" smtClean="0"/>
+              <a:t> { </a:t>
+            </a:r>
+            <a:br>
+              <a:rPr lang="en-US" altLang="ko-KR" sz="1000" dirty="0" smtClean="0"/>
+            </a:br>
+            <a:r>
+              <a:rPr lang="en-US" altLang="ko-KR" sz="1000" dirty="0" smtClean="0"/>
+              <a:t>    string Name = </a:t>
+            </a:r>
+            <a:r>
+              <a:rPr lang="en-US" altLang="ko-KR" sz="1000" dirty="0" err="1" smtClean="0"/>
+              <a:t>thisProc.ProcessName</a:t>
+            </a:r>
+            <a:r>
+              <a:rPr lang="en-US" altLang="ko-KR" sz="1000" dirty="0" smtClean="0"/>
+              <a:t>; </a:t>
+            </a:r>
+            <a:br>
+              <a:rPr lang="en-US" altLang="ko-KR" sz="1000" dirty="0" smtClean="0"/>
+            </a:br>
+            <a:r>
+              <a:rPr lang="en-US" altLang="ko-KR" sz="1000" dirty="0" smtClean="0"/>
+              <a:t>    </a:t>
+            </a:r>
+            <a:r>
+              <a:rPr lang="en-US" altLang="ko-KR" sz="1000" dirty="0" err="1" smtClean="0"/>
+              <a:t>Console.WriteLine</a:t>
+            </a:r>
+            <a:r>
+              <a:rPr lang="en-US" altLang="ko-KR" sz="1000" dirty="0" smtClean="0"/>
+              <a:t>("Name : " + Name); </a:t>
+            </a:r>
+            <a:br>
+              <a:rPr lang="en-US" altLang="ko-KR" sz="1000" dirty="0" smtClean="0"/>
+            </a:br>
+            <a:r>
+              <a:rPr lang="en-US" altLang="ko-KR" sz="1000" dirty="0" smtClean="0"/>
+              <a:t> </a:t>
+            </a:r>
+            <a:r>
+              <a:rPr lang="en-US" altLang="ko-KR" sz="1000" dirty="0" smtClean="0"/>
+              <a:t>   </a:t>
+            </a:r>
+            <a:r>
+              <a:rPr lang="en-US" altLang="ko-KR" sz="1000" dirty="0" err="1" smtClean="0"/>
+              <a:t>Console.WriteLine</a:t>
+            </a:r>
+            <a:r>
+              <a:rPr lang="en-US" altLang="ko-KR" sz="1000" dirty="0" smtClean="0"/>
+              <a:t>("NonpagedSystemMemorySize64 : " + thisProc.NonpagedSystemMemorySize64); </a:t>
+            </a:r>
+            <a:br>
+              <a:rPr lang="en-US" altLang="ko-KR" sz="1000" dirty="0" smtClean="0"/>
+            </a:br>
+            <a:r>
+              <a:rPr lang="en-US" altLang="ko-KR" sz="1000" dirty="0" smtClean="0"/>
+              <a:t>    </a:t>
+            </a:r>
+            <a:r>
+              <a:rPr lang="en-US" altLang="ko-KR" sz="1000" dirty="0" err="1" smtClean="0"/>
+              <a:t>Console.WriteLine</a:t>
+            </a:r>
+            <a:r>
+              <a:rPr lang="en-US" altLang="ko-KR" sz="1000" dirty="0" smtClean="0"/>
+              <a:t>("PagedMemorySize64 : " + thisProc.PagedMemorySize64); </a:t>
+            </a:r>
+            <a:br>
+              <a:rPr lang="en-US" altLang="ko-KR" sz="1000" dirty="0" smtClean="0"/>
+            </a:br>
+            <a:r>
+              <a:rPr lang="en-US" altLang="ko-KR" sz="1000" dirty="0" smtClean="0"/>
+              <a:t>    </a:t>
+            </a:r>
+            <a:r>
+              <a:rPr lang="en-US" altLang="ko-KR" sz="1000" dirty="0" err="1" smtClean="0"/>
+              <a:t>Console.WriteLine</a:t>
+            </a:r>
+            <a:r>
+              <a:rPr lang="en-US" altLang="ko-KR" sz="1000" dirty="0" smtClean="0"/>
+              <a:t>("PagedSystemMemorySize64 : " + thisProc.PagedSystemMemorySize64); </a:t>
+            </a:r>
+            <a:br>
+              <a:rPr lang="en-US" altLang="ko-KR" sz="1000" dirty="0" smtClean="0"/>
+            </a:br>
+            <a:r>
+              <a:rPr lang="en-US" altLang="ko-KR" sz="1000" dirty="0" smtClean="0"/>
+              <a:t>    </a:t>
+            </a:r>
+            <a:r>
+              <a:rPr lang="en-US" altLang="ko-KR" sz="1000" dirty="0" err="1" smtClean="0"/>
+              <a:t>Console.WriteLine</a:t>
+            </a:r>
+            <a:r>
+              <a:rPr lang="en-US" altLang="ko-KR" sz="1000" dirty="0" smtClean="0"/>
+              <a:t>("PeakPagedMemorySize64 : " + thisProc.PeakPagedMemorySize64); </a:t>
+            </a:r>
+            <a:br>
+              <a:rPr lang="en-US" altLang="ko-KR" sz="1000" dirty="0" smtClean="0"/>
+            </a:br>
+            <a:r>
+              <a:rPr lang="en-US" altLang="ko-KR" sz="1000" dirty="0" smtClean="0"/>
+              <a:t>    </a:t>
+            </a:r>
+            <a:r>
+              <a:rPr lang="en-US" altLang="ko-KR" sz="1000" dirty="0" err="1" smtClean="0"/>
+              <a:t>Console.WriteLine</a:t>
+            </a:r>
+            <a:r>
+              <a:rPr lang="en-US" altLang="ko-KR" sz="1000" dirty="0" smtClean="0"/>
+              <a:t>("PeakVirtualMemorySize64 : " + thisProc.PeakVirtualMemorySize64); </a:t>
+            </a:r>
+            <a:br>
+              <a:rPr lang="en-US" altLang="ko-KR" sz="1000" dirty="0" smtClean="0"/>
+            </a:br>
+            <a:r>
+              <a:rPr lang="en-US" altLang="ko-KR" sz="1000" dirty="0" smtClean="0"/>
+              <a:t>    </a:t>
+            </a:r>
+            <a:r>
+              <a:rPr lang="en-US" altLang="ko-KR" sz="1000" dirty="0" err="1" smtClean="0"/>
+              <a:t>Console.WriteLine</a:t>
+            </a:r>
+            <a:r>
+              <a:rPr lang="en-US" altLang="ko-KR" sz="1000" dirty="0" smtClean="0"/>
+              <a:t>("PeakWorkingSet64 : " + thisProc.PeakWorkingSet64); </a:t>
+            </a:r>
+            <a:br>
+              <a:rPr lang="en-US" altLang="ko-KR" sz="1000" dirty="0" smtClean="0"/>
+            </a:br>
+            <a:r>
+              <a:rPr lang="en-US" altLang="ko-KR" sz="1000" dirty="0" smtClean="0"/>
+              <a:t>    </a:t>
+            </a:r>
+            <a:r>
+              <a:rPr lang="en-US" altLang="ko-KR" sz="1000" dirty="0" err="1" smtClean="0"/>
+              <a:t>Console.WriteLine</a:t>
+            </a:r>
+            <a:r>
+              <a:rPr lang="en-US" altLang="ko-KR" sz="1000" dirty="0" smtClean="0"/>
+              <a:t>("PrivateMemorySize64 : " + thisProc.PrivateMemorySize64); </a:t>
+            </a:r>
+            <a:br>
+              <a:rPr lang="en-US" altLang="ko-KR" sz="1000" dirty="0" smtClean="0"/>
+            </a:br>
+            <a:r>
+              <a:rPr lang="en-US" altLang="ko-KR" sz="1000" dirty="0" smtClean="0"/>
+              <a:t>    </a:t>
+            </a:r>
+            <a:r>
+              <a:rPr lang="en-US" altLang="ko-KR" sz="1000" dirty="0" err="1" smtClean="0"/>
+              <a:t>Console.WriteLine</a:t>
+            </a:r>
+            <a:r>
+              <a:rPr lang="en-US" altLang="ko-KR" sz="1000" dirty="0" smtClean="0"/>
+              <a:t>("</a:t>
+            </a:r>
+            <a:r>
+              <a:rPr lang="en-US" altLang="ko-KR" sz="1000" dirty="0" err="1" smtClean="0"/>
+              <a:t>PrivilegedProcessorTime</a:t>
+            </a:r>
+            <a:r>
+              <a:rPr lang="en-US" altLang="ko-KR" sz="1000" dirty="0" smtClean="0"/>
+              <a:t> : " + </a:t>
+            </a:r>
+            <a:r>
+              <a:rPr lang="en-US" altLang="ko-KR" sz="1000" dirty="0" err="1" smtClean="0"/>
+              <a:t>thisProc.PrivilegedProcessorTime</a:t>
+            </a:r>
+            <a:r>
+              <a:rPr lang="en-US" altLang="ko-KR" sz="1000" dirty="0" smtClean="0"/>
+              <a:t>); </a:t>
+            </a:r>
+            <a:br>
+              <a:rPr lang="en-US" altLang="ko-KR" sz="1000" dirty="0" smtClean="0"/>
+            </a:br>
+            <a:r>
+              <a:rPr lang="en-US" altLang="ko-KR" sz="1000" dirty="0" smtClean="0"/>
+              <a:t>    </a:t>
+            </a:r>
+            <a:r>
+              <a:rPr lang="en-US" altLang="ko-KR" sz="1000" dirty="0" err="1" smtClean="0"/>
+              <a:t>Console.WriteLine</a:t>
+            </a:r>
+            <a:r>
+              <a:rPr lang="en-US" altLang="ko-KR" sz="1000" dirty="0" smtClean="0"/>
+              <a:t>("</a:t>
+            </a:r>
+            <a:r>
+              <a:rPr lang="en-US" altLang="ko-KR" sz="1000" dirty="0" err="1" smtClean="0"/>
+              <a:t>ProcessorAffinity</a:t>
+            </a:r>
+            <a:r>
+              <a:rPr lang="en-US" altLang="ko-KR" sz="1000" dirty="0" smtClean="0"/>
+              <a:t> : " + </a:t>
+            </a:r>
+            <a:r>
+              <a:rPr lang="en-US" altLang="ko-KR" sz="1000" dirty="0" err="1" smtClean="0"/>
+              <a:t>thisProc.ProcessorAffinity</a:t>
+            </a:r>
+            <a:r>
+              <a:rPr lang="en-US" altLang="ko-KR" sz="1000" dirty="0" smtClean="0"/>
+              <a:t>); </a:t>
+            </a:r>
+            <a:br>
+              <a:rPr lang="en-US" altLang="ko-KR" sz="1000" dirty="0" smtClean="0"/>
+            </a:br>
+            <a:r>
+              <a:rPr lang="en-US" altLang="ko-KR" sz="1000" dirty="0" smtClean="0"/>
+              <a:t>    </a:t>
+            </a:r>
+            <a:r>
+              <a:rPr lang="en-US" altLang="ko-KR" sz="1000" dirty="0" err="1" smtClean="0"/>
+              <a:t>Console.WriteLine</a:t>
+            </a:r>
+            <a:r>
+              <a:rPr lang="en-US" altLang="ko-KR" sz="1000" dirty="0" smtClean="0"/>
+              <a:t>("</a:t>
+            </a:r>
+            <a:r>
+              <a:rPr lang="en-US" altLang="ko-KR" sz="1000" dirty="0" err="1" smtClean="0"/>
+              <a:t>TotalProcessorTime</a:t>
+            </a:r>
+            <a:r>
+              <a:rPr lang="en-US" altLang="ko-KR" sz="1000" dirty="0" smtClean="0"/>
+              <a:t> : " + </a:t>
+            </a:r>
+            <a:r>
+              <a:rPr lang="en-US" altLang="ko-KR" sz="1000" dirty="0" err="1" smtClean="0"/>
+              <a:t>thisProc.TotalProcessorTime</a:t>
+            </a:r>
+            <a:r>
+              <a:rPr lang="en-US" altLang="ko-KR" sz="1000" dirty="0" smtClean="0"/>
+              <a:t>); </a:t>
+            </a:r>
+            <a:br>
+              <a:rPr lang="en-US" altLang="ko-KR" sz="1000" dirty="0" smtClean="0"/>
+            </a:br>
+            <a:r>
+              <a:rPr lang="en-US" altLang="ko-KR" sz="1000" dirty="0" smtClean="0"/>
+              <a:t>    </a:t>
+            </a:r>
+            <a:r>
+              <a:rPr lang="en-US" altLang="ko-KR" sz="1000" dirty="0" err="1" smtClean="0"/>
+              <a:t>Console.WriteLine</a:t>
+            </a:r>
+            <a:r>
+              <a:rPr lang="en-US" altLang="ko-KR" sz="1000" dirty="0" smtClean="0"/>
+              <a:t>("</a:t>
+            </a:r>
+            <a:r>
+              <a:rPr lang="en-US" altLang="ko-KR" sz="1000" dirty="0" err="1" smtClean="0"/>
+              <a:t>UserProcessorTime</a:t>
+            </a:r>
+            <a:r>
+              <a:rPr lang="en-US" altLang="ko-KR" sz="1000" dirty="0" smtClean="0"/>
+              <a:t> : " + </a:t>
+            </a:r>
+            <a:r>
+              <a:rPr lang="en-US" altLang="ko-KR" sz="1000" dirty="0" err="1" smtClean="0"/>
+              <a:t>thisProc.UserProcessorTime</a:t>
+            </a:r>
+            <a:r>
+              <a:rPr lang="en-US" altLang="ko-KR" sz="1000" dirty="0" smtClean="0"/>
+              <a:t>); </a:t>
+            </a:r>
+            <a:br>
+              <a:rPr lang="en-US" altLang="ko-KR" sz="1000" dirty="0" smtClean="0"/>
+            </a:br>
+            <a:r>
+              <a:rPr lang="en-US" altLang="ko-KR" sz="1000" dirty="0" smtClean="0"/>
+              <a:t>    </a:t>
+            </a:r>
+            <a:r>
+              <a:rPr lang="en-US" altLang="ko-KR" sz="1000" dirty="0" err="1" smtClean="0"/>
+              <a:t>Console.WriteLine</a:t>
+            </a:r>
+            <a:r>
+              <a:rPr lang="en-US" altLang="ko-KR" sz="1000" dirty="0" smtClean="0"/>
+              <a:t>("VirtualMemorySize64 : " + thisProc.VirtualMemorySize64); </a:t>
+            </a:r>
+            <a:br>
+              <a:rPr lang="en-US" altLang="ko-KR" sz="1000" dirty="0" smtClean="0"/>
+            </a:br>
+            <a:r>
+              <a:rPr lang="en-US" altLang="ko-KR" sz="1000" dirty="0" smtClean="0"/>
+              <a:t>    </a:t>
+            </a:r>
+            <a:r>
+              <a:rPr lang="en-US" altLang="ko-KR" sz="1000" dirty="0" err="1" smtClean="0"/>
+              <a:t>Console.WriteLine</a:t>
+            </a:r>
+            <a:r>
+              <a:rPr lang="en-US" altLang="ko-KR" sz="1000" dirty="0" smtClean="0"/>
+              <a:t>("WorkingSet64 : " + </a:t>
+            </a:r>
+            <a:r>
+              <a:rPr lang="en-US" altLang="ko-KR" sz="1000" b="1" dirty="0" smtClean="0"/>
+              <a:t>thisProc.WorkingSet64</a:t>
+            </a:r>
+            <a:r>
+              <a:rPr lang="en-US" altLang="ko-KR" sz="1000" dirty="0" smtClean="0"/>
+              <a:t>); // </a:t>
+            </a:r>
+            <a:r>
+              <a:rPr lang="en-US" altLang="ko-KR" sz="1000" dirty="0" err="1" smtClean="0"/>
+              <a:t>tasklist</a:t>
+            </a:r>
+            <a:r>
+              <a:rPr lang="ko-KR" altLang="en-US" sz="1000" dirty="0" smtClean="0"/>
+              <a:t>에서 </a:t>
+            </a:r>
+            <a:r>
+              <a:rPr lang="ko-KR" altLang="en-US" sz="1000" dirty="0" smtClean="0"/>
+              <a:t>보이는 메모리 사용량</a:t>
+            </a:r>
+            <a:br>
+              <a:rPr lang="ko-KR" altLang="en-US" sz="1000" dirty="0" smtClean="0"/>
+            </a:br>
+            <a:r>
+              <a:rPr lang="ko-KR" altLang="en-US" sz="1000" dirty="0" smtClean="0"/>
+              <a:t>    </a:t>
+            </a:r>
+            <a:r>
+              <a:rPr lang="en-US" altLang="ko-KR" sz="1000" dirty="0" err="1" smtClean="0"/>
+              <a:t>Console.WriteLine</a:t>
+            </a:r>
+            <a:r>
+              <a:rPr lang="en-US" altLang="ko-KR" sz="1000" dirty="0" smtClean="0"/>
+              <a:t>(); </a:t>
+            </a:r>
+            <a:br>
+              <a:rPr lang="en-US" altLang="ko-KR" sz="1000" dirty="0" smtClean="0"/>
+            </a:br>
+            <a:r>
+              <a:rPr lang="en-US" altLang="ko-KR" sz="1000" dirty="0" smtClean="0"/>
+              <a:t> </a:t>
+            </a:r>
+            <a:r>
+              <a:rPr lang="en-US" altLang="ko-KR" sz="1000" dirty="0" smtClean="0"/>
+              <a:t>}</a:t>
+            </a:r>
+            <a:endParaRPr lang="ko-KR" altLang="en-US" sz="1000" dirty="0"/>
+          </a:p>
+        </p:txBody>
+      </p:sp>
+    </p:spTree>
+  </p:cSld>
+  <p:clrMapOvr>
+    <a:masterClrMapping/>
+  </p:clrMapOvr>
+</p:sld>
+</file>
+
+<file path=ppt/slides/slide7.xml><?xml version="1.0" encoding="utf-8"?>
+<p:sld xmlns:a="http://schemas.openxmlformats.org/drawingml/2006/main" xmlns:r="http://schemas.openxmlformats.org/officeDocument/2006/relationships" xmlns:p="http://schemas.openxmlformats.org/presentationml/2006/main">
+  <p:cSld>
+    <p:spTree>
+      <p:nvGrpSpPr>
+        <p:cNvPr id="1" name=""/>
+        <p:cNvGrpSpPr/>
+        <p:nvPr/>
+      </p:nvGrpSpPr>
+      <p:grpSpPr>
+        <a:xfrm>
+          <a:off x="0" y="0"/>
+          <a:ext cx="0" cy="0"/>
+          <a:chOff x="0" y="0"/>
+          <a:chExt cx="0" cy="0"/>
+        </a:xfrm>
+      </p:grpSpPr>
+      <p:sp>
+        <p:nvSpPr>
+          <p:cNvPr id="4" name="직사각형 3"/>
+          <p:cNvSpPr/>
+          <p:nvPr/>
+        </p:nvSpPr>
+        <p:spPr>
+          <a:xfrm>
+            <a:off x="395536" y="548680"/>
+            <a:ext cx="6120680" cy="2862322"/>
+          </a:xfrm>
+          <a:prstGeom prst="rect">
+            <a:avLst/>
+          </a:prstGeom>
+        </p:spPr>
+        <p:txBody>
+          <a:bodyPr wrap="square">
+            <a:spAutoFit/>
+          </a:bodyPr>
+          <a:lstStyle/>
+          <a:p>
+            <a:pPr>
+              <a:buFont typeface="Wingdings" pitchFamily="2" charset="2"/>
+              <a:buChar char="u"/>
+            </a:pPr>
+            <a:r>
+              <a:rPr lang="ko-KR" altLang="en-US" sz="1000" dirty="0" smtClean="0"/>
+              <a:t> 파일 속성</a:t>
+            </a:r>
+            <a:endParaRPr lang="en-US" altLang="ko-KR" sz="1000" dirty="0" smtClean="0"/>
+          </a:p>
+          <a:p>
+            <a:r>
+              <a:rPr lang="en-US" altLang="ko-KR" sz="1000" dirty="0" err="1" smtClean="0"/>
+              <a:t>FileInfo</a:t>
+            </a:r>
+            <a:r>
+              <a:rPr lang="en-US" altLang="ko-KR" sz="1000" dirty="0" smtClean="0"/>
+              <a:t> </a:t>
+            </a:r>
+            <a:r>
+              <a:rPr lang="en-US" altLang="ko-KR" sz="1000" dirty="0" err="1" smtClean="0"/>
+              <a:t>fi</a:t>
+            </a:r>
+            <a:r>
+              <a:rPr lang="en-US" altLang="ko-KR" sz="1000" dirty="0" smtClean="0"/>
+              <a:t> = new </a:t>
+            </a:r>
+            <a:r>
+              <a:rPr lang="en-US" altLang="ko-KR" sz="1000" dirty="0" err="1" smtClean="0"/>
+              <a:t>FileInfo</a:t>
+            </a:r>
+            <a:r>
+              <a:rPr lang="en-US" altLang="ko-KR" sz="1000" smtClean="0"/>
+              <a:t>(path);</a:t>
+            </a:r>
+            <a:endParaRPr lang="en-US" altLang="ko-KR" sz="1000" dirty="0" smtClean="0"/>
+          </a:p>
+          <a:p>
+            <a:r>
+              <a:rPr lang="ko-KR" altLang="en-US" sz="1000" dirty="0" smtClean="0"/>
+              <a:t>파일 존재 여부 </a:t>
+            </a:r>
+            <a:r>
+              <a:rPr lang="en-US" altLang="ko-KR" sz="1000" dirty="0" smtClean="0"/>
+              <a:t>: </a:t>
+            </a:r>
+            <a:r>
+              <a:rPr lang="en-US" altLang="ko-KR" sz="1000" dirty="0" err="1" smtClean="0"/>
+              <a:t>fi.Exists</a:t>
+            </a:r>
+            <a:endParaRPr lang="en-US" altLang="ko-KR" sz="1000" dirty="0" smtClean="0"/>
+          </a:p>
+          <a:p>
+            <a:r>
+              <a:rPr lang="ko-KR" altLang="en-US" sz="1000" dirty="0" smtClean="0"/>
+              <a:t>파일 크기 </a:t>
+            </a:r>
+            <a:r>
+              <a:rPr lang="en-US" altLang="ko-KR" sz="1000" dirty="0" smtClean="0"/>
+              <a:t>: </a:t>
+            </a:r>
+            <a:r>
+              <a:rPr lang="en-US" altLang="ko-KR" sz="1000" dirty="0" err="1" smtClean="0"/>
+              <a:t>fi.Length</a:t>
+            </a:r>
+            <a:endParaRPr lang="en-US" altLang="ko-KR" sz="1000" dirty="0" smtClean="0"/>
+          </a:p>
+          <a:p>
+            <a:endParaRPr lang="en-US" altLang="ko-KR" sz="1000" dirty="0" smtClean="0"/>
+          </a:p>
+          <a:p>
+            <a:pPr>
+              <a:buFont typeface="Wingdings" pitchFamily="2" charset="2"/>
+              <a:buChar char="u"/>
+            </a:pPr>
+            <a:r>
+              <a:rPr lang="ko-KR" altLang="en-US" sz="1000" dirty="0" smtClean="0"/>
+              <a:t> 파일 </a:t>
+            </a:r>
+            <a:r>
+              <a:rPr lang="en-US" altLang="ko-KR" sz="1000" dirty="0" smtClean="0"/>
+              <a:t>Append</a:t>
+            </a:r>
+            <a:r>
+              <a:rPr lang="ko-KR" altLang="en-US" sz="1000" dirty="0" smtClean="0"/>
+              <a:t>로 쓰</a:t>
+            </a:r>
+            <a:r>
+              <a:rPr lang="ko-KR" altLang="en-US" sz="1000" dirty="0" smtClean="0"/>
+              <a:t>기</a:t>
+            </a:r>
+            <a:endParaRPr lang="en-US" altLang="ko-KR" sz="1000" dirty="0" smtClean="0"/>
+          </a:p>
+          <a:p>
+            <a:r>
+              <a:rPr lang="en-US" altLang="ko-KR" sz="1000" dirty="0" err="1" smtClean="0"/>
+              <a:t>StreamWriter</a:t>
+            </a:r>
+            <a:r>
+              <a:rPr lang="en-US" altLang="ko-KR" sz="1000" dirty="0" smtClean="0"/>
+              <a:t> </a:t>
+            </a:r>
+            <a:r>
+              <a:rPr lang="en-US" altLang="ko-KR" sz="1000" dirty="0" err="1" smtClean="0"/>
+              <a:t>sw</a:t>
+            </a:r>
+            <a:r>
+              <a:rPr lang="en-US" altLang="ko-KR" sz="1000" dirty="0" smtClean="0"/>
+              <a:t> = new </a:t>
+            </a:r>
+            <a:r>
+              <a:rPr lang="en-US" altLang="ko-KR" sz="1000" dirty="0" err="1" smtClean="0"/>
+              <a:t>StreamWriter</a:t>
+            </a:r>
+            <a:r>
+              <a:rPr lang="en-US" altLang="ko-KR" sz="1000" dirty="0" smtClean="0"/>
+              <a:t>(path, true);</a:t>
+            </a:r>
+          </a:p>
+          <a:p>
+            <a:r>
+              <a:rPr lang="en-US" altLang="ko-KR" sz="1000" dirty="0" err="1" smtClean="0"/>
+              <a:t>sw.WriteLine</a:t>
+            </a:r>
+            <a:r>
+              <a:rPr lang="en-US" altLang="ko-KR" sz="1000" dirty="0" smtClean="0"/>
+              <a:t>(line</a:t>
+            </a:r>
+            <a:r>
+              <a:rPr lang="en-US" altLang="ko-KR" sz="1000" dirty="0" smtClean="0"/>
+              <a:t>);</a:t>
+            </a:r>
+          </a:p>
+          <a:p>
+            <a:r>
+              <a:rPr lang="en-US" altLang="ko-KR" sz="1000" dirty="0" err="1" smtClean="0"/>
+              <a:t>sw.Close</a:t>
+            </a:r>
+            <a:r>
+              <a:rPr lang="en-US" altLang="ko-KR" sz="1000" dirty="0" smtClean="0"/>
+              <a:t>();</a:t>
+            </a:r>
+          </a:p>
+          <a:p>
+            <a:endParaRPr lang="en-US" altLang="ko-KR" sz="1000" dirty="0" smtClean="0"/>
+          </a:p>
+          <a:p>
+            <a:pPr>
+              <a:buFont typeface="Wingdings" pitchFamily="2" charset="2"/>
+              <a:buChar char="u"/>
+            </a:pPr>
+            <a:r>
+              <a:rPr lang="ko-KR" altLang="en-US" sz="1000" dirty="0" smtClean="0"/>
+              <a:t> 문자열 공백 단위로 나누기 </a:t>
+            </a:r>
+            <a:endParaRPr lang="en-US" altLang="ko-KR" sz="1000" dirty="0" smtClean="0"/>
+          </a:p>
+          <a:p>
+            <a:r>
+              <a:rPr lang="en-US" altLang="ko-KR" sz="1000" dirty="0" smtClean="0"/>
+              <a:t>char[] delimiter = { ' ' };</a:t>
+            </a:r>
+          </a:p>
+          <a:p>
+            <a:r>
+              <a:rPr lang="en-US" altLang="ko-KR" sz="1000" dirty="0" smtClean="0"/>
+              <a:t>string</a:t>
+            </a:r>
+            <a:r>
+              <a:rPr lang="en-US" altLang="ko-KR" sz="1000" dirty="0" smtClean="0"/>
+              <a:t>[] </a:t>
+            </a:r>
+            <a:r>
+              <a:rPr lang="en-US" altLang="ko-KR" sz="1000" dirty="0" err="1" smtClean="0"/>
+              <a:t>strWords</a:t>
+            </a:r>
+            <a:r>
+              <a:rPr lang="en-US" altLang="ko-KR" sz="1000" dirty="0" smtClean="0"/>
+              <a:t> = </a:t>
+            </a:r>
+            <a:r>
+              <a:rPr lang="en-US" altLang="ko-KR" sz="1000" dirty="0" err="1" smtClean="0"/>
+              <a:t>line.</a:t>
+            </a:r>
+            <a:r>
+              <a:rPr lang="en-US" altLang="ko-KR" sz="1000" b="1" dirty="0" err="1" smtClean="0"/>
+              <a:t>Split</a:t>
+            </a:r>
+            <a:r>
+              <a:rPr lang="en-US" altLang="ko-KR" sz="1000" dirty="0" smtClean="0"/>
+              <a:t>(delimiter, </a:t>
+            </a:r>
+            <a:r>
+              <a:rPr lang="en-US" altLang="ko-KR" sz="1000" b="1" dirty="0" err="1" smtClean="0"/>
+              <a:t>StringSplitOptions.RemoveEmptyEntries</a:t>
+            </a:r>
+            <a:r>
+              <a:rPr lang="en-US" altLang="ko-KR" sz="1000" dirty="0" smtClean="0"/>
+              <a:t>);</a:t>
+            </a:r>
+          </a:p>
+          <a:p>
+            <a:endParaRPr lang="en-US" altLang="ko-KR" sz="1000" dirty="0" smtClean="0"/>
+          </a:p>
+          <a:p>
+            <a:pPr>
+              <a:buFont typeface="Wingdings" pitchFamily="2" charset="2"/>
+              <a:buChar char="u"/>
+            </a:pPr>
+            <a:r>
+              <a:rPr lang="en-US" altLang="ko-KR" sz="1000" dirty="0" smtClean="0"/>
+              <a:t> Create </a:t>
+            </a:r>
+            <a:r>
+              <a:rPr lang="en-US" altLang="ko-KR" sz="1000" dirty="0" smtClean="0"/>
+              <a:t>Thread</a:t>
+            </a:r>
+          </a:p>
+          <a:p>
+            <a:r>
+              <a:rPr lang="en-US" altLang="ko-KR" sz="1000" dirty="0" err="1" smtClean="0"/>
+              <a:t>ThreadLogic</a:t>
+            </a:r>
+            <a:r>
+              <a:rPr lang="en-US" altLang="ko-KR" sz="1000" dirty="0" smtClean="0"/>
+              <a:t> </a:t>
+            </a:r>
+            <a:r>
+              <a:rPr lang="en-US" altLang="ko-KR" sz="1000" dirty="0" err="1" smtClean="0"/>
+              <a:t>th</a:t>
+            </a:r>
+            <a:r>
+              <a:rPr lang="en-US" altLang="ko-KR" sz="1000" dirty="0" smtClean="0"/>
+              <a:t> = new </a:t>
+            </a:r>
+            <a:r>
+              <a:rPr lang="en-US" altLang="ko-KR" sz="1000" dirty="0" err="1" smtClean="0"/>
+              <a:t>ThreadLogic</a:t>
+            </a:r>
+            <a:r>
+              <a:rPr lang="en-US" altLang="ko-KR" sz="1000" dirty="0" smtClean="0"/>
+              <a:t>();</a:t>
+            </a:r>
+          </a:p>
+          <a:p>
+            <a:r>
+              <a:rPr lang="en-US" altLang="ko-KR" sz="1000" dirty="0" smtClean="0"/>
+              <a:t>Thread </a:t>
+            </a:r>
+            <a:r>
+              <a:rPr lang="en-US" altLang="ko-KR" sz="1000" dirty="0" err="1" smtClean="0"/>
+              <a:t>workerThread</a:t>
+            </a:r>
+            <a:r>
+              <a:rPr lang="en-US" altLang="ko-KR" sz="1000" dirty="0" smtClean="0"/>
+              <a:t> = new Thread(</a:t>
+            </a:r>
+            <a:r>
+              <a:rPr lang="en-US" altLang="ko-KR" sz="1000" dirty="0" err="1" smtClean="0"/>
+              <a:t>th.DoMonitoring</a:t>
+            </a:r>
+            <a:r>
+              <a:rPr lang="en-US" altLang="ko-KR" sz="1000" dirty="0" smtClean="0"/>
+              <a:t>);</a:t>
+            </a:r>
+          </a:p>
+          <a:p>
+            <a:r>
+              <a:rPr lang="en-US" altLang="ko-KR" sz="1000" dirty="0" err="1" smtClean="0"/>
+              <a:t>workerThread.Start</a:t>
+            </a:r>
+            <a:r>
+              <a:rPr lang="en-US" altLang="ko-KR" sz="1000" dirty="0" smtClean="0"/>
+              <a:t>();    // start</a:t>
+            </a:r>
+            <a:r>
+              <a:rPr lang="ko-KR" altLang="en-US" sz="1000" dirty="0" smtClean="0"/>
+              <a:t>함수 안에 </a:t>
+            </a:r>
+            <a:r>
+              <a:rPr lang="en-US" altLang="ko-KR" sz="1000" dirty="0" smtClean="0"/>
+              <a:t>parameter</a:t>
+            </a:r>
+            <a:r>
+              <a:rPr lang="ko-KR" altLang="en-US" sz="1000" dirty="0" smtClean="0"/>
+              <a:t>를 넣는다</a:t>
+            </a:r>
+            <a:r>
+              <a:rPr lang="en-US" altLang="ko-KR" sz="1000" dirty="0" smtClean="0"/>
+              <a:t>.</a:t>
+            </a:r>
+          </a:p>
+        </p:txBody>
+      </p:sp>
+      <p:sp>
+        <p:nvSpPr>
+          <p:cNvPr id="5" name="TextBox 4"/>
+          <p:cNvSpPr txBox="1"/>
+          <p:nvPr/>
+        </p:nvSpPr>
+        <p:spPr>
+          <a:xfrm>
+            <a:off x="6948264" y="188640"/>
+            <a:ext cx="1944216" cy="369332"/>
+          </a:xfrm>
+          <a:prstGeom prst="rect">
+            <a:avLst/>
+          </a:prstGeom>
+          <a:noFill/>
+          <a:ln>
+            <a:solidFill>
+              <a:schemeClr val="tx1"/>
+            </a:solidFill>
+          </a:ln>
+        </p:spPr>
+        <p:txBody>
+          <a:bodyPr wrap="square" rtlCol="0">
+            <a:spAutoFit/>
+          </a:bodyPr>
+          <a:lstStyle/>
+          <a:p>
+            <a:pPr algn="ctr"/>
+            <a:r>
+              <a:rPr lang="ko-KR" altLang="en-US" dirty="0" smtClean="0"/>
+              <a:t>주요 </a:t>
+            </a:r>
+            <a:r>
+              <a:rPr lang="en-US" altLang="ko-KR" dirty="0" smtClean="0"/>
+              <a:t>API</a:t>
+            </a:r>
+            <a:endParaRPr lang="ko-KR" altLang="en-US" dirty="0"/>
           </a:p>
         </p:txBody>
       </p:sp>
